--- a/otmm_decimal/result_colab/result_novelty_5195_1.0_6_159_ColabPP/result_novelty_5195_1.0_6_159_parsing.pptx
+++ b/otmm_decimal/result_colab/result_novelty_5195_1.0_6_159_ColabPP/result_novelty_5195_1.0_6_159_parsing.pptx
@@ -262,7 +262,7 @@
           <a:p>
             <a:fld id="{A1CCF42C-534B-4F17-84EB-3026585EF5A2}" type="datetimeFigureOut">
               <a:rPr kumimoji="1" lang="ja-JP" altLang="en-US" smtClean="0"/>
-              <a:t>2022/12/27</a:t>
+              <a:t>2022/12/29</a:t>
             </a:fld>
             <a:endParaRPr kumimoji="1" lang="ja-JP" altLang="en-US"/>
           </a:p>
@@ -492,7 +492,7 @@
           <a:p>
             <a:fld id="{A1CCF42C-534B-4F17-84EB-3026585EF5A2}" type="datetimeFigureOut">
               <a:rPr kumimoji="1" lang="ja-JP" altLang="en-US" smtClean="0"/>
-              <a:t>2022/12/27</a:t>
+              <a:t>2022/12/29</a:t>
             </a:fld>
             <a:endParaRPr kumimoji="1" lang="ja-JP" altLang="en-US"/>
           </a:p>
@@ -732,7 +732,7 @@
           <a:p>
             <a:fld id="{A1CCF42C-534B-4F17-84EB-3026585EF5A2}" type="datetimeFigureOut">
               <a:rPr kumimoji="1" lang="ja-JP" altLang="en-US" smtClean="0"/>
-              <a:t>2022/12/27</a:t>
+              <a:t>2022/12/29</a:t>
             </a:fld>
             <a:endParaRPr kumimoji="1" lang="ja-JP" altLang="en-US"/>
           </a:p>
@@ -962,7 +962,7 @@
           <a:p>
             <a:fld id="{A1CCF42C-534B-4F17-84EB-3026585EF5A2}" type="datetimeFigureOut">
               <a:rPr kumimoji="1" lang="ja-JP" altLang="en-US" smtClean="0"/>
-              <a:t>2022/12/27</a:t>
+              <a:t>2022/12/29</a:t>
             </a:fld>
             <a:endParaRPr kumimoji="1" lang="ja-JP" altLang="en-US"/>
           </a:p>
@@ -1237,7 +1237,7 @@
           <a:p>
             <a:fld id="{A1CCF42C-534B-4F17-84EB-3026585EF5A2}" type="datetimeFigureOut">
               <a:rPr kumimoji="1" lang="ja-JP" altLang="en-US" smtClean="0"/>
-              <a:t>2022/12/27</a:t>
+              <a:t>2022/12/29</a:t>
             </a:fld>
             <a:endParaRPr kumimoji="1" lang="ja-JP" altLang="en-US"/>
           </a:p>
@@ -1566,7 +1566,7 @@
           <a:p>
             <a:fld id="{A1CCF42C-534B-4F17-84EB-3026585EF5A2}" type="datetimeFigureOut">
               <a:rPr kumimoji="1" lang="ja-JP" altLang="en-US" smtClean="0"/>
-              <a:t>2022/12/27</a:t>
+              <a:t>2022/12/29</a:t>
             </a:fld>
             <a:endParaRPr kumimoji="1" lang="ja-JP" altLang="en-US"/>
           </a:p>
@@ -2042,7 +2042,7 @@
           <a:p>
             <a:fld id="{A1CCF42C-534B-4F17-84EB-3026585EF5A2}" type="datetimeFigureOut">
               <a:rPr kumimoji="1" lang="ja-JP" altLang="en-US" smtClean="0"/>
-              <a:t>2022/12/27</a:t>
+              <a:t>2022/12/29</a:t>
             </a:fld>
             <a:endParaRPr kumimoji="1" lang="ja-JP" altLang="en-US"/>
           </a:p>
@@ -2183,7 +2183,7 @@
           <a:p>
             <a:fld id="{A1CCF42C-534B-4F17-84EB-3026585EF5A2}" type="datetimeFigureOut">
               <a:rPr kumimoji="1" lang="ja-JP" altLang="en-US" smtClean="0"/>
-              <a:t>2022/12/27</a:t>
+              <a:t>2022/12/29</a:t>
             </a:fld>
             <a:endParaRPr kumimoji="1" lang="ja-JP" altLang="en-US"/>
           </a:p>
@@ -2296,7 +2296,7 @@
           <a:p>
             <a:fld id="{A1CCF42C-534B-4F17-84EB-3026585EF5A2}" type="datetimeFigureOut">
               <a:rPr kumimoji="1" lang="ja-JP" altLang="en-US" smtClean="0"/>
-              <a:t>2022/12/27</a:t>
+              <a:t>2022/12/29</a:t>
             </a:fld>
             <a:endParaRPr kumimoji="1" lang="ja-JP" altLang="en-US"/>
           </a:p>
@@ -2639,7 +2639,7 @@
           <a:p>
             <a:fld id="{A1CCF42C-534B-4F17-84EB-3026585EF5A2}" type="datetimeFigureOut">
               <a:rPr kumimoji="1" lang="ja-JP" altLang="en-US" smtClean="0"/>
-              <a:t>2022/12/27</a:t>
+              <a:t>2022/12/29</a:t>
             </a:fld>
             <a:endParaRPr kumimoji="1" lang="ja-JP" altLang="en-US"/>
           </a:p>
@@ -2927,7 +2927,7 @@
           <a:p>
             <a:fld id="{A1CCF42C-534B-4F17-84EB-3026585EF5A2}" type="datetimeFigureOut">
               <a:rPr kumimoji="1" lang="ja-JP" altLang="en-US" smtClean="0"/>
-              <a:t>2022/12/27</a:t>
+              <a:t>2022/12/29</a:t>
             </a:fld>
             <a:endParaRPr kumimoji="1" lang="ja-JP" altLang="en-US"/>
           </a:p>
@@ -3200,7 +3200,7 @@
           <a:p>
             <a:fld id="{A1CCF42C-534B-4F17-84EB-3026585EF5A2}" type="datetimeFigureOut">
               <a:rPr kumimoji="1" lang="ja-JP" altLang="en-US" smtClean="0"/>
-              <a:t>2022/12/27</a:t>
+              <a:t>2022/12/29</a:t>
             </a:fld>
             <a:endParaRPr kumimoji="1" lang="ja-JP" altLang="en-US"/>
           </a:p>
@@ -4486,7 +4486,7 @@
         </p:nvSpPr>
         <p:spPr>
           <a:xfrm>
-            <a:off x="8017763" y="3025385"/>
+            <a:off x="8100378" y="3025385"/>
             <a:ext cx="746970" cy="369332"/>
           </a:xfrm>
           <a:prstGeom prst="rect">
@@ -4502,12 +4502,12 @@
           <a:p>
             <a:pPr algn="ctr"/>
             <a:r>
-              <a:rPr lang="en-US" altLang="ja-JP" dirty="0">
+              <a:rPr kumimoji="1" lang="en-US" altLang="ja-JP" dirty="0">
                 <a:solidFill>
                   <a:schemeClr val="accent2"/>
                 </a:solidFill>
               </a:rPr>
-              <a:t>1</a:t>
+              <a:t>0.99</a:t>
             </a:r>
             <a:endParaRPr kumimoji="1" lang="ja-JP" altLang="en-US" dirty="0">
               <a:solidFill>
@@ -4728,23 +4728,39 @@
           <a:lstStyle/>
           <a:p>
             <a:r>
-              <a:rPr kumimoji="1" lang="en-US" altLang="ja-JP" sz="1600" dirty="0"/>
+              <a:rPr kumimoji="1" lang="en-US" altLang="ja-JP" sz="1600" dirty="0">
+                <a:solidFill>
+                  <a:srgbClr val="FF0000"/>
+                </a:solidFill>
+              </a:rPr>
               <a:t>Man(</a:t>
             </a:r>
             <a:r>
-              <a:rPr lang="en-US" altLang="ja-JP" sz="1600" dirty="0"/>
+              <a:rPr lang="en-US" altLang="ja-JP" sz="1600" dirty="0">
+                <a:solidFill>
+                  <a:srgbClr val="FF0000"/>
+                </a:solidFill>
+              </a:rPr>
               <a:t>a1-6) 0.45</a:t>
             </a:r>
           </a:p>
           <a:p>
             <a:r>
-              <a:rPr kumimoji="1" lang="en-US" altLang="ja-JP" sz="1600" dirty="0"/>
+              <a:rPr kumimoji="1" lang="en-US" altLang="ja-JP" sz="1600" dirty="0">
+                <a:solidFill>
+                  <a:srgbClr val="FF0000"/>
+                </a:solidFill>
+              </a:rPr>
               <a:t>Neu5Ac(a2-3) 0.18</a:t>
             </a:r>
           </a:p>
           <a:p>
             <a:r>
-              <a:rPr kumimoji="1" lang="en-US" altLang="ja-JP" sz="1600" dirty="0"/>
+              <a:rPr kumimoji="1" lang="en-US" altLang="ja-JP" sz="1600" dirty="0">
+                <a:solidFill>
+                  <a:srgbClr val="FF0000"/>
+                </a:solidFill>
+              </a:rPr>
               <a:t>Neu5Ac(a2-6) 0.11</a:t>
             </a:r>
           </a:p>
@@ -5050,7 +5066,7 @@
         </p:nvSpPr>
         <p:spPr>
           <a:xfrm>
-            <a:off x="3148670" y="3689980"/>
+            <a:off x="3240133" y="3701892"/>
             <a:ext cx="746970" cy="369332"/>
           </a:xfrm>
           <a:prstGeom prst="rect">
@@ -5066,12 +5082,12 @@
           <a:p>
             <a:pPr algn="ctr"/>
             <a:r>
-              <a:rPr lang="en-US" altLang="ja-JP" dirty="0">
+              <a:rPr kumimoji="1" lang="en-US" altLang="ja-JP" dirty="0">
                 <a:solidFill>
                   <a:schemeClr val="accent1"/>
                 </a:solidFill>
               </a:rPr>
-              <a:t>1</a:t>
+              <a:t>0.99</a:t>
             </a:r>
             <a:endParaRPr kumimoji="1" lang="ja-JP" altLang="en-US" dirty="0">
               <a:solidFill>
@@ -5138,7 +5154,7 @@
         </p:nvSpPr>
         <p:spPr>
           <a:xfrm>
-            <a:off x="4351332" y="3689980"/>
+            <a:off x="4205034" y="3717282"/>
             <a:ext cx="746970" cy="369332"/>
           </a:xfrm>
           <a:prstGeom prst="rect">
@@ -5154,12 +5170,12 @@
           <a:p>
             <a:pPr algn="ctr"/>
             <a:r>
-              <a:rPr lang="en-US" altLang="ja-JP" dirty="0">
+              <a:rPr kumimoji="1" lang="en-US" altLang="ja-JP" dirty="0">
                 <a:solidFill>
                   <a:schemeClr val="accent1"/>
                 </a:solidFill>
               </a:rPr>
-              <a:t>1</a:t>
+              <a:t>0.99</a:t>
             </a:r>
             <a:endParaRPr kumimoji="1" lang="ja-JP" altLang="en-US" dirty="0">
               <a:solidFill>
@@ -5612,12 +5628,12 @@
           <a:p>
             <a:pPr algn="ctr"/>
             <a:r>
-              <a:rPr lang="en-US" altLang="ja-JP" dirty="0">
+              <a:rPr kumimoji="1" lang="en-US" altLang="ja-JP" dirty="0">
                 <a:solidFill>
                   <a:schemeClr val="accent2"/>
                 </a:solidFill>
               </a:rPr>
-              <a:t>1</a:t>
+              <a:t>0.99</a:t>
             </a:r>
             <a:endParaRPr kumimoji="1" lang="ja-JP" altLang="en-US" dirty="0">
               <a:solidFill>
@@ -6123,6 +6139,73 @@
               <a:rPr kumimoji="1" lang="ja-JP" altLang="en-US" sz="1600" dirty="0"/>
               <a:t>以上を出力</a:t>
             </a:r>
+          </a:p>
+        </p:txBody>
+      </p:sp>
+      <p:sp>
+        <p:nvSpPr>
+          <p:cNvPr id="3" name="テキスト ボックス 2">
+            <a:extLst>
+              <a:ext uri="{FF2B5EF4-FFF2-40B4-BE49-F238E27FC236}">
+                <a16:creationId xmlns:a16="http://schemas.microsoft.com/office/drawing/2014/main" id="{7CDC26B6-3D4B-BBB9-2187-5C8BAF9A9AF0}"/>
+              </a:ext>
+            </a:extLst>
+          </p:cNvPr>
+          <p:cNvSpPr txBox="1"/>
+          <p:nvPr/>
+        </p:nvSpPr>
+        <p:spPr>
+          <a:xfrm>
+            <a:off x="5870537" y="339747"/>
+            <a:ext cx="2976811" cy="2308324"/>
+          </a:xfrm>
+          <a:prstGeom prst="rect">
+            <a:avLst/>
+          </a:prstGeom>
+          <a:noFill/>
+        </p:spPr>
+        <p:txBody>
+          <a:bodyPr wrap="square" rtlCol="0">
+            <a:spAutoFit/>
+          </a:bodyPr>
+          <a:lstStyle/>
+          <a:p>
+            <a:r>
+              <a:rPr lang="ja-JP" altLang="en-US" dirty="0"/>
+              <a:t>各状態から複数のラベルが出やすくなって</a:t>
+            </a:r>
+            <a:r>
+              <a:rPr lang="ja-JP" altLang="en-US"/>
+              <a:t>しまった。（生物学的にも）上手く構造を取得できなかったし、単糖のみのパターンより尤度も上がらなかった。</a:t>
+            </a:r>
+            <a:endParaRPr lang="en-US" altLang="ja-JP" dirty="0"/>
+          </a:p>
+          <a:p>
+            <a:r>
+              <a:rPr kumimoji="1" lang="en-US" altLang="ja-JP" sz="1800" dirty="0">
+                <a:solidFill>
+                  <a:srgbClr val="FF0000"/>
+                </a:solidFill>
+              </a:rPr>
+              <a:t>Man(</a:t>
+            </a:r>
+            <a:r>
+              <a:rPr lang="en-US" altLang="ja-JP" sz="1800" dirty="0">
+                <a:solidFill>
+                  <a:srgbClr val="FF0000"/>
+                </a:solidFill>
+              </a:rPr>
+              <a:t>a1-6)</a:t>
+            </a:r>
+            <a:r>
+              <a:rPr lang="ja-JP" altLang="en-US" sz="1800" dirty="0">
+                <a:solidFill>
+                  <a:srgbClr val="FF0000"/>
+                </a:solidFill>
+              </a:rPr>
+              <a:t>は通常は内側の単糖。</a:t>
+            </a:r>
+            <a:endParaRPr kumimoji="1" lang="ja-JP" altLang="en-US" dirty="0"/>
           </a:p>
         </p:txBody>
       </p:sp>
@@ -7800,10 +7883,10 @@
       </p:sp>
       <p:pic>
         <p:nvPicPr>
-          <p:cNvPr id="1028" name="Picture 4">
-            <a:extLst>
-              <a:ext uri="{FF2B5EF4-FFF2-40B4-BE49-F238E27FC236}">
-                <a16:creationId xmlns:a16="http://schemas.microsoft.com/office/drawing/2014/main" id="{040ECDEE-7FC4-56AB-70D4-E46AA3258F53}"/>
+          <p:cNvPr id="7" name="Picture 2">
+            <a:extLst>
+              <a:ext uri="{FF2B5EF4-FFF2-40B4-BE49-F238E27FC236}">
+                <a16:creationId xmlns:a16="http://schemas.microsoft.com/office/drawing/2014/main" id="{686695FB-30C3-451F-CEC6-95F14E2E4049}"/>
               </a:ext>
             </a:extLst>
           </p:cNvPr>
@@ -7827,8 +7910,8 @@
         </p:blipFill>
         <p:spPr bwMode="auto">
           <a:xfrm>
-            <a:off x="6883633" y="3863761"/>
-            <a:ext cx="4838700" cy="2429869"/>
+            <a:off x="6971112" y="4253013"/>
+            <a:ext cx="4147083" cy="1840492"/>
           </a:xfrm>
           <a:prstGeom prst="rect">
             <a:avLst/>
@@ -7845,6 +7928,48 @@
           </a:extLst>
         </p:spPr>
       </p:pic>
+      <p:sp>
+        <p:nvSpPr>
+          <p:cNvPr id="9" name="テキスト ボックス 8">
+            <a:extLst>
+              <a:ext uri="{FF2B5EF4-FFF2-40B4-BE49-F238E27FC236}">
+                <a16:creationId xmlns:a16="http://schemas.microsoft.com/office/drawing/2014/main" id="{8E454EF9-865C-1808-F661-6800040B47D0}"/>
+              </a:ext>
+            </a:extLst>
+          </p:cNvPr>
+          <p:cNvSpPr txBox="1"/>
+          <p:nvPr/>
+        </p:nvSpPr>
+        <p:spPr>
+          <a:xfrm>
+            <a:off x="8874825" y="5906705"/>
+            <a:ext cx="974889" cy="369332"/>
+          </a:xfrm>
+          <a:prstGeom prst="rect">
+            <a:avLst/>
+          </a:prstGeom>
+          <a:noFill/>
+        </p:spPr>
+        <p:txBody>
+          <a:bodyPr wrap="square">
+            <a:spAutoFit/>
+          </a:bodyPr>
+          <a:lstStyle/>
+          <a:p>
+            <a:pPr algn="l"/>
+            <a:r>
+              <a:rPr lang="en-US" altLang="ja-JP" b="1" i="0" dirty="0">
+                <a:solidFill>
+                  <a:srgbClr val="000000"/>
+                </a:solidFill>
+                <a:effectLst/>
+                <a:latin typeface="arial" panose="020B0604020202020204" pitchFamily="34" charset="0"/>
+              </a:rPr>
+              <a:t>SNFG</a:t>
+            </a:r>
+          </a:p>
+        </p:txBody>
+      </p:sp>
     </p:spTree>
     <p:extLst>
       <p:ext uri="{BB962C8B-B14F-4D97-AF65-F5344CB8AC3E}">
@@ -9618,10 +9743,10 @@
       </p:sp>
       <p:pic>
         <p:nvPicPr>
-          <p:cNvPr id="2050" name="Picture 2">
-            <a:extLst>
-              <a:ext uri="{FF2B5EF4-FFF2-40B4-BE49-F238E27FC236}">
-                <a16:creationId xmlns:a16="http://schemas.microsoft.com/office/drawing/2014/main" id="{346F9123-CD21-00A0-2BD9-1AB620AEC838}"/>
+          <p:cNvPr id="3" name="Picture 2">
+            <a:extLst>
+              <a:ext uri="{FF2B5EF4-FFF2-40B4-BE49-F238E27FC236}">
+                <a16:creationId xmlns:a16="http://schemas.microsoft.com/office/drawing/2014/main" id="{33C29EED-296E-81E2-18A8-CE6648C571EC}"/>
               </a:ext>
             </a:extLst>
           </p:cNvPr>
@@ -9645,8 +9770,8 @@
         </p:blipFill>
         <p:spPr bwMode="auto">
           <a:xfrm>
-            <a:off x="6987187" y="3682120"/>
-            <a:ext cx="5105400" cy="2563799"/>
+            <a:off x="6966474" y="3720806"/>
+            <a:ext cx="4050416" cy="3038907"/>
           </a:xfrm>
           <a:prstGeom prst="rect">
             <a:avLst/>
@@ -10782,10 +10907,10 @@
       </p:sp>
       <p:pic>
         <p:nvPicPr>
-          <p:cNvPr id="3074" name="Picture 2">
-            <a:extLst>
-              <a:ext uri="{FF2B5EF4-FFF2-40B4-BE49-F238E27FC236}">
-                <a16:creationId xmlns:a16="http://schemas.microsoft.com/office/drawing/2014/main" id="{687433B0-DC10-8E3E-52D6-CE13A8E7DF19}"/>
+          <p:cNvPr id="6" name="Picture 2">
+            <a:extLst>
+              <a:ext uri="{FF2B5EF4-FFF2-40B4-BE49-F238E27FC236}">
+                <a16:creationId xmlns:a16="http://schemas.microsoft.com/office/drawing/2014/main" id="{78A04671-CEC8-9131-ACDD-CA248AFF5305}"/>
               </a:ext>
             </a:extLst>
           </p:cNvPr>
@@ -10809,8 +10934,8 @@
         </p:blipFill>
         <p:spPr bwMode="auto">
           <a:xfrm>
-            <a:off x="5813198" y="3646380"/>
-            <a:ext cx="5466399" cy="2745083"/>
+            <a:off x="6976277" y="3953803"/>
+            <a:ext cx="4538975" cy="2267034"/>
           </a:xfrm>
           <a:prstGeom prst="rect">
             <a:avLst/>

--- a/otmm_decimal/result_colab/result_novelty_5195_1.0_6_159_ColabPP/result_novelty_5195_1.0_6_159_parsing.pptx
+++ b/otmm_decimal/result_colab/result_novelty_5195_1.0_6_159_ColabPP/result_novelty_5195_1.0_6_159_parsing.pptx
@@ -6,9 +6,10 @@
   </p:sldMasterIdLst>
   <p:sldIdLst>
     <p:sldId id="264" r:id="rId2"/>
-    <p:sldId id="261" r:id="rId3"/>
-    <p:sldId id="262" r:id="rId4"/>
-    <p:sldId id="263" r:id="rId5"/>
+    <p:sldId id="265" r:id="rId3"/>
+    <p:sldId id="261" r:id="rId4"/>
+    <p:sldId id="262" r:id="rId5"/>
+    <p:sldId id="263" r:id="rId6"/>
   </p:sldIdLst>
   <p:sldSz cx="12192000" cy="6858000"/>
   <p:notesSz cx="6858000" cy="9144000"/>
@@ -262,7 +263,7 @@
           <a:p>
             <a:fld id="{A1CCF42C-534B-4F17-84EB-3026585EF5A2}" type="datetimeFigureOut">
               <a:rPr kumimoji="1" lang="ja-JP" altLang="en-US" smtClean="0"/>
-              <a:t>2022/12/29</a:t>
+              <a:t>2023/1/3</a:t>
             </a:fld>
             <a:endParaRPr kumimoji="1" lang="ja-JP" altLang="en-US"/>
           </a:p>
@@ -492,7 +493,7 @@
           <a:p>
             <a:fld id="{A1CCF42C-534B-4F17-84EB-3026585EF5A2}" type="datetimeFigureOut">
               <a:rPr kumimoji="1" lang="ja-JP" altLang="en-US" smtClean="0"/>
-              <a:t>2022/12/29</a:t>
+              <a:t>2023/1/3</a:t>
             </a:fld>
             <a:endParaRPr kumimoji="1" lang="ja-JP" altLang="en-US"/>
           </a:p>
@@ -732,7 +733,7 @@
           <a:p>
             <a:fld id="{A1CCF42C-534B-4F17-84EB-3026585EF5A2}" type="datetimeFigureOut">
               <a:rPr kumimoji="1" lang="ja-JP" altLang="en-US" smtClean="0"/>
-              <a:t>2022/12/29</a:t>
+              <a:t>2023/1/3</a:t>
             </a:fld>
             <a:endParaRPr kumimoji="1" lang="ja-JP" altLang="en-US"/>
           </a:p>
@@ -962,7 +963,7 @@
           <a:p>
             <a:fld id="{A1CCF42C-534B-4F17-84EB-3026585EF5A2}" type="datetimeFigureOut">
               <a:rPr kumimoji="1" lang="ja-JP" altLang="en-US" smtClean="0"/>
-              <a:t>2022/12/29</a:t>
+              <a:t>2023/1/3</a:t>
             </a:fld>
             <a:endParaRPr kumimoji="1" lang="ja-JP" altLang="en-US"/>
           </a:p>
@@ -1237,7 +1238,7 @@
           <a:p>
             <a:fld id="{A1CCF42C-534B-4F17-84EB-3026585EF5A2}" type="datetimeFigureOut">
               <a:rPr kumimoji="1" lang="ja-JP" altLang="en-US" smtClean="0"/>
-              <a:t>2022/12/29</a:t>
+              <a:t>2023/1/3</a:t>
             </a:fld>
             <a:endParaRPr kumimoji="1" lang="ja-JP" altLang="en-US"/>
           </a:p>
@@ -1566,7 +1567,7 @@
           <a:p>
             <a:fld id="{A1CCF42C-534B-4F17-84EB-3026585EF5A2}" type="datetimeFigureOut">
               <a:rPr kumimoji="1" lang="ja-JP" altLang="en-US" smtClean="0"/>
-              <a:t>2022/12/29</a:t>
+              <a:t>2023/1/3</a:t>
             </a:fld>
             <a:endParaRPr kumimoji="1" lang="ja-JP" altLang="en-US"/>
           </a:p>
@@ -2042,7 +2043,7 @@
           <a:p>
             <a:fld id="{A1CCF42C-534B-4F17-84EB-3026585EF5A2}" type="datetimeFigureOut">
               <a:rPr kumimoji="1" lang="ja-JP" altLang="en-US" smtClean="0"/>
-              <a:t>2022/12/29</a:t>
+              <a:t>2023/1/3</a:t>
             </a:fld>
             <a:endParaRPr kumimoji="1" lang="ja-JP" altLang="en-US"/>
           </a:p>
@@ -2183,7 +2184,7 @@
           <a:p>
             <a:fld id="{A1CCF42C-534B-4F17-84EB-3026585EF5A2}" type="datetimeFigureOut">
               <a:rPr kumimoji="1" lang="ja-JP" altLang="en-US" smtClean="0"/>
-              <a:t>2022/12/29</a:t>
+              <a:t>2023/1/3</a:t>
             </a:fld>
             <a:endParaRPr kumimoji="1" lang="ja-JP" altLang="en-US"/>
           </a:p>
@@ -2296,7 +2297,7 @@
           <a:p>
             <a:fld id="{A1CCF42C-534B-4F17-84EB-3026585EF5A2}" type="datetimeFigureOut">
               <a:rPr kumimoji="1" lang="ja-JP" altLang="en-US" smtClean="0"/>
-              <a:t>2022/12/29</a:t>
+              <a:t>2023/1/3</a:t>
             </a:fld>
             <a:endParaRPr kumimoji="1" lang="ja-JP" altLang="en-US"/>
           </a:p>
@@ -2639,7 +2640,7 @@
           <a:p>
             <a:fld id="{A1CCF42C-534B-4F17-84EB-3026585EF5A2}" type="datetimeFigureOut">
               <a:rPr kumimoji="1" lang="ja-JP" altLang="en-US" smtClean="0"/>
-              <a:t>2022/12/29</a:t>
+              <a:t>2023/1/3</a:t>
             </a:fld>
             <a:endParaRPr kumimoji="1" lang="ja-JP" altLang="en-US"/>
           </a:p>
@@ -2927,7 +2928,7 @@
           <a:p>
             <a:fld id="{A1CCF42C-534B-4F17-84EB-3026585EF5A2}" type="datetimeFigureOut">
               <a:rPr kumimoji="1" lang="ja-JP" altLang="en-US" smtClean="0"/>
-              <a:t>2022/12/29</a:t>
+              <a:t>2023/1/3</a:t>
             </a:fld>
             <a:endParaRPr kumimoji="1" lang="ja-JP" altLang="en-US"/>
           </a:p>
@@ -3200,7 +3201,7 @@
           <a:p>
             <a:fld id="{A1CCF42C-534B-4F17-84EB-3026585EF5A2}" type="datetimeFigureOut">
               <a:rPr kumimoji="1" lang="ja-JP" altLang="en-US" smtClean="0"/>
-              <a:t>2022/12/29</a:t>
+              <a:t>2023/1/3</a:t>
             </a:fld>
             <a:endParaRPr kumimoji="1" lang="ja-JP" altLang="en-US"/>
           </a:p>
@@ -4376,51 +4377,6 @@
           </a:fontRef>
         </p:style>
       </p:cxnSp>
-      <p:sp>
-        <p:nvSpPr>
-          <p:cNvPr id="70" name="テキスト ボックス 69">
-            <a:extLst>
-              <a:ext uri="{FF2B5EF4-FFF2-40B4-BE49-F238E27FC236}">
-                <a16:creationId xmlns:a16="http://schemas.microsoft.com/office/drawing/2014/main" id="{F9CFA8CC-CB2E-6B1D-6CB9-0E1813490CC2}"/>
-              </a:ext>
-            </a:extLst>
-          </p:cNvPr>
-          <p:cNvSpPr txBox="1"/>
-          <p:nvPr/>
-        </p:nvSpPr>
-        <p:spPr>
-          <a:xfrm>
-            <a:off x="609304" y="6488668"/>
-            <a:ext cx="746970" cy="369332"/>
-          </a:xfrm>
-          <a:prstGeom prst="rect">
-            <a:avLst/>
-          </a:prstGeom>
-          <a:noFill/>
-        </p:spPr>
-        <p:txBody>
-          <a:bodyPr wrap="square" rtlCol="0">
-            <a:spAutoFit/>
-          </a:bodyPr>
-          <a:lstStyle/>
-          <a:p>
-            <a:pPr algn="ctr"/>
-            <a:r>
-              <a:rPr lang="en-US" altLang="ja-JP" dirty="0">
-                <a:solidFill>
-                  <a:schemeClr val="accent2"/>
-                </a:solidFill>
-              </a:rPr>
-              <a:t>1</a:t>
-            </a:r>
-            <a:endParaRPr kumimoji="1" lang="ja-JP" altLang="en-US" dirty="0">
-              <a:solidFill>
-                <a:schemeClr val="accent2"/>
-              </a:solidFill>
-            </a:endParaRPr>
-          </a:p>
-        </p:txBody>
-      </p:sp>
       <p:cxnSp>
         <p:nvCxnSpPr>
           <p:cNvPr id="99" name="コネクタ: 曲線 98">
@@ -6253,7 +6209,7 @@
         </p:nvSpPr>
         <p:spPr>
           <a:xfrm>
-            <a:off x="8922299" y="3211618"/>
+            <a:off x="3523014" y="3006334"/>
             <a:ext cx="439971" cy="434763"/>
           </a:xfrm>
           <a:prstGeom prst="ellipse">
@@ -6293,7 +6249,7 @@
                   <a:schemeClr val="tx1"/>
                 </a:solidFill>
               </a:rPr>
-              <a:t>5</a:t>
+              <a:t>2</a:t>
             </a:r>
             <a:endParaRPr kumimoji="1" lang="ja-JP" altLang="en-US" dirty="0">
               <a:solidFill>
@@ -6303,51 +6259,6 @@
           </a:p>
         </p:txBody>
       </p:sp>
-      <p:cxnSp>
-        <p:nvCxnSpPr>
-          <p:cNvPr id="4" name="直線コネクタ 3">
-            <a:extLst>
-              <a:ext uri="{FF2B5EF4-FFF2-40B4-BE49-F238E27FC236}">
-                <a16:creationId xmlns:a16="http://schemas.microsoft.com/office/drawing/2014/main" id="{6F147F4B-8FAC-056D-BC9B-BF5397D939A4}"/>
-              </a:ext>
-            </a:extLst>
-          </p:cNvPr>
-          <p:cNvCxnSpPr>
-            <a:cxnSpLocks/>
-            <a:stCxn id="5" idx="6"/>
-            <a:endCxn id="2" idx="2"/>
-          </p:cNvCxnSpPr>
-          <p:nvPr/>
-        </p:nvCxnSpPr>
-        <p:spPr>
-          <a:xfrm>
-            <a:off x="8389259" y="3429000"/>
-            <a:ext cx="533040" cy="0"/>
-          </a:xfrm>
-          <a:prstGeom prst="line">
-            <a:avLst/>
-          </a:prstGeom>
-          <a:ln>
-            <a:solidFill>
-              <a:schemeClr val="tx1"/>
-            </a:solidFill>
-          </a:ln>
-        </p:spPr>
-        <p:style>
-          <a:lnRef idx="1">
-            <a:schemeClr val="accent1"/>
-          </a:lnRef>
-          <a:fillRef idx="0">
-            <a:schemeClr val="accent1"/>
-          </a:fillRef>
-          <a:effectRef idx="0">
-            <a:schemeClr val="accent1"/>
-          </a:effectRef>
-          <a:fontRef idx="minor">
-            <a:schemeClr val="tx1"/>
-          </a:fontRef>
-        </p:style>
-      </p:cxnSp>
       <p:sp>
         <p:nvSpPr>
           <p:cNvPr id="5" name="楕円 4">
@@ -6362,7 +6273,7 @@
         </p:nvSpPr>
         <p:spPr>
           <a:xfrm>
-            <a:off x="7949288" y="3211618"/>
+            <a:off x="7377945" y="4551630"/>
             <a:ext cx="439971" cy="434763"/>
           </a:xfrm>
           <a:prstGeom prst="ellipse">
@@ -6397,27 +6308,22 @@
           <a:p>
             <a:pPr algn="ctr"/>
             <a:r>
-              <a:rPr kumimoji="1" lang="en-US" altLang="ja-JP" dirty="0">
+              <a:rPr lang="en-US" altLang="ja-JP" dirty="0">
                 <a:solidFill>
                   <a:schemeClr val="tx1"/>
                 </a:solidFill>
               </a:rPr>
-              <a:t>4</a:t>
-            </a:r>
-            <a:endParaRPr kumimoji="1" lang="ja-JP" altLang="en-US" dirty="0">
-              <a:solidFill>
-                <a:schemeClr val="tx1"/>
-              </a:solidFill>
-            </a:endParaRPr>
-          </a:p>
-        </p:txBody>
-      </p:sp>
-      <p:sp>
-        <p:nvSpPr>
-          <p:cNvPr id="15" name="楕円 14">
-            <a:extLst>
-              <a:ext uri="{FF2B5EF4-FFF2-40B4-BE49-F238E27FC236}">
-                <a16:creationId xmlns:a16="http://schemas.microsoft.com/office/drawing/2014/main" id="{A36C3C59-ABD2-F701-50FD-3A47E6659924}"/>
+              <a:t>3</a:t>
+            </a:r>
+          </a:p>
+        </p:txBody>
+      </p:sp>
+      <p:sp>
+        <p:nvSpPr>
+          <p:cNvPr id="51" name="楕円 50">
+            <a:extLst>
+              <a:ext uri="{FF2B5EF4-FFF2-40B4-BE49-F238E27FC236}">
+                <a16:creationId xmlns:a16="http://schemas.microsoft.com/office/drawing/2014/main" id="{936398A2-1B1A-ADAB-C692-B1CDC54323CD}"/>
               </a:ext>
             </a:extLst>
           </p:cNvPr>
@@ -6426,7 +6332,7 @@
         </p:nvSpPr>
         <p:spPr>
           <a:xfrm>
-            <a:off x="6976277" y="3211617"/>
+            <a:off x="5015592" y="1520605"/>
             <a:ext cx="439971" cy="434763"/>
           </a:xfrm>
           <a:prstGeom prst="ellipse">
@@ -6466,7 +6372,7 @@
                   <a:schemeClr val="tx1"/>
                 </a:solidFill>
               </a:rPr>
-              <a:t>1</a:t>
+              <a:t>5</a:t>
             </a:r>
             <a:endParaRPr kumimoji="1" lang="ja-JP" altLang="en-US" dirty="0">
               <a:solidFill>
@@ -6476,57 +6382,12 @@
           </a:p>
         </p:txBody>
       </p:sp>
-      <p:cxnSp>
-        <p:nvCxnSpPr>
-          <p:cNvPr id="16" name="直線コネクタ 15">
-            <a:extLst>
-              <a:ext uri="{FF2B5EF4-FFF2-40B4-BE49-F238E27FC236}">
-                <a16:creationId xmlns:a16="http://schemas.microsoft.com/office/drawing/2014/main" id="{3A4231B4-3565-5623-E3D4-DFF863B012DB}"/>
-              </a:ext>
-            </a:extLst>
-          </p:cNvPr>
-          <p:cNvCxnSpPr>
-            <a:cxnSpLocks/>
-            <a:stCxn id="15" idx="6"/>
-            <a:endCxn id="5" idx="2"/>
-          </p:cNvCxnSpPr>
-          <p:nvPr/>
-        </p:nvCxnSpPr>
-        <p:spPr>
-          <a:xfrm>
-            <a:off x="7416248" y="3428999"/>
-            <a:ext cx="533040" cy="1"/>
-          </a:xfrm>
-          <a:prstGeom prst="line">
-            <a:avLst/>
-          </a:prstGeom>
-          <a:ln>
-            <a:solidFill>
-              <a:schemeClr val="tx1"/>
-            </a:solidFill>
-          </a:ln>
-        </p:spPr>
-        <p:style>
-          <a:lnRef idx="1">
-            <a:schemeClr val="accent1"/>
-          </a:lnRef>
-          <a:fillRef idx="0">
-            <a:schemeClr val="accent1"/>
-          </a:fillRef>
-          <a:effectRef idx="0">
-            <a:schemeClr val="accent1"/>
-          </a:effectRef>
-          <a:fontRef idx="minor">
-            <a:schemeClr val="tx1"/>
-          </a:fontRef>
-        </p:style>
-      </p:cxnSp>
-      <p:sp>
-        <p:nvSpPr>
-          <p:cNvPr id="19" name="楕円 18">
-            <a:extLst>
-              <a:ext uri="{FF2B5EF4-FFF2-40B4-BE49-F238E27FC236}">
-                <a16:creationId xmlns:a16="http://schemas.microsoft.com/office/drawing/2014/main" id="{F298F2AF-6D9A-4BE2-B86D-1BCB2DFA6915}"/>
+      <p:sp>
+        <p:nvSpPr>
+          <p:cNvPr id="32" name="楕円 31">
+            <a:extLst>
+              <a:ext uri="{FF2B5EF4-FFF2-40B4-BE49-F238E27FC236}">
+                <a16:creationId xmlns:a16="http://schemas.microsoft.com/office/drawing/2014/main" id="{9193736D-8B26-CF1B-F24A-825F893CF20A}"/>
               </a:ext>
             </a:extLst>
           </p:cNvPr>
@@ -6535,7 +6396,7 @@
         </p:nvSpPr>
         <p:spPr>
           <a:xfrm>
-            <a:off x="6003265" y="2170221"/>
+            <a:off x="6503814" y="3003595"/>
             <a:ext cx="439971" cy="434763"/>
           </a:xfrm>
           <a:prstGeom prst="ellipse">
@@ -6575,7 +6436,7 @@
                   <a:schemeClr val="tx1"/>
                 </a:solidFill>
               </a:rPr>
-              <a:t>3</a:t>
+              <a:t>4</a:t>
             </a:r>
             <a:endParaRPr kumimoji="1" lang="ja-JP" altLang="en-US" dirty="0">
               <a:solidFill>
@@ -6587,10 +6448,10 @@
       </p:sp>
       <p:sp>
         <p:nvSpPr>
-          <p:cNvPr id="20" name="楕円 19">
-            <a:extLst>
-              <a:ext uri="{FF2B5EF4-FFF2-40B4-BE49-F238E27FC236}">
-                <a16:creationId xmlns:a16="http://schemas.microsoft.com/office/drawing/2014/main" id="{98118023-75A8-13FF-B3AC-006BB2EB8EDC}"/>
+          <p:cNvPr id="34" name="楕円 33">
+            <a:extLst>
+              <a:ext uri="{FF2B5EF4-FFF2-40B4-BE49-F238E27FC236}">
+                <a16:creationId xmlns:a16="http://schemas.microsoft.com/office/drawing/2014/main" id="{029F04E6-2782-E0D2-F530-D53F6EDD2AF2}"/>
               </a:ext>
             </a:extLst>
           </p:cNvPr>
@@ -6599,7 +6460,7 @@
         </p:nvSpPr>
         <p:spPr>
           <a:xfrm>
-            <a:off x="6003264" y="4253017"/>
+            <a:off x="8212388" y="3003595"/>
             <a:ext cx="439971" cy="434763"/>
           </a:xfrm>
           <a:prstGeom prst="ellipse">
@@ -6634,7 +6495,7 @@
           <a:p>
             <a:pPr algn="ctr"/>
             <a:r>
-              <a:rPr lang="en-US" altLang="ja-JP" dirty="0">
+              <a:rPr kumimoji="1" lang="en-US" altLang="ja-JP" dirty="0">
                 <a:solidFill>
                   <a:schemeClr val="tx1"/>
                 </a:solidFill>
@@ -6649,34 +6510,100 @@
           </a:p>
         </p:txBody>
       </p:sp>
-      <p:cxnSp>
-        <p:nvCxnSpPr>
-          <p:cNvPr id="21" name="直線コネクタ 20">
-            <a:extLst>
-              <a:ext uri="{FF2B5EF4-FFF2-40B4-BE49-F238E27FC236}">
-                <a16:creationId xmlns:a16="http://schemas.microsoft.com/office/drawing/2014/main" id="{5070F677-61C6-9C9B-5F79-303AFF26D89A}"/>
-              </a:ext>
-            </a:extLst>
-          </p:cNvPr>
-          <p:cNvCxnSpPr>
-            <a:cxnSpLocks/>
-            <a:stCxn id="19" idx="5"/>
-            <a:endCxn id="15" idx="1"/>
-          </p:cNvCxnSpPr>
-          <p:nvPr/>
-        </p:nvCxnSpPr>
-        <p:spPr>
-          <a:xfrm>
-            <a:off x="6378804" y="2541314"/>
-            <a:ext cx="661905" cy="733973"/>
-          </a:xfrm>
-          <a:prstGeom prst="line">
-            <a:avLst/>
-          </a:prstGeom>
+      <p:sp>
+        <p:nvSpPr>
+          <p:cNvPr id="6" name="楕円 5">
+            <a:extLst>
+              <a:ext uri="{FF2B5EF4-FFF2-40B4-BE49-F238E27FC236}">
+                <a16:creationId xmlns:a16="http://schemas.microsoft.com/office/drawing/2014/main" id="{DC1FE19C-E750-6470-8CD3-8D42D286515E}"/>
+              </a:ext>
+            </a:extLst>
+          </p:cNvPr>
+          <p:cNvSpPr/>
+          <p:nvPr/>
+        </p:nvSpPr>
+        <p:spPr>
+          <a:xfrm>
+            <a:off x="4963594" y="4551630"/>
+            <a:ext cx="439971" cy="434763"/>
+          </a:xfrm>
+          <a:prstGeom prst="ellipse">
+            <a:avLst/>
+          </a:prstGeom>
+          <a:noFill/>
           <a:ln>
             <a:solidFill>
               <a:schemeClr val="tx1"/>
             </a:solidFill>
+          </a:ln>
+        </p:spPr>
+        <p:style>
+          <a:lnRef idx="2">
+            <a:schemeClr val="accent1">
+              <a:shade val="50000"/>
+            </a:schemeClr>
+          </a:lnRef>
+          <a:fillRef idx="1">
+            <a:schemeClr val="accent1"/>
+          </a:fillRef>
+          <a:effectRef idx="0">
+            <a:schemeClr val="accent1"/>
+          </a:effectRef>
+          <a:fontRef idx="minor">
+            <a:schemeClr val="lt1"/>
+          </a:fontRef>
+        </p:style>
+        <p:txBody>
+          <a:bodyPr rtlCol="0" anchor="ctr"/>
+          <a:lstStyle/>
+          <a:p>
+            <a:pPr algn="ctr"/>
+            <a:r>
+              <a:rPr kumimoji="1" lang="en-US" altLang="ja-JP" dirty="0">
+                <a:solidFill>
+                  <a:schemeClr val="tx1"/>
+                </a:solidFill>
+              </a:rPr>
+              <a:t>1</a:t>
+            </a:r>
+            <a:endParaRPr kumimoji="1" lang="ja-JP" altLang="en-US" dirty="0">
+              <a:solidFill>
+                <a:schemeClr val="tx1"/>
+              </a:solidFill>
+            </a:endParaRPr>
+          </a:p>
+        </p:txBody>
+      </p:sp>
+      <p:cxnSp>
+        <p:nvCxnSpPr>
+          <p:cNvPr id="11" name="コネクタ: 曲線 10">
+            <a:extLst>
+              <a:ext uri="{FF2B5EF4-FFF2-40B4-BE49-F238E27FC236}">
+                <a16:creationId xmlns:a16="http://schemas.microsoft.com/office/drawing/2014/main" id="{79A5A028-187C-77CD-4546-5DE05F318FF7}"/>
+              </a:ext>
+            </a:extLst>
+          </p:cNvPr>
+          <p:cNvCxnSpPr>
+            <a:cxnSpLocks/>
+            <a:stCxn id="5" idx="5"/>
+            <a:endCxn id="5" idx="7"/>
+          </p:cNvCxnSpPr>
+          <p:nvPr/>
+        </p:nvCxnSpPr>
+        <p:spPr>
+          <a:xfrm rot="5400000" flipH="1">
+            <a:off x="7599772" y="4769012"/>
+            <a:ext cx="307423" cy="12700"/>
+          </a:xfrm>
+          <a:prstGeom prst="curvedConnector5">
+            <a:avLst>
+              <a:gd name="adj1" fmla="val -74360"/>
+              <a:gd name="adj2" fmla="val -4549819"/>
+              <a:gd name="adj3" fmla="val 174360"/>
+            </a:avLst>
+          </a:prstGeom>
+          <a:ln w="12700">
+            <a:tailEnd type="triangle"/>
           </a:ln>
         </p:spPr>
         <p:style>
@@ -6696,32 +6623,30 @@
       </p:cxnSp>
       <p:cxnSp>
         <p:nvCxnSpPr>
-          <p:cNvPr id="24" name="直線コネクタ 23">
-            <a:extLst>
-              <a:ext uri="{FF2B5EF4-FFF2-40B4-BE49-F238E27FC236}">
-                <a16:creationId xmlns:a16="http://schemas.microsoft.com/office/drawing/2014/main" id="{F82A930C-F5AB-FBE4-A327-C027ABD864A4}"/>
+          <p:cNvPr id="46" name="直線矢印コネクタ 45">
+            <a:extLst>
+              <a:ext uri="{FF2B5EF4-FFF2-40B4-BE49-F238E27FC236}">
+                <a16:creationId xmlns:a16="http://schemas.microsoft.com/office/drawing/2014/main" id="{2F6BDFF5-D217-6920-EF5A-FD10BC82A8E5}"/>
               </a:ext>
             </a:extLst>
           </p:cNvPr>
           <p:cNvCxnSpPr>
             <a:cxnSpLocks/>
-            <a:stCxn id="20" idx="7"/>
-            <a:endCxn id="15" idx="3"/>
+            <a:stCxn id="51" idx="5"/>
+            <a:endCxn id="32" idx="1"/>
           </p:cNvCxnSpPr>
           <p:nvPr/>
         </p:nvCxnSpPr>
         <p:spPr>
-          <a:xfrm flipV="1">
-            <a:off x="6378803" y="3582710"/>
-            <a:ext cx="661906" cy="733977"/>
-          </a:xfrm>
-          <a:prstGeom prst="line">
-            <a:avLst/>
-          </a:prstGeom>
-          <a:ln>
-            <a:solidFill>
-              <a:schemeClr val="tx1"/>
-            </a:solidFill>
+          <a:xfrm>
+            <a:off x="5391131" y="1891698"/>
+            <a:ext cx="1177115" cy="1175567"/>
+          </a:xfrm>
+          <a:prstGeom prst="straightConnector1">
+            <a:avLst/>
+          </a:prstGeom>
+          <a:ln w="12700">
+            <a:tailEnd type="triangle"/>
           </a:ln>
         </p:spPr>
         <p:style>
@@ -6741,127 +6666,1203 @@
       </p:cxnSp>
       <p:sp>
         <p:nvSpPr>
-          <p:cNvPr id="29" name="楕円 28">
-            <a:extLst>
-              <a:ext uri="{FF2B5EF4-FFF2-40B4-BE49-F238E27FC236}">
-                <a16:creationId xmlns:a16="http://schemas.microsoft.com/office/drawing/2014/main" id="{1CD800FD-B353-1171-2988-83C6857DE156}"/>
-              </a:ext>
-            </a:extLst>
-          </p:cNvPr>
-          <p:cNvSpPr/>
-          <p:nvPr/>
-        </p:nvSpPr>
-        <p:spPr>
-          <a:xfrm>
-            <a:off x="5003576" y="2604984"/>
-            <a:ext cx="439971" cy="434763"/>
-          </a:xfrm>
-          <a:prstGeom prst="ellipse">
+          <p:cNvPr id="50" name="テキスト ボックス 49">
+            <a:extLst>
+              <a:ext uri="{FF2B5EF4-FFF2-40B4-BE49-F238E27FC236}">
+                <a16:creationId xmlns:a16="http://schemas.microsoft.com/office/drawing/2014/main" id="{F10A5CC5-D649-AAC9-1088-BF2C31C40983}"/>
+              </a:ext>
+            </a:extLst>
+          </p:cNvPr>
+          <p:cNvSpPr txBox="1"/>
+          <p:nvPr/>
+        </p:nvSpPr>
+        <p:spPr>
+          <a:xfrm>
+            <a:off x="6017270" y="4801726"/>
+            <a:ext cx="746970" cy="369332"/>
+          </a:xfrm>
+          <a:prstGeom prst="rect">
             <a:avLst/>
           </a:prstGeom>
           <a:noFill/>
+        </p:spPr>
+        <p:txBody>
+          <a:bodyPr wrap="square" rtlCol="0">
+            <a:spAutoFit/>
+          </a:bodyPr>
+          <a:lstStyle/>
+          <a:p>
+            <a:pPr algn="ctr"/>
+            <a:r>
+              <a:rPr kumimoji="1" lang="en-US" altLang="ja-JP" dirty="0">
+                <a:solidFill>
+                  <a:schemeClr val="accent1"/>
+                </a:solidFill>
+              </a:rPr>
+              <a:t>0.23</a:t>
+            </a:r>
+            <a:endParaRPr kumimoji="1" lang="ja-JP" altLang="en-US" dirty="0">
+              <a:solidFill>
+                <a:schemeClr val="accent1"/>
+              </a:solidFill>
+            </a:endParaRPr>
+          </a:p>
+        </p:txBody>
+      </p:sp>
+      <p:sp>
+        <p:nvSpPr>
+          <p:cNvPr id="55" name="テキスト ボックス 54">
+            <a:extLst>
+              <a:ext uri="{FF2B5EF4-FFF2-40B4-BE49-F238E27FC236}">
+                <a16:creationId xmlns:a16="http://schemas.microsoft.com/office/drawing/2014/main" id="{39046CC4-4F5B-F3D6-5761-EBE43BA2F298}"/>
+              </a:ext>
+            </a:extLst>
+          </p:cNvPr>
+          <p:cNvSpPr txBox="1"/>
+          <p:nvPr/>
+        </p:nvSpPr>
+        <p:spPr>
+          <a:xfrm>
+            <a:off x="3742999" y="2331632"/>
+            <a:ext cx="746970" cy="369332"/>
+          </a:xfrm>
+          <a:prstGeom prst="rect">
+            <a:avLst/>
+          </a:prstGeom>
+          <a:noFill/>
+        </p:spPr>
+        <p:txBody>
+          <a:bodyPr wrap="square" rtlCol="0">
+            <a:spAutoFit/>
+          </a:bodyPr>
+          <a:lstStyle/>
+          <a:p>
+            <a:pPr algn="ctr"/>
+            <a:r>
+              <a:rPr kumimoji="1" lang="en-US" altLang="ja-JP" dirty="0">
+                <a:solidFill>
+                  <a:schemeClr val="accent1"/>
+                </a:solidFill>
+              </a:rPr>
+              <a:t>0.60</a:t>
+            </a:r>
+            <a:endParaRPr kumimoji="1" lang="ja-JP" altLang="en-US" dirty="0">
+              <a:solidFill>
+                <a:schemeClr val="accent1"/>
+              </a:solidFill>
+            </a:endParaRPr>
+          </a:p>
+        </p:txBody>
+      </p:sp>
+      <p:cxnSp>
+        <p:nvCxnSpPr>
+          <p:cNvPr id="99" name="コネクタ: 曲線 98">
+            <a:extLst>
+              <a:ext uri="{FF2B5EF4-FFF2-40B4-BE49-F238E27FC236}">
+                <a16:creationId xmlns:a16="http://schemas.microsoft.com/office/drawing/2014/main" id="{68C0A0AF-FA23-B7C0-95B9-4656ECB5B509}"/>
+              </a:ext>
+            </a:extLst>
+          </p:cNvPr>
+          <p:cNvCxnSpPr>
+            <a:cxnSpLocks/>
+            <a:stCxn id="32" idx="5"/>
+            <a:endCxn id="32" idx="7"/>
+          </p:cNvCxnSpPr>
+          <p:nvPr/>
+        </p:nvCxnSpPr>
+        <p:spPr>
+          <a:xfrm rot="5400000" flipH="1">
+            <a:off x="6725641" y="3220977"/>
+            <a:ext cx="307423" cy="12700"/>
+          </a:xfrm>
+          <a:prstGeom prst="curvedConnector5">
+            <a:avLst>
+              <a:gd name="adj1" fmla="val -74360"/>
+              <a:gd name="adj2" fmla="val -4435535"/>
+              <a:gd name="adj3" fmla="val 174360"/>
+            </a:avLst>
+          </a:prstGeom>
+          <a:ln w="12700">
+            <a:solidFill>
+              <a:schemeClr val="accent2"/>
+            </a:solidFill>
+            <a:prstDash val="sysDash"/>
+            <a:tailEnd type="triangle"/>
+          </a:ln>
+        </p:spPr>
+        <p:style>
+          <a:lnRef idx="1">
+            <a:schemeClr val="accent1"/>
+          </a:lnRef>
+          <a:fillRef idx="0">
+            <a:schemeClr val="accent1"/>
+          </a:fillRef>
+          <a:effectRef idx="0">
+            <a:schemeClr val="accent1"/>
+          </a:effectRef>
+          <a:fontRef idx="minor">
+            <a:schemeClr val="tx1"/>
+          </a:fontRef>
+        </p:style>
+      </p:cxnSp>
+      <p:sp>
+        <p:nvSpPr>
+          <p:cNvPr id="102" name="テキスト ボックス 101">
+            <a:extLst>
+              <a:ext uri="{FF2B5EF4-FFF2-40B4-BE49-F238E27FC236}">
+                <a16:creationId xmlns:a16="http://schemas.microsoft.com/office/drawing/2014/main" id="{4E8FCA23-45A3-3A9F-4D51-A6D83C93C2CA}"/>
+              </a:ext>
+            </a:extLst>
+          </p:cNvPr>
+          <p:cNvSpPr txBox="1"/>
+          <p:nvPr/>
+        </p:nvSpPr>
+        <p:spPr>
+          <a:xfrm>
+            <a:off x="9168332" y="3067265"/>
+            <a:ext cx="746970" cy="369332"/>
+          </a:xfrm>
+          <a:prstGeom prst="rect">
+            <a:avLst/>
+          </a:prstGeom>
+          <a:noFill/>
+        </p:spPr>
+        <p:txBody>
+          <a:bodyPr wrap="square" rtlCol="0">
+            <a:spAutoFit/>
+          </a:bodyPr>
+          <a:lstStyle/>
+          <a:p>
+            <a:pPr algn="ctr"/>
+            <a:r>
+              <a:rPr kumimoji="1" lang="en-US" altLang="ja-JP" dirty="0">
+                <a:solidFill>
+                  <a:schemeClr val="accent2"/>
+                </a:solidFill>
+              </a:rPr>
+              <a:t>0.99</a:t>
+            </a:r>
+            <a:endParaRPr kumimoji="1" lang="ja-JP" altLang="en-US" dirty="0">
+              <a:solidFill>
+                <a:schemeClr val="accent2"/>
+              </a:solidFill>
+            </a:endParaRPr>
+          </a:p>
+        </p:txBody>
+      </p:sp>
+      <p:sp>
+        <p:nvSpPr>
+          <p:cNvPr id="103" name="テキスト ボックス 102">
+            <a:extLst>
+              <a:ext uri="{FF2B5EF4-FFF2-40B4-BE49-F238E27FC236}">
+                <a16:creationId xmlns:a16="http://schemas.microsoft.com/office/drawing/2014/main" id="{ED62F39F-F050-93F7-3118-84F27C8772E6}"/>
+              </a:ext>
+            </a:extLst>
+          </p:cNvPr>
+          <p:cNvSpPr txBox="1"/>
+          <p:nvPr/>
+        </p:nvSpPr>
+        <p:spPr>
+          <a:xfrm>
+            <a:off x="2459210" y="3476361"/>
+            <a:ext cx="2070224" cy="830997"/>
+          </a:xfrm>
+          <a:prstGeom prst="rect">
+            <a:avLst/>
+          </a:prstGeom>
+          <a:noFill/>
+        </p:spPr>
+        <p:txBody>
+          <a:bodyPr wrap="square" rtlCol="0">
+            <a:spAutoFit/>
+          </a:bodyPr>
+          <a:lstStyle/>
+          <a:p>
+            <a:r>
+              <a:rPr lang="en-US" altLang="ja-JP" sz="1600" dirty="0" err="1"/>
+              <a:t>Fuc</a:t>
+            </a:r>
+            <a:r>
+              <a:rPr lang="en-US" altLang="ja-JP" sz="1600" dirty="0"/>
+              <a:t>(a16)</a:t>
+            </a:r>
+            <a:r>
+              <a:rPr kumimoji="1" lang="en-US" altLang="ja-JP" sz="1600" dirty="0"/>
+              <a:t> 0.36</a:t>
+            </a:r>
+          </a:p>
+          <a:p>
+            <a:r>
+              <a:rPr lang="en-US" altLang="ja-JP" sz="1600" dirty="0" err="1"/>
+              <a:t>GlcNAc</a:t>
+            </a:r>
+            <a:r>
+              <a:rPr lang="en-US" altLang="ja-JP" sz="1600" dirty="0"/>
+              <a:t>(b1-6)</a:t>
+            </a:r>
+            <a:r>
+              <a:rPr kumimoji="1" lang="en-US" altLang="ja-JP" sz="1600" dirty="0"/>
+              <a:t> 0.25</a:t>
+            </a:r>
+          </a:p>
+          <a:p>
+            <a:r>
+              <a:rPr lang="en-US" altLang="ja-JP" sz="1600" dirty="0" err="1"/>
+              <a:t>GlcNAc</a:t>
+            </a:r>
+            <a:r>
+              <a:rPr lang="en-US" altLang="ja-JP" sz="1600" dirty="0"/>
+              <a:t>(b1-4)</a:t>
+            </a:r>
+            <a:r>
+              <a:rPr kumimoji="1" lang="en-US" altLang="ja-JP" sz="1600" dirty="0"/>
+              <a:t> 0.19</a:t>
+            </a:r>
+          </a:p>
+        </p:txBody>
+      </p:sp>
+      <p:sp>
+        <p:nvSpPr>
+          <p:cNvPr id="104" name="テキスト ボックス 103">
+            <a:extLst>
+              <a:ext uri="{FF2B5EF4-FFF2-40B4-BE49-F238E27FC236}">
+                <a16:creationId xmlns:a16="http://schemas.microsoft.com/office/drawing/2014/main" id="{A140B53C-A096-9541-410A-DA6620265CBB}"/>
+              </a:ext>
+            </a:extLst>
+          </p:cNvPr>
+          <p:cNvSpPr txBox="1"/>
+          <p:nvPr/>
+        </p:nvSpPr>
+        <p:spPr>
+          <a:xfrm>
+            <a:off x="6223952" y="3618919"/>
+            <a:ext cx="1934138" cy="584775"/>
+          </a:xfrm>
+          <a:prstGeom prst="rect">
+            <a:avLst/>
+          </a:prstGeom>
+          <a:noFill/>
+        </p:spPr>
+        <p:txBody>
+          <a:bodyPr wrap="square" rtlCol="0">
+            <a:spAutoFit/>
+          </a:bodyPr>
+          <a:lstStyle/>
+          <a:p>
+            <a:r>
+              <a:rPr lang="en-US" altLang="ja-JP" sz="1600" dirty="0" err="1"/>
+              <a:t>GlcNAc</a:t>
+            </a:r>
+            <a:r>
+              <a:rPr lang="en-US" altLang="ja-JP" sz="1600" dirty="0"/>
+              <a:t>(b1-2)</a:t>
+            </a:r>
+            <a:r>
+              <a:rPr kumimoji="1" lang="en-US" altLang="ja-JP" sz="1600" dirty="0"/>
+              <a:t> 0.50</a:t>
+            </a:r>
+          </a:p>
+          <a:p>
+            <a:r>
+              <a:rPr lang="en-US" altLang="ja-JP" sz="1600" dirty="0" err="1"/>
+              <a:t>GlcNAc</a:t>
+            </a:r>
+            <a:r>
+              <a:rPr lang="en-US" altLang="ja-JP" sz="1600" dirty="0"/>
+              <a:t>(b1-4)</a:t>
+            </a:r>
+            <a:r>
+              <a:rPr kumimoji="1" lang="en-US" altLang="ja-JP" sz="1600" dirty="0"/>
+              <a:t> 0.44</a:t>
+            </a:r>
+          </a:p>
+        </p:txBody>
+      </p:sp>
+      <p:sp>
+        <p:nvSpPr>
+          <p:cNvPr id="108" name="テキスト ボックス 107">
+            <a:extLst>
+              <a:ext uri="{FF2B5EF4-FFF2-40B4-BE49-F238E27FC236}">
+                <a16:creationId xmlns:a16="http://schemas.microsoft.com/office/drawing/2014/main" id="{FFB2F5CA-4011-B4B6-39EC-601F7B0AA659}"/>
+              </a:ext>
+            </a:extLst>
+          </p:cNvPr>
+          <p:cNvSpPr txBox="1"/>
+          <p:nvPr/>
+        </p:nvSpPr>
+        <p:spPr>
+          <a:xfrm>
+            <a:off x="3386210" y="4917633"/>
+            <a:ext cx="1761976" cy="584775"/>
+          </a:xfrm>
+          <a:prstGeom prst="rect">
+            <a:avLst/>
+          </a:prstGeom>
+          <a:noFill/>
+        </p:spPr>
+        <p:txBody>
+          <a:bodyPr wrap="square" rtlCol="0">
+            <a:spAutoFit/>
+          </a:bodyPr>
+          <a:lstStyle/>
+          <a:p>
+            <a:r>
+              <a:rPr lang="en-US" altLang="ja-JP" sz="1600" dirty="0"/>
+              <a:t>Gal(b1-4)</a:t>
+            </a:r>
+            <a:r>
+              <a:rPr kumimoji="1" lang="en-US" altLang="ja-JP" sz="1600" dirty="0"/>
+              <a:t> </a:t>
+            </a:r>
+            <a:r>
+              <a:rPr lang="en-US" altLang="ja-JP" sz="1600" dirty="0"/>
+              <a:t>0.56</a:t>
+            </a:r>
+          </a:p>
+          <a:p>
+            <a:r>
+              <a:rPr lang="en-US" altLang="ja-JP" sz="1600" dirty="0"/>
+              <a:t>Man(b1-4)</a:t>
+            </a:r>
+            <a:r>
+              <a:rPr kumimoji="1" lang="en-US" altLang="ja-JP" sz="1600" dirty="0"/>
+              <a:t> 0.30</a:t>
+            </a:r>
+            <a:endParaRPr kumimoji="1" lang="ja-JP" altLang="en-US" sz="1600" dirty="0"/>
+          </a:p>
+        </p:txBody>
+      </p:sp>
+      <p:sp>
+        <p:nvSpPr>
+          <p:cNvPr id="109" name="テキスト ボックス 108">
+            <a:extLst>
+              <a:ext uri="{FF2B5EF4-FFF2-40B4-BE49-F238E27FC236}">
+                <a16:creationId xmlns:a16="http://schemas.microsoft.com/office/drawing/2014/main" id="{76509186-E1EF-DFBD-E4E7-F72BAA18AB80}"/>
+              </a:ext>
+            </a:extLst>
+          </p:cNvPr>
+          <p:cNvSpPr txBox="1"/>
+          <p:nvPr/>
+        </p:nvSpPr>
+        <p:spPr>
+          <a:xfrm>
+            <a:off x="3221605" y="803370"/>
+            <a:ext cx="1990037" cy="830997"/>
+          </a:xfrm>
+          <a:prstGeom prst="rect">
+            <a:avLst/>
+          </a:prstGeom>
+          <a:noFill/>
+        </p:spPr>
+        <p:txBody>
+          <a:bodyPr wrap="square" rtlCol="0">
+            <a:spAutoFit/>
+          </a:bodyPr>
+          <a:lstStyle/>
+          <a:p>
+            <a:r>
+              <a:rPr kumimoji="1" lang="en-US" altLang="ja-JP" sz="1600" dirty="0"/>
+              <a:t>Man(</a:t>
+            </a:r>
+            <a:r>
+              <a:rPr lang="en-US" altLang="ja-JP" sz="1600" dirty="0"/>
+              <a:t>a1-6) 0.45</a:t>
+            </a:r>
+          </a:p>
+          <a:p>
+            <a:r>
+              <a:rPr kumimoji="1" lang="en-US" altLang="ja-JP" sz="1600" dirty="0"/>
+              <a:t>Neu5Ac(a2-3) 0.18</a:t>
+            </a:r>
+          </a:p>
+          <a:p>
+            <a:r>
+              <a:rPr kumimoji="1" lang="en-US" altLang="ja-JP" sz="1600" dirty="0"/>
+              <a:t>Neu5Ac(a2-6) 0.11</a:t>
+            </a:r>
+          </a:p>
+        </p:txBody>
+      </p:sp>
+      <p:sp>
+        <p:nvSpPr>
+          <p:cNvPr id="115" name="テキスト ボックス 114">
+            <a:extLst>
+              <a:ext uri="{FF2B5EF4-FFF2-40B4-BE49-F238E27FC236}">
+                <a16:creationId xmlns:a16="http://schemas.microsoft.com/office/drawing/2014/main" id="{0FB3F1A7-8EBD-6435-74BB-6AFD698F9531}"/>
+              </a:ext>
+            </a:extLst>
+          </p:cNvPr>
+          <p:cNvSpPr txBox="1"/>
+          <p:nvPr/>
+        </p:nvSpPr>
+        <p:spPr>
+          <a:xfrm>
+            <a:off x="8367340" y="2496997"/>
+            <a:ext cx="1643225" cy="338554"/>
+          </a:xfrm>
+          <a:prstGeom prst="rect">
+            <a:avLst/>
+          </a:prstGeom>
+          <a:noFill/>
+        </p:spPr>
+        <p:txBody>
+          <a:bodyPr wrap="square" rtlCol="0">
+            <a:spAutoFit/>
+          </a:bodyPr>
+          <a:lstStyle/>
+          <a:p>
+            <a:r>
+              <a:rPr kumimoji="1" lang="en-US" altLang="ja-JP" sz="1600" dirty="0"/>
+              <a:t>Man(a1-3) 0.87</a:t>
+            </a:r>
+            <a:endParaRPr kumimoji="1" lang="ja-JP" altLang="en-US" sz="1600" dirty="0"/>
+          </a:p>
+        </p:txBody>
+      </p:sp>
+      <p:sp>
+        <p:nvSpPr>
+          <p:cNvPr id="143" name="テキスト ボックス 142">
+            <a:extLst>
+              <a:ext uri="{FF2B5EF4-FFF2-40B4-BE49-F238E27FC236}">
+                <a16:creationId xmlns:a16="http://schemas.microsoft.com/office/drawing/2014/main" id="{6685B834-3680-EE44-1F00-4F893FF49276}"/>
+              </a:ext>
+            </a:extLst>
+          </p:cNvPr>
+          <p:cNvSpPr txBox="1"/>
+          <p:nvPr/>
+        </p:nvSpPr>
+        <p:spPr>
+          <a:xfrm>
+            <a:off x="4900246" y="381627"/>
+            <a:ext cx="666306" cy="338554"/>
+          </a:xfrm>
+          <a:prstGeom prst="rect">
+            <a:avLst/>
+          </a:prstGeom>
+          <a:noFill/>
+        </p:spPr>
+        <p:txBody>
+          <a:bodyPr wrap="square" rtlCol="0">
+            <a:spAutoFit/>
+          </a:bodyPr>
+          <a:lstStyle/>
+          <a:p>
+            <a:r>
+              <a:rPr lang="en-US" altLang="ja-JP" sz="1600" dirty="0"/>
+              <a:t>Start</a:t>
+            </a:r>
+            <a:endParaRPr kumimoji="1" lang="ja-JP" altLang="en-US" sz="1600" dirty="0"/>
+          </a:p>
+        </p:txBody>
+      </p:sp>
+      <p:cxnSp>
+        <p:nvCxnSpPr>
+          <p:cNvPr id="145" name="直線矢印コネクタ 144">
+            <a:extLst>
+              <a:ext uri="{FF2B5EF4-FFF2-40B4-BE49-F238E27FC236}">
+                <a16:creationId xmlns:a16="http://schemas.microsoft.com/office/drawing/2014/main" id="{A3C25552-405F-2DD2-5113-4AC6AA055EE9}"/>
+              </a:ext>
+            </a:extLst>
+          </p:cNvPr>
+          <p:cNvCxnSpPr>
+            <a:cxnSpLocks/>
+            <a:stCxn id="143" idx="2"/>
+            <a:endCxn id="51" idx="0"/>
+          </p:cNvCxnSpPr>
+          <p:nvPr/>
+        </p:nvCxnSpPr>
+        <p:spPr>
+          <a:xfrm>
+            <a:off x="5233399" y="720181"/>
+            <a:ext cx="2179" cy="800424"/>
+          </a:xfrm>
+          <a:prstGeom prst="straightConnector1">
+            <a:avLst/>
+          </a:prstGeom>
           <a:ln>
             <a:solidFill>
               <a:schemeClr val="tx1"/>
             </a:solidFill>
+            <a:tailEnd type="triangle"/>
           </a:ln>
         </p:spPr>
         <p:style>
-          <a:lnRef idx="2">
-            <a:schemeClr val="accent1">
-              <a:shade val="50000"/>
-            </a:schemeClr>
+          <a:lnRef idx="1">
+            <a:schemeClr val="accent1"/>
           </a:lnRef>
-          <a:fillRef idx="1">
+          <a:fillRef idx="0">
             <a:schemeClr val="accent1"/>
           </a:fillRef>
           <a:effectRef idx="0">
             <a:schemeClr val="accent1"/>
           </a:effectRef>
           <a:fontRef idx="minor">
-            <a:schemeClr val="lt1"/>
+            <a:schemeClr val="tx1"/>
           </a:fontRef>
         </p:style>
-        <p:txBody>
-          <a:bodyPr rtlCol="0" anchor="ctr"/>
+      </p:cxnSp>
+      <p:sp>
+        <p:nvSpPr>
+          <p:cNvPr id="148" name="テキスト ボックス 147">
+            <a:extLst>
+              <a:ext uri="{FF2B5EF4-FFF2-40B4-BE49-F238E27FC236}">
+                <a16:creationId xmlns:a16="http://schemas.microsoft.com/office/drawing/2014/main" id="{3D957B80-979B-3AFD-F6EC-56906C9DD086}"/>
+              </a:ext>
+            </a:extLst>
+          </p:cNvPr>
+          <p:cNvSpPr txBox="1"/>
+          <p:nvPr/>
+        </p:nvSpPr>
+        <p:spPr>
+          <a:xfrm>
+            <a:off x="5273306" y="962755"/>
+            <a:ext cx="360158" cy="338554"/>
+          </a:xfrm>
+          <a:prstGeom prst="rect">
+            <a:avLst/>
+          </a:prstGeom>
+          <a:noFill/>
+        </p:spPr>
+        <p:txBody>
+          <a:bodyPr wrap="square" rtlCol="0">
+            <a:spAutoFit/>
+          </a:bodyPr>
+          <a:lstStyle/>
+          <a:p>
+            <a:pPr algn="ctr"/>
+            <a:r>
+              <a:rPr kumimoji="1" lang="en-US" altLang="ja-JP" sz="1600" dirty="0"/>
+              <a:t>1</a:t>
+            </a:r>
+            <a:endParaRPr kumimoji="1" lang="ja-JP" altLang="en-US" sz="1600" dirty="0"/>
+          </a:p>
+        </p:txBody>
+      </p:sp>
+      <p:cxnSp>
+        <p:nvCxnSpPr>
+          <p:cNvPr id="14" name="直線矢印コネクタ 13">
+            <a:extLst>
+              <a:ext uri="{FF2B5EF4-FFF2-40B4-BE49-F238E27FC236}">
+                <a16:creationId xmlns:a16="http://schemas.microsoft.com/office/drawing/2014/main" id="{089A54E6-27B8-8D95-2D3F-4D243898E349}"/>
+              </a:ext>
+            </a:extLst>
+          </p:cNvPr>
+          <p:cNvCxnSpPr>
+            <a:cxnSpLocks/>
+            <a:stCxn id="51" idx="3"/>
+            <a:endCxn id="2" idx="7"/>
+          </p:cNvCxnSpPr>
+          <p:nvPr/>
+        </p:nvCxnSpPr>
+        <p:spPr>
+          <a:xfrm flipH="1">
+            <a:off x="3898553" y="1891698"/>
+            <a:ext cx="1181471" cy="1178306"/>
+          </a:xfrm>
+          <a:prstGeom prst="straightConnector1">
+            <a:avLst/>
+          </a:prstGeom>
+          <a:ln w="12700">
+            <a:tailEnd type="triangle"/>
+          </a:ln>
+        </p:spPr>
+        <p:style>
+          <a:lnRef idx="1">
+            <a:schemeClr val="accent1"/>
+          </a:lnRef>
+          <a:fillRef idx="0">
+            <a:schemeClr val="accent1"/>
+          </a:fillRef>
+          <a:effectRef idx="0">
+            <a:schemeClr val="accent1"/>
+          </a:effectRef>
+          <a:fontRef idx="minor">
+            <a:schemeClr val="tx1"/>
+          </a:fontRef>
+        </p:style>
+      </p:cxnSp>
+      <p:sp>
+        <p:nvSpPr>
+          <p:cNvPr id="21" name="テキスト ボックス 20">
+            <a:extLst>
+              <a:ext uri="{FF2B5EF4-FFF2-40B4-BE49-F238E27FC236}">
+                <a16:creationId xmlns:a16="http://schemas.microsoft.com/office/drawing/2014/main" id="{FBB95E2B-1420-F333-5376-D47650C0120E}"/>
+              </a:ext>
+            </a:extLst>
+          </p:cNvPr>
+          <p:cNvSpPr txBox="1"/>
+          <p:nvPr/>
+        </p:nvSpPr>
+        <p:spPr>
+          <a:xfrm>
+            <a:off x="5985058" y="2326840"/>
+            <a:ext cx="746970" cy="369332"/>
+          </a:xfrm>
+          <a:prstGeom prst="rect">
+            <a:avLst/>
+          </a:prstGeom>
+          <a:noFill/>
+        </p:spPr>
+        <p:txBody>
+          <a:bodyPr wrap="square" rtlCol="0">
+            <a:spAutoFit/>
+          </a:bodyPr>
+          <a:lstStyle/>
+          <a:p>
+            <a:pPr algn="ctr"/>
+            <a:r>
+              <a:rPr kumimoji="1" lang="en-US" altLang="ja-JP" dirty="0">
+                <a:solidFill>
+                  <a:schemeClr val="accent1"/>
+                </a:solidFill>
+              </a:rPr>
+              <a:t>0.37</a:t>
+            </a:r>
+            <a:endParaRPr kumimoji="1" lang="ja-JP" altLang="en-US" dirty="0">
+              <a:solidFill>
+                <a:schemeClr val="accent1"/>
+              </a:solidFill>
+            </a:endParaRPr>
+          </a:p>
+        </p:txBody>
+      </p:sp>
+      <p:cxnSp>
+        <p:nvCxnSpPr>
+          <p:cNvPr id="22" name="直線矢印コネクタ 21">
+            <a:extLst>
+              <a:ext uri="{FF2B5EF4-FFF2-40B4-BE49-F238E27FC236}">
+                <a16:creationId xmlns:a16="http://schemas.microsoft.com/office/drawing/2014/main" id="{87C70AD5-B130-CF96-1FA7-C784FA1C6F20}"/>
+              </a:ext>
+            </a:extLst>
+          </p:cNvPr>
+          <p:cNvCxnSpPr>
+            <a:cxnSpLocks/>
+            <a:stCxn id="2" idx="5"/>
+            <a:endCxn id="6" idx="1"/>
+          </p:cNvCxnSpPr>
+          <p:nvPr/>
+        </p:nvCxnSpPr>
+        <p:spPr>
+          <a:xfrm>
+            <a:off x="3898553" y="3377427"/>
+            <a:ext cx="1129473" cy="1237873"/>
+          </a:xfrm>
+          <a:prstGeom prst="straightConnector1">
+            <a:avLst/>
+          </a:prstGeom>
+          <a:ln w="12700">
+            <a:tailEnd type="triangle"/>
+          </a:ln>
+        </p:spPr>
+        <p:style>
+          <a:lnRef idx="1">
+            <a:schemeClr val="accent1"/>
+          </a:lnRef>
+          <a:fillRef idx="0">
+            <a:schemeClr val="accent1"/>
+          </a:fillRef>
+          <a:effectRef idx="0">
+            <a:schemeClr val="accent1"/>
+          </a:effectRef>
+          <a:fontRef idx="minor">
+            <a:schemeClr val="tx1"/>
+          </a:fontRef>
+        </p:style>
+      </p:cxnSp>
+      <p:sp>
+        <p:nvSpPr>
+          <p:cNvPr id="26" name="テキスト ボックス 25">
+            <a:extLst>
+              <a:ext uri="{FF2B5EF4-FFF2-40B4-BE49-F238E27FC236}">
+                <a16:creationId xmlns:a16="http://schemas.microsoft.com/office/drawing/2014/main" id="{0D37A29D-072F-2101-2C76-6906E6F4D15E}"/>
+              </a:ext>
+            </a:extLst>
+          </p:cNvPr>
+          <p:cNvSpPr txBox="1"/>
+          <p:nvPr/>
+        </p:nvSpPr>
+        <p:spPr>
+          <a:xfrm>
+            <a:off x="4308087" y="3743772"/>
+            <a:ext cx="746970" cy="369332"/>
+          </a:xfrm>
+          <a:prstGeom prst="rect">
+            <a:avLst/>
+          </a:prstGeom>
+          <a:noFill/>
+        </p:spPr>
+        <p:txBody>
+          <a:bodyPr wrap="square" rtlCol="0">
+            <a:spAutoFit/>
+          </a:bodyPr>
+          <a:lstStyle/>
+          <a:p>
+            <a:pPr algn="ctr"/>
+            <a:r>
+              <a:rPr kumimoji="1" lang="en-US" altLang="ja-JP" dirty="0">
+                <a:solidFill>
+                  <a:schemeClr val="accent1"/>
+                </a:solidFill>
+              </a:rPr>
+              <a:t>0.99</a:t>
+            </a:r>
+            <a:endParaRPr kumimoji="1" lang="ja-JP" altLang="en-US" dirty="0">
+              <a:solidFill>
+                <a:schemeClr val="accent1"/>
+              </a:solidFill>
+            </a:endParaRPr>
+          </a:p>
+        </p:txBody>
+      </p:sp>
+      <p:cxnSp>
+        <p:nvCxnSpPr>
+          <p:cNvPr id="36" name="直線矢印コネクタ 35">
+            <a:extLst>
+              <a:ext uri="{FF2B5EF4-FFF2-40B4-BE49-F238E27FC236}">
+                <a16:creationId xmlns:a16="http://schemas.microsoft.com/office/drawing/2014/main" id="{D4293495-1317-FD8F-5EB9-4EE93506FDBF}"/>
+              </a:ext>
+            </a:extLst>
+          </p:cNvPr>
+          <p:cNvCxnSpPr>
+            <a:cxnSpLocks/>
+            <a:stCxn id="32" idx="3"/>
+            <a:endCxn id="6" idx="7"/>
+          </p:cNvCxnSpPr>
+          <p:nvPr/>
+        </p:nvCxnSpPr>
+        <p:spPr>
+          <a:xfrm flipH="1">
+            <a:off x="5339133" y="3374688"/>
+            <a:ext cx="1229113" cy="1240612"/>
+          </a:xfrm>
+          <a:prstGeom prst="straightConnector1">
+            <a:avLst/>
+          </a:prstGeom>
+          <a:ln w="12700">
+            <a:tailEnd type="triangle"/>
+          </a:ln>
+        </p:spPr>
+        <p:style>
+          <a:lnRef idx="1">
+            <a:schemeClr val="accent1"/>
+          </a:lnRef>
+          <a:fillRef idx="0">
+            <a:schemeClr val="accent1"/>
+          </a:fillRef>
+          <a:effectRef idx="0">
+            <a:schemeClr val="accent1"/>
+          </a:effectRef>
+          <a:fontRef idx="minor">
+            <a:schemeClr val="tx1"/>
+          </a:fontRef>
+        </p:style>
+      </p:cxnSp>
+      <p:sp>
+        <p:nvSpPr>
+          <p:cNvPr id="39" name="テキスト ボックス 38">
+            <a:extLst>
+              <a:ext uri="{FF2B5EF4-FFF2-40B4-BE49-F238E27FC236}">
+                <a16:creationId xmlns:a16="http://schemas.microsoft.com/office/drawing/2014/main" id="{55FCA70C-39E2-FD36-118D-C1109C902546}"/>
+              </a:ext>
+            </a:extLst>
+          </p:cNvPr>
+          <p:cNvSpPr txBox="1"/>
+          <p:nvPr/>
+        </p:nvSpPr>
+        <p:spPr>
+          <a:xfrm>
+            <a:off x="5272988" y="3759162"/>
+            <a:ext cx="746970" cy="369332"/>
+          </a:xfrm>
+          <a:prstGeom prst="rect">
+            <a:avLst/>
+          </a:prstGeom>
+          <a:noFill/>
+        </p:spPr>
+        <p:txBody>
+          <a:bodyPr wrap="square" rtlCol="0">
+            <a:spAutoFit/>
+          </a:bodyPr>
+          <a:lstStyle/>
+          <a:p>
+            <a:pPr algn="ctr"/>
+            <a:r>
+              <a:rPr kumimoji="1" lang="en-US" altLang="ja-JP" dirty="0">
+                <a:solidFill>
+                  <a:schemeClr val="accent1"/>
+                </a:solidFill>
+              </a:rPr>
+              <a:t>0.99</a:t>
+            </a:r>
+            <a:endParaRPr kumimoji="1" lang="ja-JP" altLang="en-US" dirty="0">
+              <a:solidFill>
+                <a:schemeClr val="accent1"/>
+              </a:solidFill>
+            </a:endParaRPr>
+          </a:p>
+        </p:txBody>
+      </p:sp>
+      <p:cxnSp>
+        <p:nvCxnSpPr>
+          <p:cNvPr id="77" name="直線矢印コネクタ 76">
+            <a:extLst>
+              <a:ext uri="{FF2B5EF4-FFF2-40B4-BE49-F238E27FC236}">
+                <a16:creationId xmlns:a16="http://schemas.microsoft.com/office/drawing/2014/main" id="{67130ACA-AE9A-A90E-B077-0CE664B2C9DD}"/>
+              </a:ext>
+            </a:extLst>
+          </p:cNvPr>
+          <p:cNvCxnSpPr>
+            <a:cxnSpLocks/>
+            <a:stCxn id="34" idx="2"/>
+            <a:endCxn id="32" idx="6"/>
+          </p:cNvCxnSpPr>
+          <p:nvPr/>
+        </p:nvCxnSpPr>
+        <p:spPr>
+          <a:xfrm flipH="1">
+            <a:off x="6943785" y="3220977"/>
+            <a:ext cx="1268603" cy="0"/>
+          </a:xfrm>
+          <a:prstGeom prst="straightConnector1">
+            <a:avLst/>
+          </a:prstGeom>
+          <a:ln w="12700">
+            <a:tailEnd type="triangle"/>
+          </a:ln>
+        </p:spPr>
+        <p:style>
+          <a:lnRef idx="1">
+            <a:schemeClr val="accent1"/>
+          </a:lnRef>
+          <a:fillRef idx="0">
+            <a:schemeClr val="accent1"/>
+          </a:fillRef>
+          <a:effectRef idx="0">
+            <a:schemeClr val="accent1"/>
+          </a:effectRef>
+          <a:fontRef idx="minor">
+            <a:schemeClr val="tx1"/>
+          </a:fontRef>
+        </p:style>
+      </p:cxnSp>
+      <p:sp>
+        <p:nvSpPr>
+          <p:cNvPr id="81" name="テキスト ボックス 80">
+            <a:extLst>
+              <a:ext uri="{FF2B5EF4-FFF2-40B4-BE49-F238E27FC236}">
+                <a16:creationId xmlns:a16="http://schemas.microsoft.com/office/drawing/2014/main" id="{FDC5350E-E4AD-C277-AB72-E09BAA3C308D}"/>
+              </a:ext>
+            </a:extLst>
+          </p:cNvPr>
+          <p:cNvSpPr txBox="1"/>
+          <p:nvPr/>
+        </p:nvSpPr>
+        <p:spPr>
+          <a:xfrm>
+            <a:off x="7444431" y="2894064"/>
+            <a:ext cx="746970" cy="369332"/>
+          </a:xfrm>
+          <a:prstGeom prst="rect">
+            <a:avLst/>
+          </a:prstGeom>
+          <a:noFill/>
+        </p:spPr>
+        <p:txBody>
+          <a:bodyPr wrap="square" rtlCol="0">
+            <a:spAutoFit/>
+          </a:bodyPr>
+          <a:lstStyle/>
+          <a:p>
+            <a:pPr algn="ctr"/>
+            <a:r>
+              <a:rPr kumimoji="1" lang="en-US" altLang="ja-JP" dirty="0">
+                <a:solidFill>
+                  <a:schemeClr val="accent1"/>
+                </a:solidFill>
+              </a:rPr>
+              <a:t>0.90</a:t>
+            </a:r>
+            <a:endParaRPr kumimoji="1" lang="ja-JP" altLang="en-US" dirty="0">
+              <a:solidFill>
+                <a:schemeClr val="accent1"/>
+              </a:solidFill>
+            </a:endParaRPr>
+          </a:p>
+        </p:txBody>
+      </p:sp>
+      <p:cxnSp>
+        <p:nvCxnSpPr>
+          <p:cNvPr id="82" name="直線矢印コネクタ 81">
+            <a:extLst>
+              <a:ext uri="{FF2B5EF4-FFF2-40B4-BE49-F238E27FC236}">
+                <a16:creationId xmlns:a16="http://schemas.microsoft.com/office/drawing/2014/main" id="{7C2C2EEF-802B-82BC-E4C6-F9725F2D4E1E}"/>
+              </a:ext>
+            </a:extLst>
+          </p:cNvPr>
+          <p:cNvCxnSpPr>
+            <a:cxnSpLocks/>
+            <a:stCxn id="5" idx="2"/>
+            <a:endCxn id="6" idx="6"/>
+          </p:cNvCxnSpPr>
+          <p:nvPr/>
+        </p:nvCxnSpPr>
+        <p:spPr>
+          <a:xfrm flipH="1">
+            <a:off x="5403565" y="4769012"/>
+            <a:ext cx="1974380" cy="0"/>
+          </a:xfrm>
+          <a:prstGeom prst="straightConnector1">
+            <a:avLst/>
+          </a:prstGeom>
+          <a:ln w="12700">
+            <a:tailEnd type="triangle"/>
+          </a:ln>
+        </p:spPr>
+        <p:style>
+          <a:lnRef idx="1">
+            <a:schemeClr val="accent1"/>
+          </a:lnRef>
+          <a:fillRef idx="0">
+            <a:schemeClr val="accent1"/>
+          </a:fillRef>
+          <a:effectRef idx="0">
+            <a:schemeClr val="accent1"/>
+          </a:effectRef>
+          <a:fontRef idx="minor">
+            <a:schemeClr val="tx1"/>
+          </a:fontRef>
+        </p:style>
+      </p:cxnSp>
+      <p:sp>
+        <p:nvSpPr>
+          <p:cNvPr id="91" name="テキスト ボックス 90">
+            <a:extLst>
+              <a:ext uri="{FF2B5EF4-FFF2-40B4-BE49-F238E27FC236}">
+                <a16:creationId xmlns:a16="http://schemas.microsoft.com/office/drawing/2014/main" id="{A973F1DB-70A8-F73F-70C6-AF9402C3AB64}"/>
+              </a:ext>
+            </a:extLst>
+          </p:cNvPr>
+          <p:cNvSpPr txBox="1"/>
+          <p:nvPr/>
+        </p:nvSpPr>
+        <p:spPr>
+          <a:xfrm>
+            <a:off x="8297442" y="4422055"/>
+            <a:ext cx="746970" cy="369332"/>
+          </a:xfrm>
+          <a:prstGeom prst="rect">
+            <a:avLst/>
+          </a:prstGeom>
+          <a:noFill/>
+        </p:spPr>
+        <p:txBody>
+          <a:bodyPr wrap="square" rtlCol="0">
+            <a:spAutoFit/>
+          </a:bodyPr>
+          <a:lstStyle/>
+          <a:p>
+            <a:pPr algn="ctr"/>
+            <a:r>
+              <a:rPr kumimoji="1" lang="en-US" altLang="ja-JP" dirty="0">
+                <a:solidFill>
+                  <a:schemeClr val="accent1"/>
+                </a:solidFill>
+              </a:rPr>
+              <a:t>0.75</a:t>
+            </a:r>
+            <a:endParaRPr kumimoji="1" lang="ja-JP" altLang="en-US" dirty="0">
+              <a:solidFill>
+                <a:schemeClr val="accent1"/>
+              </a:solidFill>
+            </a:endParaRPr>
+          </a:p>
+        </p:txBody>
+      </p:sp>
+      <p:cxnSp>
+        <p:nvCxnSpPr>
+          <p:cNvPr id="93" name="コネクタ: 曲線 92">
+            <a:extLst>
+              <a:ext uri="{FF2B5EF4-FFF2-40B4-BE49-F238E27FC236}">
+                <a16:creationId xmlns:a16="http://schemas.microsoft.com/office/drawing/2014/main" id="{3D1E7C3D-A005-397E-C8A7-E24E225E5E6C}"/>
+              </a:ext>
+            </a:extLst>
+          </p:cNvPr>
+          <p:cNvCxnSpPr>
+            <a:cxnSpLocks/>
+            <a:stCxn id="34" idx="5"/>
+            <a:endCxn id="34" idx="7"/>
+          </p:cNvCxnSpPr>
+          <p:nvPr/>
+        </p:nvCxnSpPr>
+        <p:spPr>
+          <a:xfrm rot="5400000" flipH="1">
+            <a:off x="8434215" y="3220977"/>
+            <a:ext cx="307423" cy="12700"/>
+          </a:xfrm>
+          <a:prstGeom prst="curvedConnector5">
+            <a:avLst>
+              <a:gd name="adj1" fmla="val -74360"/>
+              <a:gd name="adj2" fmla="val -4892677"/>
+              <a:gd name="adj3" fmla="val 174360"/>
+            </a:avLst>
+          </a:prstGeom>
+          <a:ln w="12700">
+            <a:solidFill>
+              <a:schemeClr val="accent2"/>
+            </a:solidFill>
+            <a:prstDash val="sysDash"/>
+            <a:tailEnd type="triangle"/>
+          </a:ln>
+        </p:spPr>
+        <p:style>
+          <a:lnRef idx="1">
+            <a:schemeClr val="accent1"/>
+          </a:lnRef>
+          <a:fillRef idx="0">
+            <a:schemeClr val="accent1"/>
+          </a:fillRef>
+          <a:effectRef idx="0">
+            <a:schemeClr val="accent1"/>
+          </a:effectRef>
+          <a:fontRef idx="minor">
+            <a:schemeClr val="tx1"/>
+          </a:fontRef>
+        </p:style>
+      </p:cxnSp>
+      <p:sp>
+        <p:nvSpPr>
+          <p:cNvPr id="101" name="テキスト ボックス 100">
+            <a:extLst>
+              <a:ext uri="{FF2B5EF4-FFF2-40B4-BE49-F238E27FC236}">
+                <a16:creationId xmlns:a16="http://schemas.microsoft.com/office/drawing/2014/main" id="{1A76E7A8-4F4F-8F34-F1A2-83014E2A7C1A}"/>
+              </a:ext>
+            </a:extLst>
+          </p:cNvPr>
+          <p:cNvSpPr txBox="1"/>
+          <p:nvPr/>
+        </p:nvSpPr>
+        <p:spPr>
+          <a:xfrm>
+            <a:off x="6938491" y="1654798"/>
+            <a:ext cx="746970" cy="369332"/>
+          </a:xfrm>
+          <a:prstGeom prst="rect">
+            <a:avLst/>
+          </a:prstGeom>
+          <a:noFill/>
+        </p:spPr>
+        <p:txBody>
+          <a:bodyPr wrap="square" rtlCol="0">
+            <a:spAutoFit/>
+          </a:bodyPr>
           <a:lstStyle/>
           <a:p>
             <a:pPr algn="ctr"/>
             <a:r>
               <a:rPr lang="en-US" altLang="ja-JP" dirty="0">
                 <a:solidFill>
-                  <a:schemeClr val="tx1"/>
+                  <a:schemeClr val="accent2"/>
                 </a:solidFill>
               </a:rPr>
-              <a:t>0</a:t>
+              <a:t>1</a:t>
             </a:r>
             <a:endParaRPr kumimoji="1" lang="ja-JP" altLang="en-US" dirty="0">
               <a:solidFill>
-                <a:schemeClr val="tx1"/>
+                <a:schemeClr val="accent2"/>
               </a:solidFill>
             </a:endParaRPr>
           </a:p>
         </p:txBody>
       </p:sp>
-      <p:sp>
-        <p:nvSpPr>
-          <p:cNvPr id="33" name="楕円 32">
-            <a:extLst>
-              <a:ext uri="{FF2B5EF4-FFF2-40B4-BE49-F238E27FC236}">
-                <a16:creationId xmlns:a16="http://schemas.microsoft.com/office/drawing/2014/main" id="{81EAF303-AF4F-6280-C2E6-44197D523A05}"/>
-              </a:ext>
-            </a:extLst>
-          </p:cNvPr>
-          <p:cNvSpPr/>
-          <p:nvPr/>
-        </p:nvSpPr>
-        <p:spPr>
-          <a:xfrm>
-            <a:off x="5019342" y="1738766"/>
-            <a:ext cx="439971" cy="434763"/>
-          </a:xfrm>
-          <a:prstGeom prst="ellipse">
-            <a:avLst/>
-          </a:prstGeom>
-          <a:noFill/>
-          <a:ln>
+      <p:cxnSp>
+        <p:nvCxnSpPr>
+          <p:cNvPr id="105" name="コネクタ: 曲線 104">
+            <a:extLst>
+              <a:ext uri="{FF2B5EF4-FFF2-40B4-BE49-F238E27FC236}">
+                <a16:creationId xmlns:a16="http://schemas.microsoft.com/office/drawing/2014/main" id="{DB5E8158-5363-6F83-0FD7-6744883DABAF}"/>
+              </a:ext>
+            </a:extLst>
+          </p:cNvPr>
+          <p:cNvCxnSpPr>
+            <a:cxnSpLocks/>
+            <a:stCxn id="6" idx="5"/>
+            <a:endCxn id="6" idx="3"/>
+          </p:cNvCxnSpPr>
+          <p:nvPr/>
+        </p:nvCxnSpPr>
+        <p:spPr>
+          <a:xfrm rot="5400000">
+            <a:off x="5183580" y="4767170"/>
+            <a:ext cx="12700" cy="311107"/>
+          </a:xfrm>
+          <a:prstGeom prst="curvedConnector3">
+            <a:avLst>
+              <a:gd name="adj1" fmla="val 3787055"/>
+            </a:avLst>
+          </a:prstGeom>
+          <a:ln w="12700">
             <a:solidFill>
-              <a:schemeClr val="tx1"/>
+              <a:schemeClr val="accent2"/>
             </a:solidFill>
+            <a:prstDash val="sysDash"/>
+            <a:tailEnd type="triangle"/>
           </a:ln>
         </p:spPr>
         <p:style>
-          <a:lnRef idx="2">
-            <a:schemeClr val="accent1">
-              <a:shade val="50000"/>
-            </a:schemeClr>
+          <a:lnRef idx="1">
+            <a:schemeClr val="accent1"/>
           </a:lnRef>
-          <a:fillRef idx="1">
+          <a:fillRef idx="0">
             <a:schemeClr val="accent1"/>
           </a:fillRef>
           <a:effectRef idx="0">
             <a:schemeClr val="accent1"/>
           </a:effectRef>
           <a:fontRef idx="minor">
-            <a:schemeClr val="lt1"/>
+            <a:schemeClr val="tx1"/>
           </a:fontRef>
         </p:style>
-        <p:txBody>
-          <a:bodyPr rtlCol="0" anchor="ctr"/>
+      </p:cxnSp>
+      <p:sp>
+        <p:nvSpPr>
+          <p:cNvPr id="111" name="テキスト ボックス 110">
+            <a:extLst>
+              <a:ext uri="{FF2B5EF4-FFF2-40B4-BE49-F238E27FC236}">
+                <a16:creationId xmlns:a16="http://schemas.microsoft.com/office/drawing/2014/main" id="{FAF769BB-9CC1-1FD5-B1D9-19632FE18896}"/>
+              </a:ext>
+            </a:extLst>
+          </p:cNvPr>
+          <p:cNvSpPr txBox="1"/>
+          <p:nvPr/>
+        </p:nvSpPr>
+        <p:spPr>
+          <a:xfrm>
+            <a:off x="4809553" y="5438321"/>
+            <a:ext cx="746970" cy="369332"/>
+          </a:xfrm>
+          <a:prstGeom prst="rect">
+            <a:avLst/>
+          </a:prstGeom>
+          <a:noFill/>
+        </p:spPr>
+        <p:txBody>
+          <a:bodyPr wrap="square" rtlCol="0">
+            <a:spAutoFit/>
+          </a:bodyPr>
           <a:lstStyle/>
           <a:p>
             <a:pPr algn="ctr"/>
             <a:r>
               <a:rPr kumimoji="1" lang="en-US" altLang="ja-JP" dirty="0">
                 <a:solidFill>
-                  <a:schemeClr val="tx1"/>
+                  <a:schemeClr val="accent2"/>
                 </a:solidFill>
               </a:rPr>
-              <a:t>3</a:t>
+              <a:t>0.99</a:t>
             </a:r>
             <a:endParaRPr kumimoji="1" lang="ja-JP" altLang="en-US" dirty="0">
               <a:solidFill>
-                <a:schemeClr val="tx1"/>
+                <a:schemeClr val="accent2"/>
               </a:solidFill>
             </a:endParaRPr>
           </a:p>
@@ -6869,32 +7870,216 @@
       </p:sp>
       <p:cxnSp>
         <p:nvCxnSpPr>
-          <p:cNvPr id="35" name="直線コネクタ 34">
-            <a:extLst>
-              <a:ext uri="{FF2B5EF4-FFF2-40B4-BE49-F238E27FC236}">
-                <a16:creationId xmlns:a16="http://schemas.microsoft.com/office/drawing/2014/main" id="{3394F000-E77A-B6D4-022D-10AACDA928FB}"/>
+          <p:cNvPr id="112" name="直線矢印コネクタ 111">
+            <a:extLst>
+              <a:ext uri="{FF2B5EF4-FFF2-40B4-BE49-F238E27FC236}">
+                <a16:creationId xmlns:a16="http://schemas.microsoft.com/office/drawing/2014/main" id="{8180EFE2-1587-70DC-1F7D-FF2F1D27B2A1}"/>
               </a:ext>
             </a:extLst>
           </p:cNvPr>
           <p:cNvCxnSpPr>
             <a:cxnSpLocks/>
-            <a:stCxn id="33" idx="6"/>
-            <a:endCxn id="19" idx="1"/>
+            <a:stCxn id="2" idx="6"/>
+            <a:endCxn id="32" idx="2"/>
           </p:cNvCxnSpPr>
           <p:nvPr/>
         </p:nvCxnSpPr>
         <p:spPr>
-          <a:xfrm>
-            <a:off x="5459313" y="1956148"/>
-            <a:ext cx="608384" cy="277743"/>
-          </a:xfrm>
-          <a:prstGeom prst="line">
-            <a:avLst/>
-          </a:prstGeom>
-          <a:ln>
+          <a:xfrm flipV="1">
+            <a:off x="3962985" y="3220977"/>
+            <a:ext cx="2540829" cy="2739"/>
+          </a:xfrm>
+          <a:prstGeom prst="straightConnector1">
+            <a:avLst/>
+          </a:prstGeom>
+          <a:ln w="12700">
             <a:solidFill>
-              <a:schemeClr val="tx1"/>
+              <a:schemeClr val="accent2"/>
             </a:solidFill>
+            <a:prstDash val="sysDash"/>
+            <a:tailEnd type="triangle"/>
+          </a:ln>
+        </p:spPr>
+        <p:style>
+          <a:lnRef idx="1">
+            <a:schemeClr val="accent1"/>
+          </a:lnRef>
+          <a:fillRef idx="0">
+            <a:schemeClr val="accent1"/>
+          </a:fillRef>
+          <a:effectRef idx="0">
+            <a:schemeClr val="accent1"/>
+          </a:effectRef>
+          <a:fontRef idx="minor">
+            <a:schemeClr val="tx1"/>
+          </a:fontRef>
+        </p:style>
+      </p:cxnSp>
+      <p:sp>
+        <p:nvSpPr>
+          <p:cNvPr id="117" name="テキスト ボックス 116">
+            <a:extLst>
+              <a:ext uri="{FF2B5EF4-FFF2-40B4-BE49-F238E27FC236}">
+                <a16:creationId xmlns:a16="http://schemas.microsoft.com/office/drawing/2014/main" id="{5CD1F937-4E24-FD33-D3D2-91506E9FCFE6}"/>
+              </a:ext>
+            </a:extLst>
+          </p:cNvPr>
+          <p:cNvSpPr txBox="1"/>
+          <p:nvPr/>
+        </p:nvSpPr>
+        <p:spPr>
+          <a:xfrm>
+            <a:off x="4861726" y="2865454"/>
+            <a:ext cx="746970" cy="369332"/>
+          </a:xfrm>
+          <a:prstGeom prst="rect">
+            <a:avLst/>
+          </a:prstGeom>
+          <a:noFill/>
+        </p:spPr>
+        <p:txBody>
+          <a:bodyPr wrap="square" rtlCol="0">
+            <a:spAutoFit/>
+          </a:bodyPr>
+          <a:lstStyle/>
+          <a:p>
+            <a:pPr algn="ctr"/>
+            <a:r>
+              <a:rPr kumimoji="1" lang="en-US" altLang="ja-JP" dirty="0">
+                <a:solidFill>
+                  <a:schemeClr val="accent2"/>
+                </a:solidFill>
+              </a:rPr>
+              <a:t>0.99</a:t>
+            </a:r>
+            <a:endParaRPr kumimoji="1" lang="ja-JP" altLang="en-US" dirty="0">
+              <a:solidFill>
+                <a:schemeClr val="accent2"/>
+              </a:solidFill>
+            </a:endParaRPr>
+          </a:p>
+        </p:txBody>
+      </p:sp>
+      <p:sp>
+        <p:nvSpPr>
+          <p:cNvPr id="132" name="テキスト ボックス 131">
+            <a:extLst>
+              <a:ext uri="{FF2B5EF4-FFF2-40B4-BE49-F238E27FC236}">
+                <a16:creationId xmlns:a16="http://schemas.microsoft.com/office/drawing/2014/main" id="{E9AAF3C4-A6EF-53E0-2726-549DBF621929}"/>
+              </a:ext>
+            </a:extLst>
+          </p:cNvPr>
+          <p:cNvSpPr txBox="1"/>
+          <p:nvPr/>
+        </p:nvSpPr>
+        <p:spPr>
+          <a:xfrm>
+            <a:off x="8158090" y="3764060"/>
+            <a:ext cx="746970" cy="369332"/>
+          </a:xfrm>
+          <a:prstGeom prst="rect">
+            <a:avLst/>
+          </a:prstGeom>
+          <a:noFill/>
+        </p:spPr>
+        <p:txBody>
+          <a:bodyPr wrap="square" rtlCol="0">
+            <a:spAutoFit/>
+          </a:bodyPr>
+          <a:lstStyle/>
+          <a:p>
+            <a:pPr algn="ctr"/>
+            <a:r>
+              <a:rPr kumimoji="1" lang="en-US" altLang="ja-JP" dirty="0">
+                <a:solidFill>
+                  <a:schemeClr val="accent2"/>
+                </a:solidFill>
+              </a:rPr>
+              <a:t>0.51</a:t>
+            </a:r>
+            <a:endParaRPr kumimoji="1" lang="ja-JP" altLang="en-US" dirty="0">
+              <a:solidFill>
+                <a:schemeClr val="accent2"/>
+              </a:solidFill>
+            </a:endParaRPr>
+          </a:p>
+        </p:txBody>
+      </p:sp>
+      <p:sp>
+        <p:nvSpPr>
+          <p:cNvPr id="136" name="テキスト ボックス 135">
+            <a:extLst>
+              <a:ext uri="{FF2B5EF4-FFF2-40B4-BE49-F238E27FC236}">
+                <a16:creationId xmlns:a16="http://schemas.microsoft.com/office/drawing/2014/main" id="{39976FCF-DE2D-BDCB-9FF8-91D58F8FA6C0}"/>
+              </a:ext>
+            </a:extLst>
+          </p:cNvPr>
+          <p:cNvSpPr txBox="1"/>
+          <p:nvPr/>
+        </p:nvSpPr>
+        <p:spPr>
+          <a:xfrm>
+            <a:off x="6788688" y="2460184"/>
+            <a:ext cx="746970" cy="369332"/>
+          </a:xfrm>
+          <a:prstGeom prst="rect">
+            <a:avLst/>
+          </a:prstGeom>
+          <a:noFill/>
+        </p:spPr>
+        <p:txBody>
+          <a:bodyPr wrap="square" rtlCol="0">
+            <a:spAutoFit/>
+          </a:bodyPr>
+          <a:lstStyle/>
+          <a:p>
+            <a:pPr algn="ctr"/>
+            <a:r>
+              <a:rPr lang="en-US" altLang="ja-JP" dirty="0">
+                <a:solidFill>
+                  <a:schemeClr val="accent2"/>
+                </a:solidFill>
+              </a:rPr>
+              <a:t>1</a:t>
+            </a:r>
+            <a:endParaRPr kumimoji="1" lang="ja-JP" altLang="en-US" dirty="0">
+              <a:solidFill>
+                <a:schemeClr val="accent2"/>
+              </a:solidFill>
+            </a:endParaRPr>
+          </a:p>
+        </p:txBody>
+      </p:sp>
+      <p:cxnSp>
+        <p:nvCxnSpPr>
+          <p:cNvPr id="146" name="コネクタ: 曲線 145">
+            <a:extLst>
+              <a:ext uri="{FF2B5EF4-FFF2-40B4-BE49-F238E27FC236}">
+                <a16:creationId xmlns:a16="http://schemas.microsoft.com/office/drawing/2014/main" id="{C9D85D6A-CCF1-A361-446B-AE7EF3D4718F}"/>
+              </a:ext>
+            </a:extLst>
+          </p:cNvPr>
+          <p:cNvCxnSpPr>
+            <a:cxnSpLocks/>
+            <a:stCxn id="51" idx="6"/>
+            <a:endCxn id="34" idx="0"/>
+          </p:cNvCxnSpPr>
+          <p:nvPr/>
+        </p:nvCxnSpPr>
+        <p:spPr>
+          <a:xfrm>
+            <a:off x="5455563" y="1737987"/>
+            <a:ext cx="2976811" cy="1265608"/>
+          </a:xfrm>
+          <a:prstGeom prst="curvedConnector2">
+            <a:avLst/>
+          </a:prstGeom>
+          <a:ln w="12700">
+            <a:solidFill>
+              <a:schemeClr val="accent2"/>
+            </a:solidFill>
+            <a:prstDash val="sysDash"/>
+            <a:tailEnd type="triangle"/>
           </a:ln>
         </p:spPr>
         <p:style>
@@ -6914,32 +8099,38 @@
       </p:cxnSp>
       <p:cxnSp>
         <p:nvCxnSpPr>
-          <p:cNvPr id="48" name="直線コネクタ 47">
-            <a:extLst>
-              <a:ext uri="{FF2B5EF4-FFF2-40B4-BE49-F238E27FC236}">
-                <a16:creationId xmlns:a16="http://schemas.microsoft.com/office/drawing/2014/main" id="{38153412-84F5-4E64-1F56-01EEB3020D40}"/>
+          <p:cNvPr id="151" name="コネクタ: 曲線 150">
+            <a:extLst>
+              <a:ext uri="{FF2B5EF4-FFF2-40B4-BE49-F238E27FC236}">
+                <a16:creationId xmlns:a16="http://schemas.microsoft.com/office/drawing/2014/main" id="{C25C87FF-36C1-DFA5-A597-E4C9C5141FAB}"/>
               </a:ext>
             </a:extLst>
           </p:cNvPr>
           <p:cNvCxnSpPr>
             <a:cxnSpLocks/>
-            <a:stCxn id="29" idx="6"/>
-            <a:endCxn id="19" idx="3"/>
+            <a:stCxn id="5" idx="5"/>
+            <a:endCxn id="5" idx="7"/>
           </p:cNvCxnSpPr>
           <p:nvPr/>
         </p:nvCxnSpPr>
         <p:spPr>
-          <a:xfrm flipV="1">
-            <a:off x="5443547" y="2541314"/>
-            <a:ext cx="624150" cy="281052"/>
-          </a:xfrm>
-          <a:prstGeom prst="line">
-            <a:avLst/>
-          </a:prstGeom>
-          <a:ln>
+          <a:xfrm rot="5400000" flipH="1">
+            <a:off x="7599772" y="4769012"/>
+            <a:ext cx="307423" cy="12700"/>
+          </a:xfrm>
+          <a:prstGeom prst="curvedConnector5">
+            <a:avLst>
+              <a:gd name="adj1" fmla="val -44843"/>
+              <a:gd name="adj2" fmla="val -3178394"/>
+              <a:gd name="adj3" fmla="val 142572"/>
+            </a:avLst>
+          </a:prstGeom>
+          <a:ln w="12700">
             <a:solidFill>
-              <a:schemeClr val="tx1"/>
+              <a:schemeClr val="accent2"/>
             </a:solidFill>
+            <a:prstDash val="sysDash"/>
+            <a:tailEnd type="triangle"/>
           </a:ln>
         </p:spPr>
         <p:style>
@@ -6959,63 +8150,44 @@
       </p:cxnSp>
       <p:sp>
         <p:nvSpPr>
-          <p:cNvPr id="51" name="楕円 50">
-            <a:extLst>
-              <a:ext uri="{FF2B5EF4-FFF2-40B4-BE49-F238E27FC236}">
-                <a16:creationId xmlns:a16="http://schemas.microsoft.com/office/drawing/2014/main" id="{936398A2-1B1A-ADAB-C692-B1CDC54323CD}"/>
-              </a:ext>
-            </a:extLst>
-          </p:cNvPr>
-          <p:cNvSpPr/>
-          <p:nvPr/>
-        </p:nvSpPr>
-        <p:spPr>
-          <a:xfrm>
-            <a:off x="5035416" y="4253015"/>
-            <a:ext cx="439971" cy="434763"/>
-          </a:xfrm>
-          <a:prstGeom prst="ellipse">
+          <p:cNvPr id="156" name="テキスト ボックス 155">
+            <a:extLst>
+              <a:ext uri="{FF2B5EF4-FFF2-40B4-BE49-F238E27FC236}">
+                <a16:creationId xmlns:a16="http://schemas.microsoft.com/office/drawing/2014/main" id="{65676F17-E511-C3F1-CFD2-557F86A26EA0}"/>
+              </a:ext>
+            </a:extLst>
+          </p:cNvPr>
+          <p:cNvSpPr txBox="1"/>
+          <p:nvPr/>
+        </p:nvSpPr>
+        <p:spPr>
+          <a:xfrm>
+            <a:off x="8297442" y="4764361"/>
+            <a:ext cx="746970" cy="369332"/>
+          </a:xfrm>
+          <a:prstGeom prst="rect">
             <a:avLst/>
           </a:prstGeom>
           <a:noFill/>
-          <a:ln>
-            <a:solidFill>
-              <a:schemeClr val="tx1"/>
-            </a:solidFill>
-          </a:ln>
-        </p:spPr>
-        <p:style>
-          <a:lnRef idx="2">
-            <a:schemeClr val="accent1">
-              <a:shade val="50000"/>
-            </a:schemeClr>
-          </a:lnRef>
-          <a:fillRef idx="1">
-            <a:schemeClr val="accent1"/>
-          </a:fillRef>
-          <a:effectRef idx="0">
-            <a:schemeClr val="accent1"/>
-          </a:effectRef>
-          <a:fontRef idx="minor">
-            <a:schemeClr val="lt1"/>
-          </a:fontRef>
-        </p:style>
-        <p:txBody>
-          <a:bodyPr rtlCol="0" anchor="ctr"/>
+        </p:spPr>
+        <p:txBody>
+          <a:bodyPr wrap="square" rtlCol="0">
+            <a:spAutoFit/>
+          </a:bodyPr>
           <a:lstStyle/>
           <a:p>
             <a:pPr algn="ctr"/>
             <a:r>
               <a:rPr kumimoji="1" lang="en-US" altLang="ja-JP" dirty="0">
                 <a:solidFill>
-                  <a:schemeClr val="tx1"/>
+                  <a:schemeClr val="accent2"/>
                 </a:solidFill>
               </a:rPr>
-              <a:t>3</a:t>
+              <a:t>0.26</a:t>
             </a:r>
             <a:endParaRPr kumimoji="1" lang="ja-JP" altLang="en-US" dirty="0">
               <a:solidFill>
-                <a:schemeClr val="tx1"/>
+                <a:schemeClr val="accent2"/>
               </a:solidFill>
             </a:endParaRPr>
           </a:p>
@@ -7023,32 +8195,37 @@
       </p:sp>
       <p:cxnSp>
         <p:nvCxnSpPr>
-          <p:cNvPr id="66" name="直線コネクタ 65">
-            <a:extLst>
-              <a:ext uri="{FF2B5EF4-FFF2-40B4-BE49-F238E27FC236}">
-                <a16:creationId xmlns:a16="http://schemas.microsoft.com/office/drawing/2014/main" id="{0D73DC1B-4788-4BEA-BCD5-5A95101381AA}"/>
+          <p:cNvPr id="157" name="コネクタ: 曲線 156">
+            <a:extLst>
+              <a:ext uri="{FF2B5EF4-FFF2-40B4-BE49-F238E27FC236}">
+                <a16:creationId xmlns:a16="http://schemas.microsoft.com/office/drawing/2014/main" id="{329DF695-7C86-623D-761A-73BF728E98E8}"/>
               </a:ext>
             </a:extLst>
           </p:cNvPr>
           <p:cNvCxnSpPr>
             <a:cxnSpLocks/>
-            <a:stCxn id="68" idx="6"/>
-            <a:endCxn id="33" idx="2"/>
+            <a:stCxn id="5" idx="3"/>
+            <a:endCxn id="51" idx="2"/>
           </p:cNvCxnSpPr>
           <p:nvPr/>
         </p:nvCxnSpPr>
         <p:spPr>
-          <a:xfrm>
-            <a:off x="4462860" y="1956148"/>
-            <a:ext cx="556482" cy="0"/>
-          </a:xfrm>
-          <a:prstGeom prst="line">
-            <a:avLst/>
-          </a:prstGeom>
-          <a:ln>
+          <a:xfrm rot="5400000" flipH="1">
+            <a:off x="4636617" y="2116963"/>
+            <a:ext cx="3184736" cy="2426785"/>
+          </a:xfrm>
+          <a:prstGeom prst="curvedConnector4">
+            <a:avLst>
+              <a:gd name="adj1" fmla="val -39712"/>
+              <a:gd name="adj2" fmla="val 206310"/>
+            </a:avLst>
+          </a:prstGeom>
+          <a:ln w="12700">
             <a:solidFill>
-              <a:schemeClr val="tx1"/>
+              <a:schemeClr val="accent2"/>
             </a:solidFill>
+            <a:prstDash val="sysDash"/>
+            <a:tailEnd type="triangle"/>
           </a:ln>
         </p:spPr>
         <p:style>
@@ -7068,96 +8245,141 @@
       </p:cxnSp>
       <p:sp>
         <p:nvSpPr>
-          <p:cNvPr id="68" name="楕円 67">
-            <a:extLst>
-              <a:ext uri="{FF2B5EF4-FFF2-40B4-BE49-F238E27FC236}">
-                <a16:creationId xmlns:a16="http://schemas.microsoft.com/office/drawing/2014/main" id="{78219453-3070-8E5F-6244-96693EC9F5A2}"/>
-              </a:ext>
-            </a:extLst>
-          </p:cNvPr>
-          <p:cNvSpPr/>
-          <p:nvPr/>
-        </p:nvSpPr>
-        <p:spPr>
-          <a:xfrm>
-            <a:off x="4022889" y="1738766"/>
-            <a:ext cx="439971" cy="434763"/>
-          </a:xfrm>
-          <a:prstGeom prst="ellipse">
+          <p:cNvPr id="177" name="テキスト ボックス 176">
+            <a:extLst>
+              <a:ext uri="{FF2B5EF4-FFF2-40B4-BE49-F238E27FC236}">
+                <a16:creationId xmlns:a16="http://schemas.microsoft.com/office/drawing/2014/main" id="{5363F279-40CA-9A16-9735-A2F84CE490F5}"/>
+              </a:ext>
+            </a:extLst>
+          </p:cNvPr>
+          <p:cNvSpPr txBox="1"/>
+          <p:nvPr/>
+        </p:nvSpPr>
+        <p:spPr>
+          <a:xfrm>
+            <a:off x="1735080" y="3721049"/>
+            <a:ext cx="746970" cy="369332"/>
+          </a:xfrm>
+          <a:prstGeom prst="rect">
             <a:avLst/>
           </a:prstGeom>
           <a:noFill/>
-          <a:ln>
-            <a:solidFill>
-              <a:schemeClr val="tx1"/>
-            </a:solidFill>
-          </a:ln>
-        </p:spPr>
-        <p:style>
-          <a:lnRef idx="2">
-            <a:schemeClr val="accent1">
-              <a:shade val="50000"/>
-            </a:schemeClr>
-          </a:lnRef>
-          <a:fillRef idx="1">
-            <a:schemeClr val="accent1"/>
-          </a:fillRef>
-          <a:effectRef idx="0">
-            <a:schemeClr val="accent1"/>
-          </a:effectRef>
-          <a:fontRef idx="minor">
-            <a:schemeClr val="lt1"/>
-          </a:fontRef>
-        </p:style>
-        <p:txBody>
-          <a:bodyPr rtlCol="0" anchor="ctr"/>
+        </p:spPr>
+        <p:txBody>
+          <a:bodyPr wrap="square" rtlCol="0">
+            <a:spAutoFit/>
+          </a:bodyPr>
           <a:lstStyle/>
           <a:p>
             <a:pPr algn="ctr"/>
             <a:r>
               <a:rPr kumimoji="1" lang="en-US" altLang="ja-JP" dirty="0">
                 <a:solidFill>
-                  <a:schemeClr val="tx1"/>
+                  <a:schemeClr val="accent2"/>
                 </a:solidFill>
               </a:rPr>
-              <a:t>3</a:t>
+              <a:t>0.23</a:t>
             </a:r>
             <a:endParaRPr kumimoji="1" lang="ja-JP" altLang="en-US" dirty="0">
               <a:solidFill>
-                <a:schemeClr val="tx1"/>
+                <a:schemeClr val="accent2"/>
               </a:solidFill>
             </a:endParaRPr>
           </a:p>
         </p:txBody>
       </p:sp>
+      <p:sp>
+        <p:nvSpPr>
+          <p:cNvPr id="181" name="テキスト ボックス 180">
+            <a:extLst>
+              <a:ext uri="{FF2B5EF4-FFF2-40B4-BE49-F238E27FC236}">
+                <a16:creationId xmlns:a16="http://schemas.microsoft.com/office/drawing/2014/main" id="{2B3887EF-5384-62DE-1412-D4A1369DACDA}"/>
+              </a:ext>
+            </a:extLst>
+          </p:cNvPr>
+          <p:cNvSpPr txBox="1"/>
+          <p:nvPr/>
+        </p:nvSpPr>
+        <p:spPr>
+          <a:xfrm>
+            <a:off x="7292812" y="5193521"/>
+            <a:ext cx="1934138" cy="830997"/>
+          </a:xfrm>
+          <a:prstGeom prst="rect">
+            <a:avLst/>
+          </a:prstGeom>
+          <a:noFill/>
+        </p:spPr>
+        <p:txBody>
+          <a:bodyPr wrap="square" rtlCol="0">
+            <a:spAutoFit/>
+          </a:bodyPr>
+          <a:lstStyle/>
+          <a:p>
+            <a:r>
+              <a:rPr lang="en-US" altLang="ja-JP" sz="1600" dirty="0"/>
+              <a:t>Man(a1-2) 0.27</a:t>
+            </a:r>
+          </a:p>
+          <a:p>
+            <a:r>
+              <a:rPr lang="en-US" altLang="ja-JP" sz="1600" dirty="0" err="1"/>
+              <a:t>GlcNAc</a:t>
+            </a:r>
+            <a:r>
+              <a:rPr lang="en-US" altLang="ja-JP" sz="1600" dirty="0"/>
+              <a:t>(b1-3)</a:t>
+            </a:r>
+            <a:r>
+              <a:rPr kumimoji="1" lang="en-US" altLang="ja-JP" sz="1600" dirty="0"/>
+              <a:t> 0.21</a:t>
+            </a:r>
+            <a:endParaRPr lang="en-US" altLang="ja-JP" sz="1600" dirty="0"/>
+          </a:p>
+          <a:p>
+            <a:r>
+              <a:rPr kumimoji="1" lang="en-US" altLang="ja-JP" sz="1600" dirty="0"/>
+              <a:t>Man(</a:t>
+            </a:r>
+            <a:r>
+              <a:rPr lang="en-US" altLang="ja-JP" sz="1600" dirty="0"/>
+              <a:t>a1-6) 0.19</a:t>
+            </a:r>
+            <a:endParaRPr kumimoji="1" lang="en-US" altLang="ja-JP" sz="1600" dirty="0"/>
+          </a:p>
+        </p:txBody>
+      </p:sp>
       <p:cxnSp>
         <p:nvCxnSpPr>
-          <p:cNvPr id="89" name="直線コネクタ 88">
-            <a:extLst>
-              <a:ext uri="{FF2B5EF4-FFF2-40B4-BE49-F238E27FC236}">
-                <a16:creationId xmlns:a16="http://schemas.microsoft.com/office/drawing/2014/main" id="{219E3501-C614-A6C3-7C21-28CF0F8C4DF5}"/>
+          <p:cNvPr id="182" name="コネクタ: 曲線 181">
+            <a:extLst>
+              <a:ext uri="{FF2B5EF4-FFF2-40B4-BE49-F238E27FC236}">
+                <a16:creationId xmlns:a16="http://schemas.microsoft.com/office/drawing/2014/main" id="{CEB06D3C-1B8E-2417-6DEA-5A4355FCA693}"/>
               </a:ext>
             </a:extLst>
           </p:cNvPr>
           <p:cNvCxnSpPr>
             <a:cxnSpLocks/>
-            <a:stCxn id="90" idx="6"/>
-            <a:endCxn id="68" idx="2"/>
+            <a:stCxn id="5" idx="0"/>
           </p:cNvCxnSpPr>
           <p:nvPr/>
         </p:nvCxnSpPr>
         <p:spPr>
-          <a:xfrm>
-            <a:off x="3466407" y="1956148"/>
-            <a:ext cx="556482" cy="0"/>
-          </a:xfrm>
-          <a:prstGeom prst="line">
-            <a:avLst/>
-          </a:prstGeom>
-          <a:ln>
+          <a:xfrm rot="5400000" flipH="1" flipV="1">
+            <a:off x="7390172" y="3644359"/>
+            <a:ext cx="1115031" cy="699513"/>
+          </a:xfrm>
+          <a:prstGeom prst="curvedConnector3">
+            <a:avLst>
+              <a:gd name="adj1" fmla="val 34380"/>
+            </a:avLst>
+          </a:prstGeom>
+          <a:ln w="12700">
             <a:solidFill>
-              <a:schemeClr val="tx1"/>
+              <a:schemeClr val="accent2"/>
             </a:solidFill>
+            <a:prstDash val="sysDash"/>
+            <a:tailEnd type="triangle"/>
           </a:ln>
         </p:spPr>
         <p:style>
@@ -7175,805 +8397,10 @@
           </a:fontRef>
         </p:style>
       </p:cxnSp>
-      <p:sp>
-        <p:nvSpPr>
-          <p:cNvPr id="90" name="楕円 89">
-            <a:extLst>
-              <a:ext uri="{FF2B5EF4-FFF2-40B4-BE49-F238E27FC236}">
-                <a16:creationId xmlns:a16="http://schemas.microsoft.com/office/drawing/2014/main" id="{2185B69C-2469-826A-A26E-3F85300008CD}"/>
-              </a:ext>
-            </a:extLst>
-          </p:cNvPr>
-          <p:cNvSpPr/>
-          <p:nvPr/>
-        </p:nvSpPr>
-        <p:spPr>
-          <a:xfrm>
-            <a:off x="3026436" y="1738766"/>
-            <a:ext cx="439971" cy="434763"/>
-          </a:xfrm>
-          <a:prstGeom prst="ellipse">
-            <a:avLst/>
-          </a:prstGeom>
-          <a:noFill/>
-          <a:ln>
-            <a:solidFill>
-              <a:schemeClr val="tx1"/>
-            </a:solidFill>
-          </a:ln>
-        </p:spPr>
-        <p:style>
-          <a:lnRef idx="2">
-            <a:schemeClr val="accent1">
-              <a:shade val="50000"/>
-            </a:schemeClr>
-          </a:lnRef>
-          <a:fillRef idx="1">
-            <a:schemeClr val="accent1"/>
-          </a:fillRef>
-          <a:effectRef idx="0">
-            <a:schemeClr val="accent1"/>
-          </a:effectRef>
-          <a:fontRef idx="minor">
-            <a:schemeClr val="lt1"/>
-          </a:fontRef>
-        </p:style>
-        <p:txBody>
-          <a:bodyPr rtlCol="0" anchor="ctr"/>
-          <a:lstStyle/>
-          <a:p>
-            <a:pPr algn="ctr"/>
-            <a:r>
-              <a:rPr kumimoji="1" lang="en-US" altLang="ja-JP" dirty="0">
-                <a:solidFill>
-                  <a:schemeClr val="tx1"/>
-                </a:solidFill>
-              </a:rPr>
-              <a:t>3</a:t>
-            </a:r>
-            <a:endParaRPr kumimoji="1" lang="ja-JP" altLang="en-US" dirty="0">
-              <a:solidFill>
-                <a:schemeClr val="tx1"/>
-              </a:solidFill>
-            </a:endParaRPr>
-          </a:p>
-        </p:txBody>
-      </p:sp>
-      <p:cxnSp>
-        <p:nvCxnSpPr>
-          <p:cNvPr id="92" name="直線コネクタ 91">
-            <a:extLst>
-              <a:ext uri="{FF2B5EF4-FFF2-40B4-BE49-F238E27FC236}">
-                <a16:creationId xmlns:a16="http://schemas.microsoft.com/office/drawing/2014/main" id="{F0188C79-281A-7EB4-B7A7-0B74E0A01B6C}"/>
-              </a:ext>
-            </a:extLst>
-          </p:cNvPr>
-          <p:cNvCxnSpPr>
-            <a:cxnSpLocks/>
-            <a:stCxn id="93" idx="6"/>
-            <a:endCxn id="29" idx="2"/>
-          </p:cNvCxnSpPr>
-          <p:nvPr/>
-        </p:nvCxnSpPr>
-        <p:spPr>
-          <a:xfrm>
-            <a:off x="4462860" y="2822366"/>
-            <a:ext cx="540716" cy="0"/>
-          </a:xfrm>
-          <a:prstGeom prst="line">
-            <a:avLst/>
-          </a:prstGeom>
-          <a:ln>
-            <a:solidFill>
-              <a:schemeClr val="tx1"/>
-            </a:solidFill>
-          </a:ln>
-        </p:spPr>
-        <p:style>
-          <a:lnRef idx="1">
-            <a:schemeClr val="accent1"/>
-          </a:lnRef>
-          <a:fillRef idx="0">
-            <a:schemeClr val="accent1"/>
-          </a:fillRef>
-          <a:effectRef idx="0">
-            <a:schemeClr val="accent1"/>
-          </a:effectRef>
-          <a:fontRef idx="minor">
-            <a:schemeClr val="tx1"/>
-          </a:fontRef>
-        </p:style>
-      </p:cxnSp>
-      <p:sp>
-        <p:nvSpPr>
-          <p:cNvPr id="93" name="楕円 92">
-            <a:extLst>
-              <a:ext uri="{FF2B5EF4-FFF2-40B4-BE49-F238E27FC236}">
-                <a16:creationId xmlns:a16="http://schemas.microsoft.com/office/drawing/2014/main" id="{72B03E98-54FC-6EE9-49BB-063EFC599DCE}"/>
-              </a:ext>
-            </a:extLst>
-          </p:cNvPr>
-          <p:cNvSpPr/>
-          <p:nvPr/>
-        </p:nvSpPr>
-        <p:spPr>
-          <a:xfrm>
-            <a:off x="4022889" y="2604984"/>
-            <a:ext cx="439971" cy="434763"/>
-          </a:xfrm>
-          <a:prstGeom prst="ellipse">
-            <a:avLst/>
-          </a:prstGeom>
-          <a:noFill/>
-          <a:ln>
-            <a:solidFill>
-              <a:schemeClr val="tx1"/>
-            </a:solidFill>
-          </a:ln>
-        </p:spPr>
-        <p:style>
-          <a:lnRef idx="2">
-            <a:schemeClr val="accent1">
-              <a:shade val="50000"/>
-            </a:schemeClr>
-          </a:lnRef>
-          <a:fillRef idx="1">
-            <a:schemeClr val="accent1"/>
-          </a:fillRef>
-          <a:effectRef idx="0">
-            <a:schemeClr val="accent1"/>
-          </a:effectRef>
-          <a:fontRef idx="minor">
-            <a:schemeClr val="lt1"/>
-          </a:fontRef>
-        </p:style>
-        <p:txBody>
-          <a:bodyPr rtlCol="0" anchor="ctr"/>
-          <a:lstStyle/>
-          <a:p>
-            <a:pPr algn="ctr"/>
-            <a:r>
-              <a:rPr kumimoji="1" lang="en-US" altLang="ja-JP" dirty="0">
-                <a:solidFill>
-                  <a:schemeClr val="tx1"/>
-                </a:solidFill>
-              </a:rPr>
-              <a:t>3</a:t>
-            </a:r>
-            <a:endParaRPr kumimoji="1" lang="ja-JP" altLang="en-US" dirty="0">
-              <a:solidFill>
-                <a:schemeClr val="tx1"/>
-              </a:solidFill>
-            </a:endParaRPr>
-          </a:p>
-        </p:txBody>
-      </p:sp>
-      <p:cxnSp>
-        <p:nvCxnSpPr>
-          <p:cNvPr id="94" name="直線コネクタ 93">
-            <a:extLst>
-              <a:ext uri="{FF2B5EF4-FFF2-40B4-BE49-F238E27FC236}">
-                <a16:creationId xmlns:a16="http://schemas.microsoft.com/office/drawing/2014/main" id="{2A3434F9-101A-C370-87D9-B8A615A1B98C}"/>
-              </a:ext>
-            </a:extLst>
-          </p:cNvPr>
-          <p:cNvCxnSpPr>
-            <a:cxnSpLocks/>
-            <a:stCxn id="95" idx="6"/>
-            <a:endCxn id="93" idx="2"/>
-          </p:cNvCxnSpPr>
-          <p:nvPr/>
-        </p:nvCxnSpPr>
-        <p:spPr>
-          <a:xfrm>
-            <a:off x="3467843" y="2822366"/>
-            <a:ext cx="555046" cy="0"/>
-          </a:xfrm>
-          <a:prstGeom prst="line">
-            <a:avLst/>
-          </a:prstGeom>
-          <a:ln>
-            <a:solidFill>
-              <a:schemeClr val="tx1"/>
-            </a:solidFill>
-          </a:ln>
-        </p:spPr>
-        <p:style>
-          <a:lnRef idx="1">
-            <a:schemeClr val="accent1"/>
-          </a:lnRef>
-          <a:fillRef idx="0">
-            <a:schemeClr val="accent1"/>
-          </a:fillRef>
-          <a:effectRef idx="0">
-            <a:schemeClr val="accent1"/>
-          </a:effectRef>
-          <a:fontRef idx="minor">
-            <a:schemeClr val="tx1"/>
-          </a:fontRef>
-        </p:style>
-      </p:cxnSp>
-      <p:sp>
-        <p:nvSpPr>
-          <p:cNvPr id="95" name="楕円 94">
-            <a:extLst>
-              <a:ext uri="{FF2B5EF4-FFF2-40B4-BE49-F238E27FC236}">
-                <a16:creationId xmlns:a16="http://schemas.microsoft.com/office/drawing/2014/main" id="{9BADADBC-278B-8A91-3D80-907EC7D90CD2}"/>
-              </a:ext>
-            </a:extLst>
-          </p:cNvPr>
-          <p:cNvSpPr/>
-          <p:nvPr/>
-        </p:nvSpPr>
-        <p:spPr>
-          <a:xfrm>
-            <a:off x="3027872" y="2604984"/>
-            <a:ext cx="439971" cy="434763"/>
-          </a:xfrm>
-          <a:prstGeom prst="ellipse">
-            <a:avLst/>
-          </a:prstGeom>
-          <a:noFill/>
-          <a:ln>
-            <a:solidFill>
-              <a:schemeClr val="tx1"/>
-            </a:solidFill>
-          </a:ln>
-        </p:spPr>
-        <p:style>
-          <a:lnRef idx="2">
-            <a:schemeClr val="accent1">
-              <a:shade val="50000"/>
-            </a:schemeClr>
-          </a:lnRef>
-          <a:fillRef idx="1">
-            <a:schemeClr val="accent1"/>
-          </a:fillRef>
-          <a:effectRef idx="0">
-            <a:schemeClr val="accent1"/>
-          </a:effectRef>
-          <a:fontRef idx="minor">
-            <a:schemeClr val="lt1"/>
-          </a:fontRef>
-        </p:style>
-        <p:txBody>
-          <a:bodyPr rtlCol="0" anchor="ctr"/>
-          <a:lstStyle/>
-          <a:p>
-            <a:pPr algn="ctr"/>
-            <a:r>
-              <a:rPr kumimoji="1" lang="en-US" altLang="ja-JP" dirty="0">
-                <a:solidFill>
-                  <a:schemeClr val="tx1"/>
-                </a:solidFill>
-              </a:rPr>
-              <a:t>3</a:t>
-            </a:r>
-            <a:endParaRPr kumimoji="1" lang="ja-JP" altLang="en-US" dirty="0">
-              <a:solidFill>
-                <a:schemeClr val="tx1"/>
-              </a:solidFill>
-            </a:endParaRPr>
-          </a:p>
-        </p:txBody>
-      </p:sp>
-      <p:cxnSp>
-        <p:nvCxnSpPr>
-          <p:cNvPr id="101" name="直線コネクタ 100">
-            <a:extLst>
-              <a:ext uri="{FF2B5EF4-FFF2-40B4-BE49-F238E27FC236}">
-                <a16:creationId xmlns:a16="http://schemas.microsoft.com/office/drawing/2014/main" id="{662F5556-2EA0-97A9-8869-4603EFD5B92B}"/>
-              </a:ext>
-            </a:extLst>
-          </p:cNvPr>
-          <p:cNvCxnSpPr>
-            <a:cxnSpLocks/>
-            <a:stCxn id="102" idx="6"/>
-            <a:endCxn id="51" idx="2"/>
-          </p:cNvCxnSpPr>
-          <p:nvPr/>
-        </p:nvCxnSpPr>
-        <p:spPr>
-          <a:xfrm>
-            <a:off x="4478935" y="4470397"/>
-            <a:ext cx="556481" cy="0"/>
-          </a:xfrm>
-          <a:prstGeom prst="line">
-            <a:avLst/>
-          </a:prstGeom>
-          <a:ln>
-            <a:solidFill>
-              <a:schemeClr val="tx1"/>
-            </a:solidFill>
-          </a:ln>
-        </p:spPr>
-        <p:style>
-          <a:lnRef idx="1">
-            <a:schemeClr val="accent1"/>
-          </a:lnRef>
-          <a:fillRef idx="0">
-            <a:schemeClr val="accent1"/>
-          </a:fillRef>
-          <a:effectRef idx="0">
-            <a:schemeClr val="accent1"/>
-          </a:effectRef>
-          <a:fontRef idx="minor">
-            <a:schemeClr val="tx1"/>
-          </a:fontRef>
-        </p:style>
-      </p:cxnSp>
-      <p:sp>
-        <p:nvSpPr>
-          <p:cNvPr id="102" name="楕円 101">
-            <a:extLst>
-              <a:ext uri="{FF2B5EF4-FFF2-40B4-BE49-F238E27FC236}">
-                <a16:creationId xmlns:a16="http://schemas.microsoft.com/office/drawing/2014/main" id="{5109BDEE-2DC4-30E4-B752-3C1E79E02695}"/>
-              </a:ext>
-            </a:extLst>
-          </p:cNvPr>
-          <p:cNvSpPr/>
-          <p:nvPr/>
-        </p:nvSpPr>
-        <p:spPr>
-          <a:xfrm>
-            <a:off x="4038964" y="4253015"/>
-            <a:ext cx="439971" cy="434763"/>
-          </a:xfrm>
-          <a:prstGeom prst="ellipse">
-            <a:avLst/>
-          </a:prstGeom>
-          <a:noFill/>
-          <a:ln>
-            <a:solidFill>
-              <a:schemeClr val="tx1"/>
-            </a:solidFill>
-          </a:ln>
-        </p:spPr>
-        <p:style>
-          <a:lnRef idx="2">
-            <a:schemeClr val="accent1">
-              <a:shade val="50000"/>
-            </a:schemeClr>
-          </a:lnRef>
-          <a:fillRef idx="1">
-            <a:schemeClr val="accent1"/>
-          </a:fillRef>
-          <a:effectRef idx="0">
-            <a:schemeClr val="accent1"/>
-          </a:effectRef>
-          <a:fontRef idx="minor">
-            <a:schemeClr val="lt1"/>
-          </a:fontRef>
-        </p:style>
-        <p:txBody>
-          <a:bodyPr rtlCol="0" anchor="ctr"/>
-          <a:lstStyle/>
-          <a:p>
-            <a:pPr algn="ctr"/>
-            <a:r>
-              <a:rPr kumimoji="1" lang="en-US" altLang="ja-JP" dirty="0">
-                <a:solidFill>
-                  <a:schemeClr val="tx1"/>
-                </a:solidFill>
-              </a:rPr>
-              <a:t>3</a:t>
-            </a:r>
-            <a:endParaRPr kumimoji="1" lang="ja-JP" altLang="en-US" dirty="0">
-              <a:solidFill>
-                <a:schemeClr val="tx1"/>
-              </a:solidFill>
-            </a:endParaRPr>
-          </a:p>
-        </p:txBody>
-      </p:sp>
-      <p:cxnSp>
-        <p:nvCxnSpPr>
-          <p:cNvPr id="103" name="直線コネクタ 102">
-            <a:extLst>
-              <a:ext uri="{FF2B5EF4-FFF2-40B4-BE49-F238E27FC236}">
-                <a16:creationId xmlns:a16="http://schemas.microsoft.com/office/drawing/2014/main" id="{69C44B0D-BF3C-6EB1-41C9-F231BD414390}"/>
-              </a:ext>
-            </a:extLst>
-          </p:cNvPr>
-          <p:cNvCxnSpPr>
-            <a:cxnSpLocks/>
-            <a:stCxn id="104" idx="6"/>
-            <a:endCxn id="102" idx="2"/>
-          </p:cNvCxnSpPr>
-          <p:nvPr/>
-        </p:nvCxnSpPr>
-        <p:spPr>
-          <a:xfrm>
-            <a:off x="3482482" y="4470397"/>
-            <a:ext cx="556482" cy="0"/>
-          </a:xfrm>
-          <a:prstGeom prst="line">
-            <a:avLst/>
-          </a:prstGeom>
-          <a:ln>
-            <a:solidFill>
-              <a:schemeClr val="tx1"/>
-            </a:solidFill>
-          </a:ln>
-        </p:spPr>
-        <p:style>
-          <a:lnRef idx="1">
-            <a:schemeClr val="accent1"/>
-          </a:lnRef>
-          <a:fillRef idx="0">
-            <a:schemeClr val="accent1"/>
-          </a:fillRef>
-          <a:effectRef idx="0">
-            <a:schemeClr val="accent1"/>
-          </a:effectRef>
-          <a:fontRef idx="minor">
-            <a:schemeClr val="tx1"/>
-          </a:fontRef>
-        </p:style>
-      </p:cxnSp>
-      <p:sp>
-        <p:nvSpPr>
-          <p:cNvPr id="104" name="楕円 103">
-            <a:extLst>
-              <a:ext uri="{FF2B5EF4-FFF2-40B4-BE49-F238E27FC236}">
-                <a16:creationId xmlns:a16="http://schemas.microsoft.com/office/drawing/2014/main" id="{7CC5E67B-17EA-0E0D-DC4D-17F23BA87DB7}"/>
-              </a:ext>
-            </a:extLst>
-          </p:cNvPr>
-          <p:cNvSpPr/>
-          <p:nvPr/>
-        </p:nvSpPr>
-        <p:spPr>
-          <a:xfrm>
-            <a:off x="3042511" y="4253015"/>
-            <a:ext cx="439971" cy="434763"/>
-          </a:xfrm>
-          <a:prstGeom prst="ellipse">
-            <a:avLst/>
-          </a:prstGeom>
-          <a:noFill/>
-          <a:ln>
-            <a:solidFill>
-              <a:schemeClr val="tx1"/>
-            </a:solidFill>
-          </a:ln>
-        </p:spPr>
-        <p:style>
-          <a:lnRef idx="2">
-            <a:schemeClr val="accent1">
-              <a:shade val="50000"/>
-            </a:schemeClr>
-          </a:lnRef>
-          <a:fillRef idx="1">
-            <a:schemeClr val="accent1"/>
-          </a:fillRef>
-          <a:effectRef idx="0">
-            <a:schemeClr val="accent1"/>
-          </a:effectRef>
-          <a:fontRef idx="minor">
-            <a:schemeClr val="lt1"/>
-          </a:fontRef>
-        </p:style>
-        <p:txBody>
-          <a:bodyPr rtlCol="0" anchor="ctr"/>
-          <a:lstStyle/>
-          <a:p>
-            <a:pPr algn="ctr"/>
-            <a:r>
-              <a:rPr kumimoji="1" lang="en-US" altLang="ja-JP" dirty="0">
-                <a:solidFill>
-                  <a:schemeClr val="tx1"/>
-                </a:solidFill>
-              </a:rPr>
-              <a:t>3</a:t>
-            </a:r>
-            <a:endParaRPr kumimoji="1" lang="ja-JP" altLang="en-US" dirty="0">
-              <a:solidFill>
-                <a:schemeClr val="tx1"/>
-              </a:solidFill>
-            </a:endParaRPr>
-          </a:p>
-        </p:txBody>
-      </p:sp>
-      <p:cxnSp>
-        <p:nvCxnSpPr>
-          <p:cNvPr id="3" name="直線コネクタ 2">
-            <a:extLst>
-              <a:ext uri="{FF2B5EF4-FFF2-40B4-BE49-F238E27FC236}">
-                <a16:creationId xmlns:a16="http://schemas.microsoft.com/office/drawing/2014/main" id="{77AFF6F8-9CA7-9910-00AE-6EAC8F2AB456}"/>
-              </a:ext>
-            </a:extLst>
-          </p:cNvPr>
-          <p:cNvCxnSpPr>
-            <a:cxnSpLocks/>
-            <a:stCxn id="6" idx="6"/>
-            <a:endCxn id="90" idx="2"/>
-          </p:cNvCxnSpPr>
-          <p:nvPr/>
-        </p:nvCxnSpPr>
-        <p:spPr>
-          <a:xfrm>
-            <a:off x="2469954" y="1956148"/>
-            <a:ext cx="556482" cy="0"/>
-          </a:xfrm>
-          <a:prstGeom prst="line">
-            <a:avLst/>
-          </a:prstGeom>
-          <a:ln>
-            <a:solidFill>
-              <a:schemeClr val="tx1"/>
-            </a:solidFill>
-          </a:ln>
-        </p:spPr>
-        <p:style>
-          <a:lnRef idx="1">
-            <a:schemeClr val="accent1"/>
-          </a:lnRef>
-          <a:fillRef idx="0">
-            <a:schemeClr val="accent1"/>
-          </a:fillRef>
-          <a:effectRef idx="0">
-            <a:schemeClr val="accent1"/>
-          </a:effectRef>
-          <a:fontRef idx="minor">
-            <a:schemeClr val="tx1"/>
-          </a:fontRef>
-        </p:style>
-      </p:cxnSp>
-      <p:sp>
-        <p:nvSpPr>
-          <p:cNvPr id="6" name="楕円 5">
-            <a:extLst>
-              <a:ext uri="{FF2B5EF4-FFF2-40B4-BE49-F238E27FC236}">
-                <a16:creationId xmlns:a16="http://schemas.microsoft.com/office/drawing/2014/main" id="{77D87AF6-6053-0E5E-41FC-835957BA1897}"/>
-              </a:ext>
-            </a:extLst>
-          </p:cNvPr>
-          <p:cNvSpPr/>
-          <p:nvPr/>
-        </p:nvSpPr>
-        <p:spPr>
-          <a:xfrm>
-            <a:off x="2029983" y="1738766"/>
-            <a:ext cx="439971" cy="434763"/>
-          </a:xfrm>
-          <a:prstGeom prst="ellipse">
-            <a:avLst/>
-          </a:prstGeom>
-          <a:noFill/>
-          <a:ln>
-            <a:solidFill>
-              <a:schemeClr val="tx1"/>
-            </a:solidFill>
-          </a:ln>
-        </p:spPr>
-        <p:style>
-          <a:lnRef idx="2">
-            <a:schemeClr val="accent1">
-              <a:shade val="50000"/>
-            </a:schemeClr>
-          </a:lnRef>
-          <a:fillRef idx="1">
-            <a:schemeClr val="accent1"/>
-          </a:fillRef>
-          <a:effectRef idx="0">
-            <a:schemeClr val="accent1"/>
-          </a:effectRef>
-          <a:fontRef idx="minor">
-            <a:schemeClr val="lt1"/>
-          </a:fontRef>
-        </p:style>
-        <p:txBody>
-          <a:bodyPr rtlCol="0" anchor="ctr"/>
-          <a:lstStyle/>
-          <a:p>
-            <a:pPr algn="ctr"/>
-            <a:r>
-              <a:rPr kumimoji="1" lang="en-US" altLang="ja-JP" dirty="0">
-                <a:solidFill>
-                  <a:schemeClr val="tx1"/>
-                </a:solidFill>
-              </a:rPr>
-              <a:t>3</a:t>
-            </a:r>
-            <a:endParaRPr kumimoji="1" lang="ja-JP" altLang="en-US" dirty="0">
-              <a:solidFill>
-                <a:schemeClr val="tx1"/>
-              </a:solidFill>
-            </a:endParaRPr>
-          </a:p>
-        </p:txBody>
-      </p:sp>
-      <p:cxnSp>
-        <p:nvCxnSpPr>
-          <p:cNvPr id="8" name="直線コネクタ 7">
-            <a:extLst>
-              <a:ext uri="{FF2B5EF4-FFF2-40B4-BE49-F238E27FC236}">
-                <a16:creationId xmlns:a16="http://schemas.microsoft.com/office/drawing/2014/main" id="{580E5ABF-203F-5B48-A798-845CE32C6FD7}"/>
-              </a:ext>
-            </a:extLst>
-          </p:cNvPr>
-          <p:cNvCxnSpPr>
-            <a:cxnSpLocks/>
-            <a:stCxn id="51" idx="6"/>
-            <a:endCxn id="20" idx="2"/>
-          </p:cNvCxnSpPr>
-          <p:nvPr/>
-        </p:nvCxnSpPr>
-        <p:spPr>
-          <a:xfrm>
-            <a:off x="5475387" y="4470397"/>
-            <a:ext cx="527877" cy="2"/>
-          </a:xfrm>
-          <a:prstGeom prst="line">
-            <a:avLst/>
-          </a:prstGeom>
-          <a:ln>
-            <a:solidFill>
-              <a:schemeClr val="tx1"/>
-            </a:solidFill>
-          </a:ln>
-        </p:spPr>
-        <p:style>
-          <a:lnRef idx="1">
-            <a:schemeClr val="accent1"/>
-          </a:lnRef>
-          <a:fillRef idx="0">
-            <a:schemeClr val="accent1"/>
-          </a:fillRef>
-          <a:effectRef idx="0">
-            <a:schemeClr val="accent1"/>
-          </a:effectRef>
-          <a:fontRef idx="minor">
-            <a:schemeClr val="tx1"/>
-          </a:fontRef>
-        </p:style>
-      </p:cxnSp>
-      <p:sp>
-        <p:nvSpPr>
-          <p:cNvPr id="17" name="テキスト ボックス 16">
-            <a:extLst>
-              <a:ext uri="{FF2B5EF4-FFF2-40B4-BE49-F238E27FC236}">
-                <a16:creationId xmlns:a16="http://schemas.microsoft.com/office/drawing/2014/main" id="{77F8248F-EC1B-F5BD-3376-79D13122BF0D}"/>
-              </a:ext>
-            </a:extLst>
-          </p:cNvPr>
-          <p:cNvSpPr txBox="1"/>
-          <p:nvPr/>
-        </p:nvSpPr>
-        <p:spPr>
-          <a:xfrm>
-            <a:off x="1930400" y="766629"/>
-            <a:ext cx="8331200" cy="646331"/>
-          </a:xfrm>
-          <a:prstGeom prst="rect">
-            <a:avLst/>
-          </a:prstGeom>
-          <a:noFill/>
-        </p:spPr>
-        <p:txBody>
-          <a:bodyPr wrap="square" rtlCol="0">
-            <a:spAutoFit/>
-          </a:bodyPr>
-          <a:lstStyle/>
-          <a:p>
-            <a:r>
-              <a:rPr lang="en-US" altLang="ja-JP" b="0" i="0" dirty="0">
-                <a:solidFill>
-                  <a:srgbClr val="212121"/>
-                </a:solidFill>
-                <a:effectLst/>
-                <a:latin typeface="Courier New" panose="02070309020205020404" pitchFamily="49" charset="0"/>
-              </a:rPr>
-              <a:t>The probability that all labels are outputted along the most likely state transition: -36.26962001854112 </a:t>
-            </a:r>
-            <a:r>
-              <a:rPr lang="ja-JP" altLang="en-US" b="0" i="0" dirty="0">
-                <a:solidFill>
-                  <a:srgbClr val="212121"/>
-                </a:solidFill>
-                <a:effectLst/>
-                <a:latin typeface="Courier New" panose="02070309020205020404" pitchFamily="49" charset="0"/>
-              </a:rPr>
-              <a:t>（対数表示）</a:t>
-            </a:r>
-            <a:endParaRPr kumimoji="1" lang="ja-JP" altLang="en-US" dirty="0"/>
-          </a:p>
-        </p:txBody>
-      </p:sp>
-      <p:pic>
-        <p:nvPicPr>
-          <p:cNvPr id="7" name="Picture 2">
-            <a:extLst>
-              <a:ext uri="{FF2B5EF4-FFF2-40B4-BE49-F238E27FC236}">
-                <a16:creationId xmlns:a16="http://schemas.microsoft.com/office/drawing/2014/main" id="{686695FB-30C3-451F-CEC6-95F14E2E4049}"/>
-              </a:ext>
-            </a:extLst>
-          </p:cNvPr>
-          <p:cNvPicPr>
-            <a:picLocks noChangeAspect="1" noChangeArrowheads="1"/>
-          </p:cNvPicPr>
-          <p:nvPr/>
-        </p:nvPicPr>
-        <p:blipFill>
-          <a:blip r:embed="rId2">
-            <a:extLst>
-              <a:ext uri="{28A0092B-C50C-407E-A947-70E740481C1C}">
-                <a14:useLocalDpi xmlns:a14="http://schemas.microsoft.com/office/drawing/2010/main" val="0"/>
-              </a:ext>
-            </a:extLst>
-          </a:blip>
-          <a:srcRect/>
-          <a:stretch>
-            <a:fillRect/>
-          </a:stretch>
-        </p:blipFill>
-        <p:spPr bwMode="auto">
-          <a:xfrm>
-            <a:off x="6971112" y="4253013"/>
-            <a:ext cx="4147083" cy="1840492"/>
-          </a:xfrm>
-          <a:prstGeom prst="rect">
-            <a:avLst/>
-          </a:prstGeom>
-          <a:noFill/>
-          <a:extLst>
-            <a:ext uri="{909E8E84-426E-40DD-AFC4-6F175D3DCCD1}">
-              <a14:hiddenFill xmlns:a14="http://schemas.microsoft.com/office/drawing/2010/main">
-                <a:solidFill>
-                  <a:srgbClr val="FFFFFF"/>
-                </a:solidFill>
-              </a14:hiddenFill>
-            </a:ext>
-          </a:extLst>
-        </p:spPr>
-      </p:pic>
-      <p:sp>
-        <p:nvSpPr>
-          <p:cNvPr id="9" name="テキスト ボックス 8">
-            <a:extLst>
-              <a:ext uri="{FF2B5EF4-FFF2-40B4-BE49-F238E27FC236}">
-                <a16:creationId xmlns:a16="http://schemas.microsoft.com/office/drawing/2014/main" id="{8E454EF9-865C-1808-F661-6800040B47D0}"/>
-              </a:ext>
-            </a:extLst>
-          </p:cNvPr>
-          <p:cNvSpPr txBox="1"/>
-          <p:nvPr/>
-        </p:nvSpPr>
-        <p:spPr>
-          <a:xfrm>
-            <a:off x="8874825" y="5906705"/>
-            <a:ext cx="974889" cy="369332"/>
-          </a:xfrm>
-          <a:prstGeom prst="rect">
-            <a:avLst/>
-          </a:prstGeom>
-          <a:noFill/>
-        </p:spPr>
-        <p:txBody>
-          <a:bodyPr wrap="square">
-            <a:spAutoFit/>
-          </a:bodyPr>
-          <a:lstStyle/>
-          <a:p>
-            <a:pPr algn="l"/>
-            <a:r>
-              <a:rPr lang="en-US" altLang="ja-JP" b="1" i="0" dirty="0">
-                <a:solidFill>
-                  <a:srgbClr val="000000"/>
-                </a:solidFill>
-                <a:effectLst/>
-                <a:latin typeface="arial" panose="020B0604020202020204" pitchFamily="34" charset="0"/>
-              </a:rPr>
-              <a:t>SNFG</a:t>
-            </a:r>
-          </a:p>
-        </p:txBody>
-      </p:sp>
     </p:spTree>
     <p:extLst>
       <p:ext uri="{BB962C8B-B14F-4D97-AF65-F5344CB8AC3E}">
-        <p14:creationId xmlns:p14="http://schemas.microsoft.com/office/powerpoint/2010/main" val="1488004092"/>
+        <p14:creationId xmlns:p14="http://schemas.microsoft.com/office/powerpoint/2010/main" val="3361459983"/>
       </p:ext>
     </p:extLst>
   </p:cSld>
@@ -8222,6 +8649,1767 @@
           <a:p>
             <a:pPr algn="ctr"/>
             <a:r>
+              <a:rPr kumimoji="1" lang="en-US" altLang="ja-JP" dirty="0">
+                <a:solidFill>
+                  <a:schemeClr val="tx1"/>
+                </a:solidFill>
+              </a:rPr>
+              <a:t>1</a:t>
+            </a:r>
+            <a:endParaRPr kumimoji="1" lang="ja-JP" altLang="en-US" dirty="0">
+              <a:solidFill>
+                <a:schemeClr val="tx1"/>
+              </a:solidFill>
+            </a:endParaRPr>
+          </a:p>
+        </p:txBody>
+      </p:sp>
+      <p:cxnSp>
+        <p:nvCxnSpPr>
+          <p:cNvPr id="16" name="直線コネクタ 15">
+            <a:extLst>
+              <a:ext uri="{FF2B5EF4-FFF2-40B4-BE49-F238E27FC236}">
+                <a16:creationId xmlns:a16="http://schemas.microsoft.com/office/drawing/2014/main" id="{3A4231B4-3565-5623-E3D4-DFF863B012DB}"/>
+              </a:ext>
+            </a:extLst>
+          </p:cNvPr>
+          <p:cNvCxnSpPr>
+            <a:cxnSpLocks/>
+            <a:stCxn id="15" idx="6"/>
+            <a:endCxn id="5" idx="2"/>
+          </p:cNvCxnSpPr>
+          <p:nvPr/>
+        </p:nvCxnSpPr>
+        <p:spPr>
+          <a:xfrm>
+            <a:off x="7416248" y="3428999"/>
+            <a:ext cx="533040" cy="1"/>
+          </a:xfrm>
+          <a:prstGeom prst="line">
+            <a:avLst/>
+          </a:prstGeom>
+          <a:ln>
+            <a:solidFill>
+              <a:schemeClr val="tx1"/>
+            </a:solidFill>
+          </a:ln>
+        </p:spPr>
+        <p:style>
+          <a:lnRef idx="1">
+            <a:schemeClr val="accent1"/>
+          </a:lnRef>
+          <a:fillRef idx="0">
+            <a:schemeClr val="accent1"/>
+          </a:fillRef>
+          <a:effectRef idx="0">
+            <a:schemeClr val="accent1"/>
+          </a:effectRef>
+          <a:fontRef idx="minor">
+            <a:schemeClr val="tx1"/>
+          </a:fontRef>
+        </p:style>
+      </p:cxnSp>
+      <p:sp>
+        <p:nvSpPr>
+          <p:cNvPr id="19" name="楕円 18">
+            <a:extLst>
+              <a:ext uri="{FF2B5EF4-FFF2-40B4-BE49-F238E27FC236}">
+                <a16:creationId xmlns:a16="http://schemas.microsoft.com/office/drawing/2014/main" id="{F298F2AF-6D9A-4BE2-B86D-1BCB2DFA6915}"/>
+              </a:ext>
+            </a:extLst>
+          </p:cNvPr>
+          <p:cNvSpPr/>
+          <p:nvPr/>
+        </p:nvSpPr>
+        <p:spPr>
+          <a:xfrm>
+            <a:off x="6003265" y="2170221"/>
+            <a:ext cx="439971" cy="434763"/>
+          </a:xfrm>
+          <a:prstGeom prst="ellipse">
+            <a:avLst/>
+          </a:prstGeom>
+          <a:noFill/>
+          <a:ln>
+            <a:solidFill>
+              <a:schemeClr val="tx1"/>
+            </a:solidFill>
+          </a:ln>
+        </p:spPr>
+        <p:style>
+          <a:lnRef idx="2">
+            <a:schemeClr val="accent1">
+              <a:shade val="50000"/>
+            </a:schemeClr>
+          </a:lnRef>
+          <a:fillRef idx="1">
+            <a:schemeClr val="accent1"/>
+          </a:fillRef>
+          <a:effectRef idx="0">
+            <a:schemeClr val="accent1"/>
+          </a:effectRef>
+          <a:fontRef idx="minor">
+            <a:schemeClr val="lt1"/>
+          </a:fontRef>
+        </p:style>
+        <p:txBody>
+          <a:bodyPr rtlCol="0" anchor="ctr"/>
+          <a:lstStyle/>
+          <a:p>
+            <a:pPr algn="ctr"/>
+            <a:r>
+              <a:rPr kumimoji="1" lang="en-US" altLang="ja-JP" dirty="0">
+                <a:solidFill>
+                  <a:schemeClr val="tx1"/>
+                </a:solidFill>
+              </a:rPr>
+              <a:t>3</a:t>
+            </a:r>
+            <a:endParaRPr kumimoji="1" lang="ja-JP" altLang="en-US" dirty="0">
+              <a:solidFill>
+                <a:schemeClr val="tx1"/>
+              </a:solidFill>
+            </a:endParaRPr>
+          </a:p>
+        </p:txBody>
+      </p:sp>
+      <p:sp>
+        <p:nvSpPr>
+          <p:cNvPr id="20" name="楕円 19">
+            <a:extLst>
+              <a:ext uri="{FF2B5EF4-FFF2-40B4-BE49-F238E27FC236}">
+                <a16:creationId xmlns:a16="http://schemas.microsoft.com/office/drawing/2014/main" id="{98118023-75A8-13FF-B3AC-006BB2EB8EDC}"/>
+              </a:ext>
+            </a:extLst>
+          </p:cNvPr>
+          <p:cNvSpPr/>
+          <p:nvPr/>
+        </p:nvSpPr>
+        <p:spPr>
+          <a:xfrm>
+            <a:off x="6003264" y="4253017"/>
+            <a:ext cx="439971" cy="434763"/>
+          </a:xfrm>
+          <a:prstGeom prst="ellipse">
+            <a:avLst/>
+          </a:prstGeom>
+          <a:noFill/>
+          <a:ln>
+            <a:solidFill>
+              <a:schemeClr val="tx1"/>
+            </a:solidFill>
+          </a:ln>
+        </p:spPr>
+        <p:style>
+          <a:lnRef idx="2">
+            <a:schemeClr val="accent1">
+              <a:shade val="50000"/>
+            </a:schemeClr>
+          </a:lnRef>
+          <a:fillRef idx="1">
+            <a:schemeClr val="accent1"/>
+          </a:fillRef>
+          <a:effectRef idx="0">
+            <a:schemeClr val="accent1"/>
+          </a:effectRef>
+          <a:fontRef idx="minor">
+            <a:schemeClr val="lt1"/>
+          </a:fontRef>
+        </p:style>
+        <p:txBody>
+          <a:bodyPr rtlCol="0" anchor="ctr"/>
+          <a:lstStyle/>
+          <a:p>
+            <a:pPr algn="ctr"/>
+            <a:r>
+              <a:rPr lang="en-US" altLang="ja-JP" dirty="0">
+                <a:solidFill>
+                  <a:schemeClr val="tx1"/>
+                </a:solidFill>
+              </a:rPr>
+              <a:t>0</a:t>
+            </a:r>
+            <a:endParaRPr kumimoji="1" lang="ja-JP" altLang="en-US" dirty="0">
+              <a:solidFill>
+                <a:schemeClr val="tx1"/>
+              </a:solidFill>
+            </a:endParaRPr>
+          </a:p>
+        </p:txBody>
+      </p:sp>
+      <p:cxnSp>
+        <p:nvCxnSpPr>
+          <p:cNvPr id="21" name="直線コネクタ 20">
+            <a:extLst>
+              <a:ext uri="{FF2B5EF4-FFF2-40B4-BE49-F238E27FC236}">
+                <a16:creationId xmlns:a16="http://schemas.microsoft.com/office/drawing/2014/main" id="{5070F677-61C6-9C9B-5F79-303AFF26D89A}"/>
+              </a:ext>
+            </a:extLst>
+          </p:cNvPr>
+          <p:cNvCxnSpPr>
+            <a:cxnSpLocks/>
+            <a:stCxn id="19" idx="5"/>
+            <a:endCxn id="15" idx="1"/>
+          </p:cNvCxnSpPr>
+          <p:nvPr/>
+        </p:nvCxnSpPr>
+        <p:spPr>
+          <a:xfrm>
+            <a:off x="6378804" y="2541314"/>
+            <a:ext cx="661905" cy="733973"/>
+          </a:xfrm>
+          <a:prstGeom prst="line">
+            <a:avLst/>
+          </a:prstGeom>
+          <a:ln>
+            <a:solidFill>
+              <a:schemeClr val="tx1"/>
+            </a:solidFill>
+          </a:ln>
+        </p:spPr>
+        <p:style>
+          <a:lnRef idx="1">
+            <a:schemeClr val="accent1"/>
+          </a:lnRef>
+          <a:fillRef idx="0">
+            <a:schemeClr val="accent1"/>
+          </a:fillRef>
+          <a:effectRef idx="0">
+            <a:schemeClr val="accent1"/>
+          </a:effectRef>
+          <a:fontRef idx="minor">
+            <a:schemeClr val="tx1"/>
+          </a:fontRef>
+        </p:style>
+      </p:cxnSp>
+      <p:cxnSp>
+        <p:nvCxnSpPr>
+          <p:cNvPr id="24" name="直線コネクタ 23">
+            <a:extLst>
+              <a:ext uri="{FF2B5EF4-FFF2-40B4-BE49-F238E27FC236}">
+                <a16:creationId xmlns:a16="http://schemas.microsoft.com/office/drawing/2014/main" id="{F82A930C-F5AB-FBE4-A327-C027ABD864A4}"/>
+              </a:ext>
+            </a:extLst>
+          </p:cNvPr>
+          <p:cNvCxnSpPr>
+            <a:cxnSpLocks/>
+            <a:stCxn id="20" idx="7"/>
+            <a:endCxn id="15" idx="3"/>
+          </p:cNvCxnSpPr>
+          <p:nvPr/>
+        </p:nvCxnSpPr>
+        <p:spPr>
+          <a:xfrm flipV="1">
+            <a:off x="6378803" y="3582710"/>
+            <a:ext cx="661906" cy="733977"/>
+          </a:xfrm>
+          <a:prstGeom prst="line">
+            <a:avLst/>
+          </a:prstGeom>
+          <a:ln>
+            <a:solidFill>
+              <a:schemeClr val="tx1"/>
+            </a:solidFill>
+          </a:ln>
+        </p:spPr>
+        <p:style>
+          <a:lnRef idx="1">
+            <a:schemeClr val="accent1"/>
+          </a:lnRef>
+          <a:fillRef idx="0">
+            <a:schemeClr val="accent1"/>
+          </a:fillRef>
+          <a:effectRef idx="0">
+            <a:schemeClr val="accent1"/>
+          </a:effectRef>
+          <a:fontRef idx="minor">
+            <a:schemeClr val="tx1"/>
+          </a:fontRef>
+        </p:style>
+      </p:cxnSp>
+      <p:sp>
+        <p:nvSpPr>
+          <p:cNvPr id="29" name="楕円 28">
+            <a:extLst>
+              <a:ext uri="{FF2B5EF4-FFF2-40B4-BE49-F238E27FC236}">
+                <a16:creationId xmlns:a16="http://schemas.microsoft.com/office/drawing/2014/main" id="{1CD800FD-B353-1171-2988-83C6857DE156}"/>
+              </a:ext>
+            </a:extLst>
+          </p:cNvPr>
+          <p:cNvSpPr/>
+          <p:nvPr/>
+        </p:nvSpPr>
+        <p:spPr>
+          <a:xfrm>
+            <a:off x="5003576" y="2604984"/>
+            <a:ext cx="439971" cy="434763"/>
+          </a:xfrm>
+          <a:prstGeom prst="ellipse">
+            <a:avLst/>
+          </a:prstGeom>
+          <a:noFill/>
+          <a:ln>
+            <a:solidFill>
+              <a:schemeClr val="tx1"/>
+            </a:solidFill>
+          </a:ln>
+        </p:spPr>
+        <p:style>
+          <a:lnRef idx="2">
+            <a:schemeClr val="accent1">
+              <a:shade val="50000"/>
+            </a:schemeClr>
+          </a:lnRef>
+          <a:fillRef idx="1">
+            <a:schemeClr val="accent1"/>
+          </a:fillRef>
+          <a:effectRef idx="0">
+            <a:schemeClr val="accent1"/>
+          </a:effectRef>
+          <a:fontRef idx="minor">
+            <a:schemeClr val="lt1"/>
+          </a:fontRef>
+        </p:style>
+        <p:txBody>
+          <a:bodyPr rtlCol="0" anchor="ctr"/>
+          <a:lstStyle/>
+          <a:p>
+            <a:pPr algn="ctr"/>
+            <a:r>
+              <a:rPr lang="en-US" altLang="ja-JP" dirty="0">
+                <a:solidFill>
+                  <a:schemeClr val="tx1"/>
+                </a:solidFill>
+              </a:rPr>
+              <a:t>0</a:t>
+            </a:r>
+            <a:endParaRPr kumimoji="1" lang="ja-JP" altLang="en-US" dirty="0">
+              <a:solidFill>
+                <a:schemeClr val="tx1"/>
+              </a:solidFill>
+            </a:endParaRPr>
+          </a:p>
+        </p:txBody>
+      </p:sp>
+      <p:sp>
+        <p:nvSpPr>
+          <p:cNvPr id="33" name="楕円 32">
+            <a:extLst>
+              <a:ext uri="{FF2B5EF4-FFF2-40B4-BE49-F238E27FC236}">
+                <a16:creationId xmlns:a16="http://schemas.microsoft.com/office/drawing/2014/main" id="{81EAF303-AF4F-6280-C2E6-44197D523A05}"/>
+              </a:ext>
+            </a:extLst>
+          </p:cNvPr>
+          <p:cNvSpPr/>
+          <p:nvPr/>
+        </p:nvSpPr>
+        <p:spPr>
+          <a:xfrm>
+            <a:off x="5019342" y="1738766"/>
+            <a:ext cx="439971" cy="434763"/>
+          </a:xfrm>
+          <a:prstGeom prst="ellipse">
+            <a:avLst/>
+          </a:prstGeom>
+          <a:noFill/>
+          <a:ln>
+            <a:solidFill>
+              <a:schemeClr val="tx1"/>
+            </a:solidFill>
+          </a:ln>
+        </p:spPr>
+        <p:style>
+          <a:lnRef idx="2">
+            <a:schemeClr val="accent1">
+              <a:shade val="50000"/>
+            </a:schemeClr>
+          </a:lnRef>
+          <a:fillRef idx="1">
+            <a:schemeClr val="accent1"/>
+          </a:fillRef>
+          <a:effectRef idx="0">
+            <a:schemeClr val="accent1"/>
+          </a:effectRef>
+          <a:fontRef idx="minor">
+            <a:schemeClr val="lt1"/>
+          </a:fontRef>
+        </p:style>
+        <p:txBody>
+          <a:bodyPr rtlCol="0" anchor="ctr"/>
+          <a:lstStyle/>
+          <a:p>
+            <a:pPr algn="ctr"/>
+            <a:r>
+              <a:rPr kumimoji="1" lang="en-US" altLang="ja-JP" dirty="0">
+                <a:solidFill>
+                  <a:schemeClr val="tx1"/>
+                </a:solidFill>
+              </a:rPr>
+              <a:t>3</a:t>
+            </a:r>
+            <a:endParaRPr kumimoji="1" lang="ja-JP" altLang="en-US" dirty="0">
+              <a:solidFill>
+                <a:schemeClr val="tx1"/>
+              </a:solidFill>
+            </a:endParaRPr>
+          </a:p>
+        </p:txBody>
+      </p:sp>
+      <p:cxnSp>
+        <p:nvCxnSpPr>
+          <p:cNvPr id="35" name="直線コネクタ 34">
+            <a:extLst>
+              <a:ext uri="{FF2B5EF4-FFF2-40B4-BE49-F238E27FC236}">
+                <a16:creationId xmlns:a16="http://schemas.microsoft.com/office/drawing/2014/main" id="{3394F000-E77A-B6D4-022D-10AACDA928FB}"/>
+              </a:ext>
+            </a:extLst>
+          </p:cNvPr>
+          <p:cNvCxnSpPr>
+            <a:cxnSpLocks/>
+            <a:stCxn id="33" idx="6"/>
+            <a:endCxn id="19" idx="1"/>
+          </p:cNvCxnSpPr>
+          <p:nvPr/>
+        </p:nvCxnSpPr>
+        <p:spPr>
+          <a:xfrm>
+            <a:off x="5459313" y="1956148"/>
+            <a:ext cx="608384" cy="277743"/>
+          </a:xfrm>
+          <a:prstGeom prst="line">
+            <a:avLst/>
+          </a:prstGeom>
+          <a:ln>
+            <a:solidFill>
+              <a:schemeClr val="tx1"/>
+            </a:solidFill>
+          </a:ln>
+        </p:spPr>
+        <p:style>
+          <a:lnRef idx="1">
+            <a:schemeClr val="accent1"/>
+          </a:lnRef>
+          <a:fillRef idx="0">
+            <a:schemeClr val="accent1"/>
+          </a:fillRef>
+          <a:effectRef idx="0">
+            <a:schemeClr val="accent1"/>
+          </a:effectRef>
+          <a:fontRef idx="minor">
+            <a:schemeClr val="tx1"/>
+          </a:fontRef>
+        </p:style>
+      </p:cxnSp>
+      <p:cxnSp>
+        <p:nvCxnSpPr>
+          <p:cNvPr id="48" name="直線コネクタ 47">
+            <a:extLst>
+              <a:ext uri="{FF2B5EF4-FFF2-40B4-BE49-F238E27FC236}">
+                <a16:creationId xmlns:a16="http://schemas.microsoft.com/office/drawing/2014/main" id="{38153412-84F5-4E64-1F56-01EEB3020D40}"/>
+              </a:ext>
+            </a:extLst>
+          </p:cNvPr>
+          <p:cNvCxnSpPr>
+            <a:cxnSpLocks/>
+            <a:stCxn id="29" idx="6"/>
+            <a:endCxn id="19" idx="3"/>
+          </p:cNvCxnSpPr>
+          <p:nvPr/>
+        </p:nvCxnSpPr>
+        <p:spPr>
+          <a:xfrm flipV="1">
+            <a:off x="5443547" y="2541314"/>
+            <a:ext cx="624150" cy="281052"/>
+          </a:xfrm>
+          <a:prstGeom prst="line">
+            <a:avLst/>
+          </a:prstGeom>
+          <a:ln>
+            <a:solidFill>
+              <a:schemeClr val="tx1"/>
+            </a:solidFill>
+          </a:ln>
+        </p:spPr>
+        <p:style>
+          <a:lnRef idx="1">
+            <a:schemeClr val="accent1"/>
+          </a:lnRef>
+          <a:fillRef idx="0">
+            <a:schemeClr val="accent1"/>
+          </a:fillRef>
+          <a:effectRef idx="0">
+            <a:schemeClr val="accent1"/>
+          </a:effectRef>
+          <a:fontRef idx="minor">
+            <a:schemeClr val="tx1"/>
+          </a:fontRef>
+        </p:style>
+      </p:cxnSp>
+      <p:sp>
+        <p:nvSpPr>
+          <p:cNvPr id="51" name="楕円 50">
+            <a:extLst>
+              <a:ext uri="{FF2B5EF4-FFF2-40B4-BE49-F238E27FC236}">
+                <a16:creationId xmlns:a16="http://schemas.microsoft.com/office/drawing/2014/main" id="{936398A2-1B1A-ADAB-C692-B1CDC54323CD}"/>
+              </a:ext>
+            </a:extLst>
+          </p:cNvPr>
+          <p:cNvSpPr/>
+          <p:nvPr/>
+        </p:nvSpPr>
+        <p:spPr>
+          <a:xfrm>
+            <a:off x="5035416" y="4253015"/>
+            <a:ext cx="439971" cy="434763"/>
+          </a:xfrm>
+          <a:prstGeom prst="ellipse">
+            <a:avLst/>
+          </a:prstGeom>
+          <a:noFill/>
+          <a:ln>
+            <a:solidFill>
+              <a:schemeClr val="tx1"/>
+            </a:solidFill>
+          </a:ln>
+        </p:spPr>
+        <p:style>
+          <a:lnRef idx="2">
+            <a:schemeClr val="accent1">
+              <a:shade val="50000"/>
+            </a:schemeClr>
+          </a:lnRef>
+          <a:fillRef idx="1">
+            <a:schemeClr val="accent1"/>
+          </a:fillRef>
+          <a:effectRef idx="0">
+            <a:schemeClr val="accent1"/>
+          </a:effectRef>
+          <a:fontRef idx="minor">
+            <a:schemeClr val="lt1"/>
+          </a:fontRef>
+        </p:style>
+        <p:txBody>
+          <a:bodyPr rtlCol="0" anchor="ctr"/>
+          <a:lstStyle/>
+          <a:p>
+            <a:pPr algn="ctr"/>
+            <a:r>
+              <a:rPr kumimoji="1" lang="en-US" altLang="ja-JP" dirty="0">
+                <a:solidFill>
+                  <a:schemeClr val="tx1"/>
+                </a:solidFill>
+              </a:rPr>
+              <a:t>3</a:t>
+            </a:r>
+            <a:endParaRPr kumimoji="1" lang="ja-JP" altLang="en-US" dirty="0">
+              <a:solidFill>
+                <a:schemeClr val="tx1"/>
+              </a:solidFill>
+            </a:endParaRPr>
+          </a:p>
+        </p:txBody>
+      </p:sp>
+      <p:cxnSp>
+        <p:nvCxnSpPr>
+          <p:cNvPr id="66" name="直線コネクタ 65">
+            <a:extLst>
+              <a:ext uri="{FF2B5EF4-FFF2-40B4-BE49-F238E27FC236}">
+                <a16:creationId xmlns:a16="http://schemas.microsoft.com/office/drawing/2014/main" id="{0D73DC1B-4788-4BEA-BCD5-5A95101381AA}"/>
+              </a:ext>
+            </a:extLst>
+          </p:cNvPr>
+          <p:cNvCxnSpPr>
+            <a:cxnSpLocks/>
+            <a:stCxn id="68" idx="6"/>
+            <a:endCxn id="33" idx="2"/>
+          </p:cNvCxnSpPr>
+          <p:nvPr/>
+        </p:nvCxnSpPr>
+        <p:spPr>
+          <a:xfrm>
+            <a:off x="4462860" y="1956148"/>
+            <a:ext cx="556482" cy="0"/>
+          </a:xfrm>
+          <a:prstGeom prst="line">
+            <a:avLst/>
+          </a:prstGeom>
+          <a:ln>
+            <a:solidFill>
+              <a:schemeClr val="tx1"/>
+            </a:solidFill>
+          </a:ln>
+        </p:spPr>
+        <p:style>
+          <a:lnRef idx="1">
+            <a:schemeClr val="accent1"/>
+          </a:lnRef>
+          <a:fillRef idx="0">
+            <a:schemeClr val="accent1"/>
+          </a:fillRef>
+          <a:effectRef idx="0">
+            <a:schemeClr val="accent1"/>
+          </a:effectRef>
+          <a:fontRef idx="minor">
+            <a:schemeClr val="tx1"/>
+          </a:fontRef>
+        </p:style>
+      </p:cxnSp>
+      <p:sp>
+        <p:nvSpPr>
+          <p:cNvPr id="68" name="楕円 67">
+            <a:extLst>
+              <a:ext uri="{FF2B5EF4-FFF2-40B4-BE49-F238E27FC236}">
+                <a16:creationId xmlns:a16="http://schemas.microsoft.com/office/drawing/2014/main" id="{78219453-3070-8E5F-6244-96693EC9F5A2}"/>
+              </a:ext>
+            </a:extLst>
+          </p:cNvPr>
+          <p:cNvSpPr/>
+          <p:nvPr/>
+        </p:nvSpPr>
+        <p:spPr>
+          <a:xfrm>
+            <a:off x="4022889" y="1738766"/>
+            <a:ext cx="439971" cy="434763"/>
+          </a:xfrm>
+          <a:prstGeom prst="ellipse">
+            <a:avLst/>
+          </a:prstGeom>
+          <a:noFill/>
+          <a:ln>
+            <a:solidFill>
+              <a:schemeClr val="tx1"/>
+            </a:solidFill>
+          </a:ln>
+        </p:spPr>
+        <p:style>
+          <a:lnRef idx="2">
+            <a:schemeClr val="accent1">
+              <a:shade val="50000"/>
+            </a:schemeClr>
+          </a:lnRef>
+          <a:fillRef idx="1">
+            <a:schemeClr val="accent1"/>
+          </a:fillRef>
+          <a:effectRef idx="0">
+            <a:schemeClr val="accent1"/>
+          </a:effectRef>
+          <a:fontRef idx="minor">
+            <a:schemeClr val="lt1"/>
+          </a:fontRef>
+        </p:style>
+        <p:txBody>
+          <a:bodyPr rtlCol="0" anchor="ctr"/>
+          <a:lstStyle/>
+          <a:p>
+            <a:pPr algn="ctr"/>
+            <a:r>
+              <a:rPr kumimoji="1" lang="en-US" altLang="ja-JP" dirty="0">
+                <a:solidFill>
+                  <a:schemeClr val="tx1"/>
+                </a:solidFill>
+              </a:rPr>
+              <a:t>3</a:t>
+            </a:r>
+            <a:endParaRPr kumimoji="1" lang="ja-JP" altLang="en-US" dirty="0">
+              <a:solidFill>
+                <a:schemeClr val="tx1"/>
+              </a:solidFill>
+            </a:endParaRPr>
+          </a:p>
+        </p:txBody>
+      </p:sp>
+      <p:cxnSp>
+        <p:nvCxnSpPr>
+          <p:cNvPr id="89" name="直線コネクタ 88">
+            <a:extLst>
+              <a:ext uri="{FF2B5EF4-FFF2-40B4-BE49-F238E27FC236}">
+                <a16:creationId xmlns:a16="http://schemas.microsoft.com/office/drawing/2014/main" id="{219E3501-C614-A6C3-7C21-28CF0F8C4DF5}"/>
+              </a:ext>
+            </a:extLst>
+          </p:cNvPr>
+          <p:cNvCxnSpPr>
+            <a:cxnSpLocks/>
+            <a:stCxn id="90" idx="6"/>
+            <a:endCxn id="68" idx="2"/>
+          </p:cNvCxnSpPr>
+          <p:nvPr/>
+        </p:nvCxnSpPr>
+        <p:spPr>
+          <a:xfrm>
+            <a:off x="3466407" y="1956148"/>
+            <a:ext cx="556482" cy="0"/>
+          </a:xfrm>
+          <a:prstGeom prst="line">
+            <a:avLst/>
+          </a:prstGeom>
+          <a:ln>
+            <a:solidFill>
+              <a:schemeClr val="tx1"/>
+            </a:solidFill>
+          </a:ln>
+        </p:spPr>
+        <p:style>
+          <a:lnRef idx="1">
+            <a:schemeClr val="accent1"/>
+          </a:lnRef>
+          <a:fillRef idx="0">
+            <a:schemeClr val="accent1"/>
+          </a:fillRef>
+          <a:effectRef idx="0">
+            <a:schemeClr val="accent1"/>
+          </a:effectRef>
+          <a:fontRef idx="minor">
+            <a:schemeClr val="tx1"/>
+          </a:fontRef>
+        </p:style>
+      </p:cxnSp>
+      <p:sp>
+        <p:nvSpPr>
+          <p:cNvPr id="90" name="楕円 89">
+            <a:extLst>
+              <a:ext uri="{FF2B5EF4-FFF2-40B4-BE49-F238E27FC236}">
+                <a16:creationId xmlns:a16="http://schemas.microsoft.com/office/drawing/2014/main" id="{2185B69C-2469-826A-A26E-3F85300008CD}"/>
+              </a:ext>
+            </a:extLst>
+          </p:cNvPr>
+          <p:cNvSpPr/>
+          <p:nvPr/>
+        </p:nvSpPr>
+        <p:spPr>
+          <a:xfrm>
+            <a:off x="3026436" y="1738766"/>
+            <a:ext cx="439971" cy="434763"/>
+          </a:xfrm>
+          <a:prstGeom prst="ellipse">
+            <a:avLst/>
+          </a:prstGeom>
+          <a:noFill/>
+          <a:ln>
+            <a:solidFill>
+              <a:schemeClr val="tx1"/>
+            </a:solidFill>
+          </a:ln>
+        </p:spPr>
+        <p:style>
+          <a:lnRef idx="2">
+            <a:schemeClr val="accent1">
+              <a:shade val="50000"/>
+            </a:schemeClr>
+          </a:lnRef>
+          <a:fillRef idx="1">
+            <a:schemeClr val="accent1"/>
+          </a:fillRef>
+          <a:effectRef idx="0">
+            <a:schemeClr val="accent1"/>
+          </a:effectRef>
+          <a:fontRef idx="minor">
+            <a:schemeClr val="lt1"/>
+          </a:fontRef>
+        </p:style>
+        <p:txBody>
+          <a:bodyPr rtlCol="0" anchor="ctr"/>
+          <a:lstStyle/>
+          <a:p>
+            <a:pPr algn="ctr"/>
+            <a:r>
+              <a:rPr kumimoji="1" lang="en-US" altLang="ja-JP" dirty="0">
+                <a:solidFill>
+                  <a:schemeClr val="tx1"/>
+                </a:solidFill>
+              </a:rPr>
+              <a:t>3</a:t>
+            </a:r>
+            <a:endParaRPr kumimoji="1" lang="ja-JP" altLang="en-US" dirty="0">
+              <a:solidFill>
+                <a:schemeClr val="tx1"/>
+              </a:solidFill>
+            </a:endParaRPr>
+          </a:p>
+        </p:txBody>
+      </p:sp>
+      <p:cxnSp>
+        <p:nvCxnSpPr>
+          <p:cNvPr id="92" name="直線コネクタ 91">
+            <a:extLst>
+              <a:ext uri="{FF2B5EF4-FFF2-40B4-BE49-F238E27FC236}">
+                <a16:creationId xmlns:a16="http://schemas.microsoft.com/office/drawing/2014/main" id="{F0188C79-281A-7EB4-B7A7-0B74E0A01B6C}"/>
+              </a:ext>
+            </a:extLst>
+          </p:cNvPr>
+          <p:cNvCxnSpPr>
+            <a:cxnSpLocks/>
+            <a:stCxn id="93" idx="6"/>
+            <a:endCxn id="29" idx="2"/>
+          </p:cNvCxnSpPr>
+          <p:nvPr/>
+        </p:nvCxnSpPr>
+        <p:spPr>
+          <a:xfrm>
+            <a:off x="4462860" y="2822366"/>
+            <a:ext cx="540716" cy="0"/>
+          </a:xfrm>
+          <a:prstGeom prst="line">
+            <a:avLst/>
+          </a:prstGeom>
+          <a:ln>
+            <a:solidFill>
+              <a:schemeClr val="tx1"/>
+            </a:solidFill>
+          </a:ln>
+        </p:spPr>
+        <p:style>
+          <a:lnRef idx="1">
+            <a:schemeClr val="accent1"/>
+          </a:lnRef>
+          <a:fillRef idx="0">
+            <a:schemeClr val="accent1"/>
+          </a:fillRef>
+          <a:effectRef idx="0">
+            <a:schemeClr val="accent1"/>
+          </a:effectRef>
+          <a:fontRef idx="minor">
+            <a:schemeClr val="tx1"/>
+          </a:fontRef>
+        </p:style>
+      </p:cxnSp>
+      <p:sp>
+        <p:nvSpPr>
+          <p:cNvPr id="93" name="楕円 92">
+            <a:extLst>
+              <a:ext uri="{FF2B5EF4-FFF2-40B4-BE49-F238E27FC236}">
+                <a16:creationId xmlns:a16="http://schemas.microsoft.com/office/drawing/2014/main" id="{72B03E98-54FC-6EE9-49BB-063EFC599DCE}"/>
+              </a:ext>
+            </a:extLst>
+          </p:cNvPr>
+          <p:cNvSpPr/>
+          <p:nvPr/>
+        </p:nvSpPr>
+        <p:spPr>
+          <a:xfrm>
+            <a:off x="4022889" y="2604984"/>
+            <a:ext cx="439971" cy="434763"/>
+          </a:xfrm>
+          <a:prstGeom prst="ellipse">
+            <a:avLst/>
+          </a:prstGeom>
+          <a:noFill/>
+          <a:ln>
+            <a:solidFill>
+              <a:schemeClr val="tx1"/>
+            </a:solidFill>
+          </a:ln>
+        </p:spPr>
+        <p:style>
+          <a:lnRef idx="2">
+            <a:schemeClr val="accent1">
+              <a:shade val="50000"/>
+            </a:schemeClr>
+          </a:lnRef>
+          <a:fillRef idx="1">
+            <a:schemeClr val="accent1"/>
+          </a:fillRef>
+          <a:effectRef idx="0">
+            <a:schemeClr val="accent1"/>
+          </a:effectRef>
+          <a:fontRef idx="minor">
+            <a:schemeClr val="lt1"/>
+          </a:fontRef>
+        </p:style>
+        <p:txBody>
+          <a:bodyPr rtlCol="0" anchor="ctr"/>
+          <a:lstStyle/>
+          <a:p>
+            <a:pPr algn="ctr"/>
+            <a:r>
+              <a:rPr kumimoji="1" lang="en-US" altLang="ja-JP" dirty="0">
+                <a:solidFill>
+                  <a:schemeClr val="tx1"/>
+                </a:solidFill>
+              </a:rPr>
+              <a:t>3</a:t>
+            </a:r>
+            <a:endParaRPr kumimoji="1" lang="ja-JP" altLang="en-US" dirty="0">
+              <a:solidFill>
+                <a:schemeClr val="tx1"/>
+              </a:solidFill>
+            </a:endParaRPr>
+          </a:p>
+        </p:txBody>
+      </p:sp>
+      <p:cxnSp>
+        <p:nvCxnSpPr>
+          <p:cNvPr id="94" name="直線コネクタ 93">
+            <a:extLst>
+              <a:ext uri="{FF2B5EF4-FFF2-40B4-BE49-F238E27FC236}">
+                <a16:creationId xmlns:a16="http://schemas.microsoft.com/office/drawing/2014/main" id="{2A3434F9-101A-C370-87D9-B8A615A1B98C}"/>
+              </a:ext>
+            </a:extLst>
+          </p:cNvPr>
+          <p:cNvCxnSpPr>
+            <a:cxnSpLocks/>
+            <a:stCxn id="95" idx="6"/>
+            <a:endCxn id="93" idx="2"/>
+          </p:cNvCxnSpPr>
+          <p:nvPr/>
+        </p:nvCxnSpPr>
+        <p:spPr>
+          <a:xfrm>
+            <a:off x="3467843" y="2822366"/>
+            <a:ext cx="555046" cy="0"/>
+          </a:xfrm>
+          <a:prstGeom prst="line">
+            <a:avLst/>
+          </a:prstGeom>
+          <a:ln>
+            <a:solidFill>
+              <a:schemeClr val="tx1"/>
+            </a:solidFill>
+          </a:ln>
+        </p:spPr>
+        <p:style>
+          <a:lnRef idx="1">
+            <a:schemeClr val="accent1"/>
+          </a:lnRef>
+          <a:fillRef idx="0">
+            <a:schemeClr val="accent1"/>
+          </a:fillRef>
+          <a:effectRef idx="0">
+            <a:schemeClr val="accent1"/>
+          </a:effectRef>
+          <a:fontRef idx="minor">
+            <a:schemeClr val="tx1"/>
+          </a:fontRef>
+        </p:style>
+      </p:cxnSp>
+      <p:sp>
+        <p:nvSpPr>
+          <p:cNvPr id="95" name="楕円 94">
+            <a:extLst>
+              <a:ext uri="{FF2B5EF4-FFF2-40B4-BE49-F238E27FC236}">
+                <a16:creationId xmlns:a16="http://schemas.microsoft.com/office/drawing/2014/main" id="{9BADADBC-278B-8A91-3D80-907EC7D90CD2}"/>
+              </a:ext>
+            </a:extLst>
+          </p:cNvPr>
+          <p:cNvSpPr/>
+          <p:nvPr/>
+        </p:nvSpPr>
+        <p:spPr>
+          <a:xfrm>
+            <a:off x="3027872" y="2604984"/>
+            <a:ext cx="439971" cy="434763"/>
+          </a:xfrm>
+          <a:prstGeom prst="ellipse">
+            <a:avLst/>
+          </a:prstGeom>
+          <a:noFill/>
+          <a:ln>
+            <a:solidFill>
+              <a:schemeClr val="tx1"/>
+            </a:solidFill>
+          </a:ln>
+        </p:spPr>
+        <p:style>
+          <a:lnRef idx="2">
+            <a:schemeClr val="accent1">
+              <a:shade val="50000"/>
+            </a:schemeClr>
+          </a:lnRef>
+          <a:fillRef idx="1">
+            <a:schemeClr val="accent1"/>
+          </a:fillRef>
+          <a:effectRef idx="0">
+            <a:schemeClr val="accent1"/>
+          </a:effectRef>
+          <a:fontRef idx="minor">
+            <a:schemeClr val="lt1"/>
+          </a:fontRef>
+        </p:style>
+        <p:txBody>
+          <a:bodyPr rtlCol="0" anchor="ctr"/>
+          <a:lstStyle/>
+          <a:p>
+            <a:pPr algn="ctr"/>
+            <a:r>
+              <a:rPr kumimoji="1" lang="en-US" altLang="ja-JP" dirty="0">
+                <a:solidFill>
+                  <a:schemeClr val="tx1"/>
+                </a:solidFill>
+              </a:rPr>
+              <a:t>3</a:t>
+            </a:r>
+            <a:endParaRPr kumimoji="1" lang="ja-JP" altLang="en-US" dirty="0">
+              <a:solidFill>
+                <a:schemeClr val="tx1"/>
+              </a:solidFill>
+            </a:endParaRPr>
+          </a:p>
+        </p:txBody>
+      </p:sp>
+      <p:cxnSp>
+        <p:nvCxnSpPr>
+          <p:cNvPr id="101" name="直線コネクタ 100">
+            <a:extLst>
+              <a:ext uri="{FF2B5EF4-FFF2-40B4-BE49-F238E27FC236}">
+                <a16:creationId xmlns:a16="http://schemas.microsoft.com/office/drawing/2014/main" id="{662F5556-2EA0-97A9-8869-4603EFD5B92B}"/>
+              </a:ext>
+            </a:extLst>
+          </p:cNvPr>
+          <p:cNvCxnSpPr>
+            <a:cxnSpLocks/>
+            <a:stCxn id="102" idx="6"/>
+            <a:endCxn id="51" idx="2"/>
+          </p:cNvCxnSpPr>
+          <p:nvPr/>
+        </p:nvCxnSpPr>
+        <p:spPr>
+          <a:xfrm>
+            <a:off x="4478935" y="4470397"/>
+            <a:ext cx="556481" cy="0"/>
+          </a:xfrm>
+          <a:prstGeom prst="line">
+            <a:avLst/>
+          </a:prstGeom>
+          <a:ln>
+            <a:solidFill>
+              <a:schemeClr val="tx1"/>
+            </a:solidFill>
+          </a:ln>
+        </p:spPr>
+        <p:style>
+          <a:lnRef idx="1">
+            <a:schemeClr val="accent1"/>
+          </a:lnRef>
+          <a:fillRef idx="0">
+            <a:schemeClr val="accent1"/>
+          </a:fillRef>
+          <a:effectRef idx="0">
+            <a:schemeClr val="accent1"/>
+          </a:effectRef>
+          <a:fontRef idx="minor">
+            <a:schemeClr val="tx1"/>
+          </a:fontRef>
+        </p:style>
+      </p:cxnSp>
+      <p:sp>
+        <p:nvSpPr>
+          <p:cNvPr id="102" name="楕円 101">
+            <a:extLst>
+              <a:ext uri="{FF2B5EF4-FFF2-40B4-BE49-F238E27FC236}">
+                <a16:creationId xmlns:a16="http://schemas.microsoft.com/office/drawing/2014/main" id="{5109BDEE-2DC4-30E4-B752-3C1E79E02695}"/>
+              </a:ext>
+            </a:extLst>
+          </p:cNvPr>
+          <p:cNvSpPr/>
+          <p:nvPr/>
+        </p:nvSpPr>
+        <p:spPr>
+          <a:xfrm>
+            <a:off x="4038964" y="4253015"/>
+            <a:ext cx="439971" cy="434763"/>
+          </a:xfrm>
+          <a:prstGeom prst="ellipse">
+            <a:avLst/>
+          </a:prstGeom>
+          <a:noFill/>
+          <a:ln>
+            <a:solidFill>
+              <a:schemeClr val="tx1"/>
+            </a:solidFill>
+          </a:ln>
+        </p:spPr>
+        <p:style>
+          <a:lnRef idx="2">
+            <a:schemeClr val="accent1">
+              <a:shade val="50000"/>
+            </a:schemeClr>
+          </a:lnRef>
+          <a:fillRef idx="1">
+            <a:schemeClr val="accent1"/>
+          </a:fillRef>
+          <a:effectRef idx="0">
+            <a:schemeClr val="accent1"/>
+          </a:effectRef>
+          <a:fontRef idx="minor">
+            <a:schemeClr val="lt1"/>
+          </a:fontRef>
+        </p:style>
+        <p:txBody>
+          <a:bodyPr rtlCol="0" anchor="ctr"/>
+          <a:lstStyle/>
+          <a:p>
+            <a:pPr algn="ctr"/>
+            <a:r>
+              <a:rPr kumimoji="1" lang="en-US" altLang="ja-JP" dirty="0">
+                <a:solidFill>
+                  <a:schemeClr val="tx1"/>
+                </a:solidFill>
+              </a:rPr>
+              <a:t>3</a:t>
+            </a:r>
+            <a:endParaRPr kumimoji="1" lang="ja-JP" altLang="en-US" dirty="0">
+              <a:solidFill>
+                <a:schemeClr val="tx1"/>
+              </a:solidFill>
+            </a:endParaRPr>
+          </a:p>
+        </p:txBody>
+      </p:sp>
+      <p:cxnSp>
+        <p:nvCxnSpPr>
+          <p:cNvPr id="103" name="直線コネクタ 102">
+            <a:extLst>
+              <a:ext uri="{FF2B5EF4-FFF2-40B4-BE49-F238E27FC236}">
+                <a16:creationId xmlns:a16="http://schemas.microsoft.com/office/drawing/2014/main" id="{69C44B0D-BF3C-6EB1-41C9-F231BD414390}"/>
+              </a:ext>
+            </a:extLst>
+          </p:cNvPr>
+          <p:cNvCxnSpPr>
+            <a:cxnSpLocks/>
+            <a:stCxn id="104" idx="6"/>
+            <a:endCxn id="102" idx="2"/>
+          </p:cNvCxnSpPr>
+          <p:nvPr/>
+        </p:nvCxnSpPr>
+        <p:spPr>
+          <a:xfrm>
+            <a:off x="3482482" y="4470397"/>
+            <a:ext cx="556482" cy="0"/>
+          </a:xfrm>
+          <a:prstGeom prst="line">
+            <a:avLst/>
+          </a:prstGeom>
+          <a:ln>
+            <a:solidFill>
+              <a:schemeClr val="tx1"/>
+            </a:solidFill>
+          </a:ln>
+        </p:spPr>
+        <p:style>
+          <a:lnRef idx="1">
+            <a:schemeClr val="accent1"/>
+          </a:lnRef>
+          <a:fillRef idx="0">
+            <a:schemeClr val="accent1"/>
+          </a:fillRef>
+          <a:effectRef idx="0">
+            <a:schemeClr val="accent1"/>
+          </a:effectRef>
+          <a:fontRef idx="minor">
+            <a:schemeClr val="tx1"/>
+          </a:fontRef>
+        </p:style>
+      </p:cxnSp>
+      <p:sp>
+        <p:nvSpPr>
+          <p:cNvPr id="104" name="楕円 103">
+            <a:extLst>
+              <a:ext uri="{FF2B5EF4-FFF2-40B4-BE49-F238E27FC236}">
+                <a16:creationId xmlns:a16="http://schemas.microsoft.com/office/drawing/2014/main" id="{7CC5E67B-17EA-0E0D-DC4D-17F23BA87DB7}"/>
+              </a:ext>
+            </a:extLst>
+          </p:cNvPr>
+          <p:cNvSpPr/>
+          <p:nvPr/>
+        </p:nvSpPr>
+        <p:spPr>
+          <a:xfrm>
+            <a:off x="3042511" y="4253015"/>
+            <a:ext cx="439971" cy="434763"/>
+          </a:xfrm>
+          <a:prstGeom prst="ellipse">
+            <a:avLst/>
+          </a:prstGeom>
+          <a:noFill/>
+          <a:ln>
+            <a:solidFill>
+              <a:schemeClr val="tx1"/>
+            </a:solidFill>
+          </a:ln>
+        </p:spPr>
+        <p:style>
+          <a:lnRef idx="2">
+            <a:schemeClr val="accent1">
+              <a:shade val="50000"/>
+            </a:schemeClr>
+          </a:lnRef>
+          <a:fillRef idx="1">
+            <a:schemeClr val="accent1"/>
+          </a:fillRef>
+          <a:effectRef idx="0">
+            <a:schemeClr val="accent1"/>
+          </a:effectRef>
+          <a:fontRef idx="minor">
+            <a:schemeClr val="lt1"/>
+          </a:fontRef>
+        </p:style>
+        <p:txBody>
+          <a:bodyPr rtlCol="0" anchor="ctr"/>
+          <a:lstStyle/>
+          <a:p>
+            <a:pPr algn="ctr"/>
+            <a:r>
+              <a:rPr kumimoji="1" lang="en-US" altLang="ja-JP" dirty="0">
+                <a:solidFill>
+                  <a:schemeClr val="tx1"/>
+                </a:solidFill>
+              </a:rPr>
+              <a:t>3</a:t>
+            </a:r>
+            <a:endParaRPr kumimoji="1" lang="ja-JP" altLang="en-US" dirty="0">
+              <a:solidFill>
+                <a:schemeClr val="tx1"/>
+              </a:solidFill>
+            </a:endParaRPr>
+          </a:p>
+        </p:txBody>
+      </p:sp>
+      <p:cxnSp>
+        <p:nvCxnSpPr>
+          <p:cNvPr id="3" name="直線コネクタ 2">
+            <a:extLst>
+              <a:ext uri="{FF2B5EF4-FFF2-40B4-BE49-F238E27FC236}">
+                <a16:creationId xmlns:a16="http://schemas.microsoft.com/office/drawing/2014/main" id="{77AFF6F8-9CA7-9910-00AE-6EAC8F2AB456}"/>
+              </a:ext>
+            </a:extLst>
+          </p:cNvPr>
+          <p:cNvCxnSpPr>
+            <a:cxnSpLocks/>
+            <a:stCxn id="6" idx="6"/>
+            <a:endCxn id="90" idx="2"/>
+          </p:cNvCxnSpPr>
+          <p:nvPr/>
+        </p:nvCxnSpPr>
+        <p:spPr>
+          <a:xfrm>
+            <a:off x="2469954" y="1956148"/>
+            <a:ext cx="556482" cy="0"/>
+          </a:xfrm>
+          <a:prstGeom prst="line">
+            <a:avLst/>
+          </a:prstGeom>
+          <a:ln>
+            <a:solidFill>
+              <a:schemeClr val="tx1"/>
+            </a:solidFill>
+          </a:ln>
+        </p:spPr>
+        <p:style>
+          <a:lnRef idx="1">
+            <a:schemeClr val="accent1"/>
+          </a:lnRef>
+          <a:fillRef idx="0">
+            <a:schemeClr val="accent1"/>
+          </a:fillRef>
+          <a:effectRef idx="0">
+            <a:schemeClr val="accent1"/>
+          </a:effectRef>
+          <a:fontRef idx="minor">
+            <a:schemeClr val="tx1"/>
+          </a:fontRef>
+        </p:style>
+      </p:cxnSp>
+      <p:sp>
+        <p:nvSpPr>
+          <p:cNvPr id="6" name="楕円 5">
+            <a:extLst>
+              <a:ext uri="{FF2B5EF4-FFF2-40B4-BE49-F238E27FC236}">
+                <a16:creationId xmlns:a16="http://schemas.microsoft.com/office/drawing/2014/main" id="{77D87AF6-6053-0E5E-41FC-835957BA1897}"/>
+              </a:ext>
+            </a:extLst>
+          </p:cNvPr>
+          <p:cNvSpPr/>
+          <p:nvPr/>
+        </p:nvSpPr>
+        <p:spPr>
+          <a:xfrm>
+            <a:off x="2029983" y="1738766"/>
+            <a:ext cx="439971" cy="434763"/>
+          </a:xfrm>
+          <a:prstGeom prst="ellipse">
+            <a:avLst/>
+          </a:prstGeom>
+          <a:noFill/>
+          <a:ln>
+            <a:solidFill>
+              <a:schemeClr val="tx1"/>
+            </a:solidFill>
+          </a:ln>
+        </p:spPr>
+        <p:style>
+          <a:lnRef idx="2">
+            <a:schemeClr val="accent1">
+              <a:shade val="50000"/>
+            </a:schemeClr>
+          </a:lnRef>
+          <a:fillRef idx="1">
+            <a:schemeClr val="accent1"/>
+          </a:fillRef>
+          <a:effectRef idx="0">
+            <a:schemeClr val="accent1"/>
+          </a:effectRef>
+          <a:fontRef idx="minor">
+            <a:schemeClr val="lt1"/>
+          </a:fontRef>
+        </p:style>
+        <p:txBody>
+          <a:bodyPr rtlCol="0" anchor="ctr"/>
+          <a:lstStyle/>
+          <a:p>
+            <a:pPr algn="ctr"/>
+            <a:r>
+              <a:rPr kumimoji="1" lang="en-US" altLang="ja-JP" dirty="0">
+                <a:solidFill>
+                  <a:schemeClr val="tx1"/>
+                </a:solidFill>
+              </a:rPr>
+              <a:t>3</a:t>
+            </a:r>
+            <a:endParaRPr kumimoji="1" lang="ja-JP" altLang="en-US" dirty="0">
+              <a:solidFill>
+                <a:schemeClr val="tx1"/>
+              </a:solidFill>
+            </a:endParaRPr>
+          </a:p>
+        </p:txBody>
+      </p:sp>
+      <p:cxnSp>
+        <p:nvCxnSpPr>
+          <p:cNvPr id="8" name="直線コネクタ 7">
+            <a:extLst>
+              <a:ext uri="{FF2B5EF4-FFF2-40B4-BE49-F238E27FC236}">
+                <a16:creationId xmlns:a16="http://schemas.microsoft.com/office/drawing/2014/main" id="{580E5ABF-203F-5B48-A798-845CE32C6FD7}"/>
+              </a:ext>
+            </a:extLst>
+          </p:cNvPr>
+          <p:cNvCxnSpPr>
+            <a:cxnSpLocks/>
+            <a:stCxn id="51" idx="6"/>
+            <a:endCxn id="20" idx="2"/>
+          </p:cNvCxnSpPr>
+          <p:nvPr/>
+        </p:nvCxnSpPr>
+        <p:spPr>
+          <a:xfrm>
+            <a:off x="5475387" y="4470397"/>
+            <a:ext cx="527877" cy="2"/>
+          </a:xfrm>
+          <a:prstGeom prst="line">
+            <a:avLst/>
+          </a:prstGeom>
+          <a:ln>
+            <a:solidFill>
+              <a:schemeClr val="tx1"/>
+            </a:solidFill>
+          </a:ln>
+        </p:spPr>
+        <p:style>
+          <a:lnRef idx="1">
+            <a:schemeClr val="accent1"/>
+          </a:lnRef>
+          <a:fillRef idx="0">
+            <a:schemeClr val="accent1"/>
+          </a:fillRef>
+          <a:effectRef idx="0">
+            <a:schemeClr val="accent1"/>
+          </a:effectRef>
+          <a:fontRef idx="minor">
+            <a:schemeClr val="tx1"/>
+          </a:fontRef>
+        </p:style>
+      </p:cxnSp>
+      <p:sp>
+        <p:nvSpPr>
+          <p:cNvPr id="17" name="テキスト ボックス 16">
+            <a:extLst>
+              <a:ext uri="{FF2B5EF4-FFF2-40B4-BE49-F238E27FC236}">
+                <a16:creationId xmlns:a16="http://schemas.microsoft.com/office/drawing/2014/main" id="{77F8248F-EC1B-F5BD-3376-79D13122BF0D}"/>
+              </a:ext>
+            </a:extLst>
+          </p:cNvPr>
+          <p:cNvSpPr txBox="1"/>
+          <p:nvPr/>
+        </p:nvSpPr>
+        <p:spPr>
+          <a:xfrm>
+            <a:off x="1930400" y="766629"/>
+            <a:ext cx="8331200" cy="646331"/>
+          </a:xfrm>
+          <a:prstGeom prst="rect">
+            <a:avLst/>
+          </a:prstGeom>
+          <a:noFill/>
+        </p:spPr>
+        <p:txBody>
+          <a:bodyPr wrap="square" rtlCol="0">
+            <a:spAutoFit/>
+          </a:bodyPr>
+          <a:lstStyle/>
+          <a:p>
+            <a:r>
+              <a:rPr lang="en-US" altLang="ja-JP" b="0" i="0" dirty="0">
+                <a:solidFill>
+                  <a:srgbClr val="212121"/>
+                </a:solidFill>
+                <a:effectLst/>
+                <a:latin typeface="Courier New" panose="02070309020205020404" pitchFamily="49" charset="0"/>
+              </a:rPr>
+              <a:t>The probability that all labels are outputted along the most likely state transition: -36.26962001854112 </a:t>
+            </a:r>
+            <a:r>
+              <a:rPr lang="ja-JP" altLang="en-US" b="0" i="0" dirty="0">
+                <a:solidFill>
+                  <a:srgbClr val="212121"/>
+                </a:solidFill>
+                <a:effectLst/>
+                <a:latin typeface="Courier New" panose="02070309020205020404" pitchFamily="49" charset="0"/>
+              </a:rPr>
+              <a:t>（対数表示）</a:t>
+            </a:r>
+            <a:endParaRPr kumimoji="1" lang="ja-JP" altLang="en-US" dirty="0"/>
+          </a:p>
+        </p:txBody>
+      </p:sp>
+      <p:pic>
+        <p:nvPicPr>
+          <p:cNvPr id="7" name="Picture 2">
+            <a:extLst>
+              <a:ext uri="{FF2B5EF4-FFF2-40B4-BE49-F238E27FC236}">
+                <a16:creationId xmlns:a16="http://schemas.microsoft.com/office/drawing/2014/main" id="{686695FB-30C3-451F-CEC6-95F14E2E4049}"/>
+              </a:ext>
+            </a:extLst>
+          </p:cNvPr>
+          <p:cNvPicPr>
+            <a:picLocks noChangeAspect="1" noChangeArrowheads="1"/>
+          </p:cNvPicPr>
+          <p:nvPr/>
+        </p:nvPicPr>
+        <p:blipFill>
+          <a:blip r:embed="rId2">
+            <a:extLst>
+              <a:ext uri="{28A0092B-C50C-407E-A947-70E740481C1C}">
+                <a14:useLocalDpi xmlns:a14="http://schemas.microsoft.com/office/drawing/2010/main" val="0"/>
+              </a:ext>
+            </a:extLst>
+          </a:blip>
+          <a:srcRect/>
+          <a:stretch>
+            <a:fillRect/>
+          </a:stretch>
+        </p:blipFill>
+        <p:spPr bwMode="auto">
+          <a:xfrm>
+            <a:off x="6971112" y="4253013"/>
+            <a:ext cx="4147083" cy="1840492"/>
+          </a:xfrm>
+          <a:prstGeom prst="rect">
+            <a:avLst/>
+          </a:prstGeom>
+          <a:noFill/>
+          <a:extLst>
+            <a:ext uri="{909E8E84-426E-40DD-AFC4-6F175D3DCCD1}">
+              <a14:hiddenFill xmlns:a14="http://schemas.microsoft.com/office/drawing/2010/main">
+                <a:solidFill>
+                  <a:srgbClr val="FFFFFF"/>
+                </a:solidFill>
+              </a14:hiddenFill>
+            </a:ext>
+          </a:extLst>
+        </p:spPr>
+      </p:pic>
+      <p:sp>
+        <p:nvSpPr>
+          <p:cNvPr id="9" name="テキスト ボックス 8">
+            <a:extLst>
+              <a:ext uri="{FF2B5EF4-FFF2-40B4-BE49-F238E27FC236}">
+                <a16:creationId xmlns:a16="http://schemas.microsoft.com/office/drawing/2014/main" id="{8E454EF9-865C-1808-F661-6800040B47D0}"/>
+              </a:ext>
+            </a:extLst>
+          </p:cNvPr>
+          <p:cNvSpPr txBox="1"/>
+          <p:nvPr/>
+        </p:nvSpPr>
+        <p:spPr>
+          <a:xfrm>
+            <a:off x="8874825" y="5906705"/>
+            <a:ext cx="974889" cy="369332"/>
+          </a:xfrm>
+          <a:prstGeom prst="rect">
+            <a:avLst/>
+          </a:prstGeom>
+          <a:noFill/>
+        </p:spPr>
+        <p:txBody>
+          <a:bodyPr wrap="square">
+            <a:spAutoFit/>
+          </a:bodyPr>
+          <a:lstStyle/>
+          <a:p>
+            <a:pPr algn="l"/>
+            <a:r>
+              <a:rPr lang="en-US" altLang="ja-JP" b="1" i="0" dirty="0">
+                <a:solidFill>
+                  <a:srgbClr val="000000"/>
+                </a:solidFill>
+                <a:effectLst/>
+                <a:latin typeface="arial" panose="020B0604020202020204" pitchFamily="34" charset="0"/>
+              </a:rPr>
+              <a:t>SNFG</a:t>
+            </a:r>
+          </a:p>
+        </p:txBody>
+      </p:sp>
+    </p:spTree>
+    <p:extLst>
+      <p:ext uri="{BB962C8B-B14F-4D97-AF65-F5344CB8AC3E}">
+        <p14:creationId xmlns:p14="http://schemas.microsoft.com/office/powerpoint/2010/main" val="1488004092"/>
+      </p:ext>
+    </p:extLst>
+  </p:cSld>
+  <p:clrMapOvr>
+    <a:masterClrMapping/>
+  </p:clrMapOvr>
+</p:sld>
+</file>
+
+<file path=ppt/slides/slide4.xml><?xml version="1.0" encoding="utf-8"?>
+<p:sld xmlns:a="http://schemas.openxmlformats.org/drawingml/2006/main" xmlns:r="http://schemas.openxmlformats.org/officeDocument/2006/relationships" xmlns:p="http://schemas.openxmlformats.org/presentationml/2006/main">
+  <p:cSld>
+    <p:spTree>
+      <p:nvGrpSpPr>
+        <p:cNvPr id="1" name=""/>
+        <p:cNvGrpSpPr/>
+        <p:nvPr/>
+      </p:nvGrpSpPr>
+      <p:grpSpPr>
+        <a:xfrm>
+          <a:off x="0" y="0"/>
+          <a:ext cx="0" cy="0"/>
+          <a:chOff x="0" y="0"/>
+          <a:chExt cx="0" cy="0"/>
+        </a:xfrm>
+      </p:grpSpPr>
+      <p:sp>
+        <p:nvSpPr>
+          <p:cNvPr id="2" name="楕円 1">
+            <a:extLst>
+              <a:ext uri="{FF2B5EF4-FFF2-40B4-BE49-F238E27FC236}">
+                <a16:creationId xmlns:a16="http://schemas.microsoft.com/office/drawing/2014/main" id="{99E2A3C1-8E54-23CE-CFCA-6E9E50E0826B}"/>
+              </a:ext>
+            </a:extLst>
+          </p:cNvPr>
+          <p:cNvSpPr/>
+          <p:nvPr/>
+        </p:nvSpPr>
+        <p:spPr>
+          <a:xfrm>
+            <a:off x="8922299" y="3211618"/>
+            <a:ext cx="439971" cy="434763"/>
+          </a:xfrm>
+          <a:prstGeom prst="ellipse">
+            <a:avLst/>
+          </a:prstGeom>
+          <a:noFill/>
+          <a:ln>
+            <a:solidFill>
+              <a:schemeClr val="tx1"/>
+            </a:solidFill>
+          </a:ln>
+        </p:spPr>
+        <p:style>
+          <a:lnRef idx="2">
+            <a:schemeClr val="accent1">
+              <a:shade val="50000"/>
+            </a:schemeClr>
+          </a:lnRef>
+          <a:fillRef idx="1">
+            <a:schemeClr val="accent1"/>
+          </a:fillRef>
+          <a:effectRef idx="0">
+            <a:schemeClr val="accent1"/>
+          </a:effectRef>
+          <a:fontRef idx="minor">
+            <a:schemeClr val="lt1"/>
+          </a:fontRef>
+        </p:style>
+        <p:txBody>
+          <a:bodyPr rtlCol="0" anchor="ctr"/>
+          <a:lstStyle/>
+          <a:p>
+            <a:pPr algn="ctr"/>
+            <a:r>
+              <a:rPr lang="en-US" altLang="ja-JP" dirty="0">
+                <a:solidFill>
+                  <a:schemeClr val="tx1"/>
+                </a:solidFill>
+              </a:rPr>
+              <a:t>5</a:t>
+            </a:r>
+            <a:endParaRPr kumimoji="1" lang="ja-JP" altLang="en-US" dirty="0">
+              <a:solidFill>
+                <a:schemeClr val="tx1"/>
+              </a:solidFill>
+            </a:endParaRPr>
+          </a:p>
+        </p:txBody>
+      </p:sp>
+      <p:cxnSp>
+        <p:nvCxnSpPr>
+          <p:cNvPr id="4" name="直線コネクタ 3">
+            <a:extLst>
+              <a:ext uri="{FF2B5EF4-FFF2-40B4-BE49-F238E27FC236}">
+                <a16:creationId xmlns:a16="http://schemas.microsoft.com/office/drawing/2014/main" id="{6F147F4B-8FAC-056D-BC9B-BF5397D939A4}"/>
+              </a:ext>
+            </a:extLst>
+          </p:cNvPr>
+          <p:cNvCxnSpPr>
+            <a:cxnSpLocks/>
+            <a:stCxn id="5" idx="6"/>
+            <a:endCxn id="2" idx="2"/>
+          </p:cNvCxnSpPr>
+          <p:nvPr/>
+        </p:nvCxnSpPr>
+        <p:spPr>
+          <a:xfrm>
+            <a:off x="8389259" y="3429000"/>
+            <a:ext cx="533040" cy="0"/>
+          </a:xfrm>
+          <a:prstGeom prst="line">
+            <a:avLst/>
+          </a:prstGeom>
+          <a:ln>
+            <a:solidFill>
+              <a:schemeClr val="tx1"/>
+            </a:solidFill>
+          </a:ln>
+        </p:spPr>
+        <p:style>
+          <a:lnRef idx="1">
+            <a:schemeClr val="accent1"/>
+          </a:lnRef>
+          <a:fillRef idx="0">
+            <a:schemeClr val="accent1"/>
+          </a:fillRef>
+          <a:effectRef idx="0">
+            <a:schemeClr val="accent1"/>
+          </a:effectRef>
+          <a:fontRef idx="minor">
+            <a:schemeClr val="tx1"/>
+          </a:fontRef>
+        </p:style>
+      </p:cxnSp>
+      <p:sp>
+        <p:nvSpPr>
+          <p:cNvPr id="5" name="楕円 4">
+            <a:extLst>
+              <a:ext uri="{FF2B5EF4-FFF2-40B4-BE49-F238E27FC236}">
+                <a16:creationId xmlns:a16="http://schemas.microsoft.com/office/drawing/2014/main" id="{2D4BC0B0-567F-CC57-EEC8-2C8E2A8B137D}"/>
+              </a:ext>
+            </a:extLst>
+          </p:cNvPr>
+          <p:cNvSpPr/>
+          <p:nvPr/>
+        </p:nvSpPr>
+        <p:spPr>
+          <a:xfrm>
+            <a:off x="7949288" y="3211618"/>
+            <a:ext cx="439971" cy="434763"/>
+          </a:xfrm>
+          <a:prstGeom prst="ellipse">
+            <a:avLst/>
+          </a:prstGeom>
+          <a:noFill/>
+          <a:ln>
+            <a:solidFill>
+              <a:schemeClr val="tx1"/>
+            </a:solidFill>
+          </a:ln>
+        </p:spPr>
+        <p:style>
+          <a:lnRef idx="2">
+            <a:schemeClr val="accent1">
+              <a:shade val="50000"/>
+            </a:schemeClr>
+          </a:lnRef>
+          <a:fillRef idx="1">
+            <a:schemeClr val="accent1"/>
+          </a:fillRef>
+          <a:effectRef idx="0">
+            <a:schemeClr val="accent1"/>
+          </a:effectRef>
+          <a:fontRef idx="minor">
+            <a:schemeClr val="lt1"/>
+          </a:fontRef>
+        </p:style>
+        <p:txBody>
+          <a:bodyPr rtlCol="0" anchor="ctr"/>
+          <a:lstStyle/>
+          <a:p>
+            <a:pPr algn="ctr"/>
+            <a:r>
+              <a:rPr kumimoji="1" lang="en-US" altLang="ja-JP" dirty="0">
+                <a:solidFill>
+                  <a:schemeClr val="tx1"/>
+                </a:solidFill>
+              </a:rPr>
+              <a:t>4</a:t>
+            </a:r>
+            <a:endParaRPr kumimoji="1" lang="ja-JP" altLang="en-US" dirty="0">
+              <a:solidFill>
+                <a:schemeClr val="tx1"/>
+              </a:solidFill>
+            </a:endParaRPr>
+          </a:p>
+        </p:txBody>
+      </p:sp>
+      <p:sp>
+        <p:nvSpPr>
+          <p:cNvPr id="15" name="楕円 14">
+            <a:extLst>
+              <a:ext uri="{FF2B5EF4-FFF2-40B4-BE49-F238E27FC236}">
+                <a16:creationId xmlns:a16="http://schemas.microsoft.com/office/drawing/2014/main" id="{A36C3C59-ABD2-F701-50FD-3A47E6659924}"/>
+              </a:ext>
+            </a:extLst>
+          </p:cNvPr>
+          <p:cNvSpPr/>
+          <p:nvPr/>
+        </p:nvSpPr>
+        <p:spPr>
+          <a:xfrm>
+            <a:off x="6976277" y="3211617"/>
+            <a:ext cx="439971" cy="434763"/>
+          </a:xfrm>
+          <a:prstGeom prst="ellipse">
+            <a:avLst/>
+          </a:prstGeom>
+          <a:noFill/>
+          <a:ln>
+            <a:solidFill>
+              <a:schemeClr val="tx1"/>
+            </a:solidFill>
+          </a:ln>
+        </p:spPr>
+        <p:style>
+          <a:lnRef idx="2">
+            <a:schemeClr val="accent1">
+              <a:shade val="50000"/>
+            </a:schemeClr>
+          </a:lnRef>
+          <a:fillRef idx="1">
+            <a:schemeClr val="accent1"/>
+          </a:fillRef>
+          <a:effectRef idx="0">
+            <a:schemeClr val="accent1"/>
+          </a:effectRef>
+          <a:fontRef idx="minor">
+            <a:schemeClr val="lt1"/>
+          </a:fontRef>
+        </p:style>
+        <p:txBody>
+          <a:bodyPr rtlCol="0" anchor="ctr"/>
+          <a:lstStyle/>
+          <a:p>
+            <a:pPr algn="ctr"/>
+            <a:r>
               <a:rPr lang="en-US" altLang="ja-JP" dirty="0">
                 <a:solidFill>
                   <a:schemeClr val="tx1"/>
@@ -9801,7 +11989,7 @@
 </p:sld>
 </file>
 
-<file path=ppt/slides/slide4.xml><?xml version="1.0" encoding="utf-8"?>
+<file path=ppt/slides/slide5.xml><?xml version="1.0" encoding="utf-8"?>
 <p:sld xmlns:a="http://schemas.openxmlformats.org/drawingml/2006/main" xmlns:r="http://schemas.openxmlformats.org/officeDocument/2006/relationships" xmlns:p="http://schemas.openxmlformats.org/presentationml/2006/main">
   <p:cSld>
     <p:spTree>

--- a/otmm_decimal/result_colab/result_novelty_5195_1.0_6_159_ColabPP/result_novelty_5195_1.0_6_159_parsing.pptx
+++ b/otmm_decimal/result_colab/result_novelty_5195_1.0_6_159_ColabPP/result_novelty_5195_1.0_6_159_parsing.pptx
@@ -263,7 +263,7 @@
           <a:p>
             <a:fld id="{A1CCF42C-534B-4F17-84EB-3026585EF5A2}" type="datetimeFigureOut">
               <a:rPr kumimoji="1" lang="ja-JP" altLang="en-US" smtClean="0"/>
-              <a:t>2023/1/3</a:t>
+              <a:t>2023/1/12</a:t>
             </a:fld>
             <a:endParaRPr kumimoji="1" lang="ja-JP" altLang="en-US"/>
           </a:p>
@@ -493,7 +493,7 @@
           <a:p>
             <a:fld id="{A1CCF42C-534B-4F17-84EB-3026585EF5A2}" type="datetimeFigureOut">
               <a:rPr kumimoji="1" lang="ja-JP" altLang="en-US" smtClean="0"/>
-              <a:t>2023/1/3</a:t>
+              <a:t>2023/1/12</a:t>
             </a:fld>
             <a:endParaRPr kumimoji="1" lang="ja-JP" altLang="en-US"/>
           </a:p>
@@ -733,7 +733,7 @@
           <a:p>
             <a:fld id="{A1CCF42C-534B-4F17-84EB-3026585EF5A2}" type="datetimeFigureOut">
               <a:rPr kumimoji="1" lang="ja-JP" altLang="en-US" smtClean="0"/>
-              <a:t>2023/1/3</a:t>
+              <a:t>2023/1/12</a:t>
             </a:fld>
             <a:endParaRPr kumimoji="1" lang="ja-JP" altLang="en-US"/>
           </a:p>
@@ -963,7 +963,7 @@
           <a:p>
             <a:fld id="{A1CCF42C-534B-4F17-84EB-3026585EF5A2}" type="datetimeFigureOut">
               <a:rPr kumimoji="1" lang="ja-JP" altLang="en-US" smtClean="0"/>
-              <a:t>2023/1/3</a:t>
+              <a:t>2023/1/12</a:t>
             </a:fld>
             <a:endParaRPr kumimoji="1" lang="ja-JP" altLang="en-US"/>
           </a:p>
@@ -1238,7 +1238,7 @@
           <a:p>
             <a:fld id="{A1CCF42C-534B-4F17-84EB-3026585EF5A2}" type="datetimeFigureOut">
               <a:rPr kumimoji="1" lang="ja-JP" altLang="en-US" smtClean="0"/>
-              <a:t>2023/1/3</a:t>
+              <a:t>2023/1/12</a:t>
             </a:fld>
             <a:endParaRPr kumimoji="1" lang="ja-JP" altLang="en-US"/>
           </a:p>
@@ -1567,7 +1567,7 @@
           <a:p>
             <a:fld id="{A1CCF42C-534B-4F17-84EB-3026585EF5A2}" type="datetimeFigureOut">
               <a:rPr kumimoji="1" lang="ja-JP" altLang="en-US" smtClean="0"/>
-              <a:t>2023/1/3</a:t>
+              <a:t>2023/1/12</a:t>
             </a:fld>
             <a:endParaRPr kumimoji="1" lang="ja-JP" altLang="en-US"/>
           </a:p>
@@ -2043,7 +2043,7 @@
           <a:p>
             <a:fld id="{A1CCF42C-534B-4F17-84EB-3026585EF5A2}" type="datetimeFigureOut">
               <a:rPr kumimoji="1" lang="ja-JP" altLang="en-US" smtClean="0"/>
-              <a:t>2023/1/3</a:t>
+              <a:t>2023/1/12</a:t>
             </a:fld>
             <a:endParaRPr kumimoji="1" lang="ja-JP" altLang="en-US"/>
           </a:p>
@@ -2184,7 +2184,7 @@
           <a:p>
             <a:fld id="{A1CCF42C-534B-4F17-84EB-3026585EF5A2}" type="datetimeFigureOut">
               <a:rPr kumimoji="1" lang="ja-JP" altLang="en-US" smtClean="0"/>
-              <a:t>2023/1/3</a:t>
+              <a:t>2023/1/12</a:t>
             </a:fld>
             <a:endParaRPr kumimoji="1" lang="ja-JP" altLang="en-US"/>
           </a:p>
@@ -2297,7 +2297,7 @@
           <a:p>
             <a:fld id="{A1CCF42C-534B-4F17-84EB-3026585EF5A2}" type="datetimeFigureOut">
               <a:rPr kumimoji="1" lang="ja-JP" altLang="en-US" smtClean="0"/>
-              <a:t>2023/1/3</a:t>
+              <a:t>2023/1/12</a:t>
             </a:fld>
             <a:endParaRPr kumimoji="1" lang="ja-JP" altLang="en-US"/>
           </a:p>
@@ -2640,7 +2640,7 @@
           <a:p>
             <a:fld id="{A1CCF42C-534B-4F17-84EB-3026585EF5A2}" type="datetimeFigureOut">
               <a:rPr kumimoji="1" lang="ja-JP" altLang="en-US" smtClean="0"/>
-              <a:t>2023/1/3</a:t>
+              <a:t>2023/1/12</a:t>
             </a:fld>
             <a:endParaRPr kumimoji="1" lang="ja-JP" altLang="en-US"/>
           </a:p>
@@ -2928,7 +2928,7 @@
           <a:p>
             <a:fld id="{A1CCF42C-534B-4F17-84EB-3026585EF5A2}" type="datetimeFigureOut">
               <a:rPr kumimoji="1" lang="ja-JP" altLang="en-US" smtClean="0"/>
-              <a:t>2023/1/3</a:t>
+              <a:t>2023/1/12</a:t>
             </a:fld>
             <a:endParaRPr kumimoji="1" lang="ja-JP" altLang="en-US"/>
           </a:p>
@@ -3201,7 +3201,7 @@
           <a:p>
             <a:fld id="{A1CCF42C-534B-4F17-84EB-3026585EF5A2}" type="datetimeFigureOut">
               <a:rPr kumimoji="1" lang="ja-JP" altLang="en-US" smtClean="0"/>
-              <a:t>2023/1/3</a:t>
+              <a:t>2023/1/12</a:t>
             </a:fld>
             <a:endParaRPr kumimoji="1" lang="ja-JP" altLang="en-US"/>
           </a:p>
@@ -6112,8 +6112,8 @@
         </p:nvSpPr>
         <p:spPr>
           <a:xfrm>
-            <a:off x="5870537" y="339747"/>
-            <a:ext cx="2976811" cy="2308324"/>
+            <a:off x="8100378" y="130965"/>
+            <a:ext cx="3266483" cy="2308324"/>
           </a:xfrm>
           <a:prstGeom prst="rect">
             <a:avLst/>
@@ -6128,11 +6128,7 @@
           <a:p>
             <a:r>
               <a:rPr lang="ja-JP" altLang="en-US" dirty="0"/>
-              <a:t>各状態から複数のラベルが出やすくなって</a:t>
-            </a:r>
-            <a:r>
-              <a:rPr lang="ja-JP" altLang="en-US"/>
-              <a:t>しまった。（生物学的にも）上手く構造を取得できなかったし、単糖のみのパターンより尤度も上がらなかった。</a:t>
+              <a:t>各状態から複数のラベルが出やすくなってしまった。（生物学的にも）上手く構造を取得できなかったし、単糖のみのパターンより尤度も上がらなかった。</a:t>
             </a:r>
             <a:endParaRPr lang="en-US" altLang="ja-JP" dirty="0"/>
           </a:p>
@@ -6159,7 +6155,7 @@
                   <a:srgbClr val="FF0000"/>
                 </a:solidFill>
               </a:rPr>
-              <a:t>は通常は内側の単糖。</a:t>
+              <a:t>は通常は内側の単糖（最初には出てこない）。</a:t>
             </a:r>
             <a:endParaRPr kumimoji="1" lang="ja-JP" altLang="en-US" dirty="0"/>
           </a:p>
@@ -6273,7 +6269,7 @@
         </p:nvSpPr>
         <p:spPr>
           <a:xfrm>
-            <a:off x="7377945" y="4551630"/>
+            <a:off x="8217524" y="4551630"/>
             <a:ext cx="439971" cy="434763"/>
           </a:xfrm>
           <a:prstGeom prst="ellipse">
@@ -6592,13 +6588,13 @@
         </p:nvCxnSpPr>
         <p:spPr>
           <a:xfrm rot="5400000" flipH="1">
-            <a:off x="7599772" y="4769012"/>
+            <a:off x="8439351" y="4769012"/>
             <a:ext cx="307423" cy="12700"/>
           </a:xfrm>
           <a:prstGeom prst="curvedConnector5">
             <a:avLst>
               <a:gd name="adj1" fmla="val -74360"/>
-              <a:gd name="adj2" fmla="val -4549819"/>
+              <a:gd name="adj2" fmla="val -4672827"/>
               <a:gd name="adj3" fmla="val 174360"/>
             </a:avLst>
           </a:prstGeom>
@@ -6678,7 +6674,7 @@
         </p:nvSpPr>
         <p:spPr>
           <a:xfrm>
-            <a:off x="6017270" y="4801726"/>
+            <a:off x="6041467" y="4277803"/>
             <a:ext cx="746970" cy="369332"/>
           </a:xfrm>
           <a:prstGeom prst="rect">
@@ -7601,15 +7597,15 @@
           </p:cNvPr>
           <p:cNvCxnSpPr>
             <a:cxnSpLocks/>
-            <a:stCxn id="5" idx="2"/>
-            <a:endCxn id="6" idx="6"/>
+            <a:stCxn id="5" idx="1"/>
+            <a:endCxn id="6" idx="7"/>
           </p:cNvCxnSpPr>
           <p:nvPr/>
         </p:nvCxnSpPr>
         <p:spPr>
           <a:xfrm flipH="1">
-            <a:off x="5403565" y="4769012"/>
-            <a:ext cx="1974380" cy="0"/>
+            <a:off x="5339133" y="4615300"/>
+            <a:ext cx="2942823" cy="0"/>
           </a:xfrm>
           <a:prstGeom prst="straightConnector1">
             <a:avLst/>
@@ -7647,7 +7643,7 @@
         </p:nvSpPr>
         <p:spPr>
           <a:xfrm>
-            <a:off x="8297442" y="4422055"/>
+            <a:off x="9114120" y="4422055"/>
             <a:ext cx="746970" cy="369332"/>
           </a:xfrm>
           <a:prstGeom prst="rect">
@@ -7929,7 +7925,7 @@
         </p:nvSpPr>
         <p:spPr>
           <a:xfrm>
-            <a:off x="4861726" y="2865454"/>
+            <a:off x="5509521" y="2874030"/>
             <a:ext cx="746970" cy="369332"/>
           </a:xfrm>
           <a:prstGeom prst="rect">
@@ -7974,7 +7970,7 @@
         </p:nvSpPr>
         <p:spPr>
           <a:xfrm>
-            <a:off x="8158090" y="3764060"/>
+            <a:off x="7535658" y="4176263"/>
             <a:ext cx="746970" cy="369332"/>
           </a:xfrm>
           <a:prstGeom prst="rect">
@@ -8115,14 +8111,14 @@
         </p:nvCxnSpPr>
         <p:spPr>
           <a:xfrm rot="5400000" flipH="1">
-            <a:off x="7599772" y="4769012"/>
+            <a:off x="8439351" y="4769012"/>
             <a:ext cx="307423" cy="12700"/>
           </a:xfrm>
           <a:prstGeom prst="curvedConnector5">
             <a:avLst>
-              <a:gd name="adj1" fmla="val -44843"/>
-              <a:gd name="adj2" fmla="val -3178394"/>
-              <a:gd name="adj3" fmla="val 142572"/>
+              <a:gd name="adj1" fmla="val -33490"/>
+              <a:gd name="adj2" fmla="val -3738504"/>
+              <a:gd name="adj3" fmla="val 144842"/>
             </a:avLst>
           </a:prstGeom>
           <a:ln w="12700">
@@ -8162,7 +8158,7 @@
         </p:nvSpPr>
         <p:spPr>
           <a:xfrm>
-            <a:off x="8297442" y="4764361"/>
+            <a:off x="9114120" y="4764361"/>
             <a:ext cx="746970" cy="369332"/>
           </a:xfrm>
           <a:prstGeom prst="rect">
@@ -8193,32 +8189,266 @@
           </a:p>
         </p:txBody>
       </p:sp>
+      <p:sp>
+        <p:nvSpPr>
+          <p:cNvPr id="181" name="テキスト ボックス 180">
+            <a:extLst>
+              <a:ext uri="{FF2B5EF4-FFF2-40B4-BE49-F238E27FC236}">
+                <a16:creationId xmlns:a16="http://schemas.microsoft.com/office/drawing/2014/main" id="{2B3887EF-5384-62DE-1412-D4A1369DACDA}"/>
+              </a:ext>
+            </a:extLst>
+          </p:cNvPr>
+          <p:cNvSpPr txBox="1"/>
+          <p:nvPr/>
+        </p:nvSpPr>
+        <p:spPr>
+          <a:xfrm>
+            <a:off x="8109490" y="5193521"/>
+            <a:ext cx="1934138" cy="830997"/>
+          </a:xfrm>
+          <a:prstGeom prst="rect">
+            <a:avLst/>
+          </a:prstGeom>
+          <a:noFill/>
+        </p:spPr>
+        <p:txBody>
+          <a:bodyPr wrap="square" rtlCol="0">
+            <a:spAutoFit/>
+          </a:bodyPr>
+          <a:lstStyle/>
+          <a:p>
+            <a:r>
+              <a:rPr lang="en-US" altLang="ja-JP" sz="1600" dirty="0"/>
+              <a:t>Man(a1-2) 0.27</a:t>
+            </a:r>
+          </a:p>
+          <a:p>
+            <a:r>
+              <a:rPr lang="en-US" altLang="ja-JP" sz="1600" dirty="0" err="1"/>
+              <a:t>GlcNAc</a:t>
+            </a:r>
+            <a:r>
+              <a:rPr lang="en-US" altLang="ja-JP" sz="1600" dirty="0"/>
+              <a:t>(b1-3)</a:t>
+            </a:r>
+            <a:r>
+              <a:rPr kumimoji="1" lang="en-US" altLang="ja-JP" sz="1600" dirty="0"/>
+              <a:t> 0.21</a:t>
+            </a:r>
+            <a:endParaRPr lang="en-US" altLang="ja-JP" sz="1600" dirty="0"/>
+          </a:p>
+          <a:p>
+            <a:r>
+              <a:rPr kumimoji="1" lang="en-US" altLang="ja-JP" sz="1600" dirty="0"/>
+              <a:t>Man(</a:t>
+            </a:r>
+            <a:r>
+              <a:rPr lang="en-US" altLang="ja-JP" sz="1600" dirty="0"/>
+              <a:t>a1-6) 0.19</a:t>
+            </a:r>
+            <a:endParaRPr kumimoji="1" lang="en-US" altLang="ja-JP" sz="1600" dirty="0"/>
+          </a:p>
+        </p:txBody>
+      </p:sp>
       <p:cxnSp>
         <p:nvCxnSpPr>
-          <p:cNvPr id="157" name="コネクタ: 曲線 156">
-            <a:extLst>
-              <a:ext uri="{FF2B5EF4-FFF2-40B4-BE49-F238E27FC236}">
-                <a16:creationId xmlns:a16="http://schemas.microsoft.com/office/drawing/2014/main" id="{329DF695-7C86-623D-761A-73BF728E98E8}"/>
+          <p:cNvPr id="7" name="直線矢印コネクタ 6">
+            <a:extLst>
+              <a:ext uri="{FF2B5EF4-FFF2-40B4-BE49-F238E27FC236}">
+                <a16:creationId xmlns:a16="http://schemas.microsoft.com/office/drawing/2014/main" id="{D19CB546-5AC3-C33D-8AFD-2D728E420EAA}"/>
               </a:ext>
             </a:extLst>
           </p:cNvPr>
           <p:cNvCxnSpPr>
             <a:cxnSpLocks/>
-            <a:stCxn id="5" idx="3"/>
-            <a:endCxn id="51" idx="2"/>
+            <a:stCxn id="6" idx="5"/>
+            <a:endCxn id="5" idx="3"/>
           </p:cNvCxnSpPr>
           <p:nvPr/>
         </p:nvCxnSpPr>
         <p:spPr>
-          <a:xfrm rot="5400000" flipH="1">
-            <a:off x="4636617" y="2116963"/>
-            <a:ext cx="3184736" cy="2426785"/>
-          </a:xfrm>
-          <a:prstGeom prst="curvedConnector4">
-            <a:avLst>
-              <a:gd name="adj1" fmla="val -39712"/>
-              <a:gd name="adj2" fmla="val 206310"/>
-            </a:avLst>
+          <a:xfrm>
+            <a:off x="5339133" y="4922723"/>
+            <a:ext cx="2942823" cy="0"/>
+          </a:xfrm>
+          <a:prstGeom prst="straightConnector1">
+            <a:avLst/>
+          </a:prstGeom>
+          <a:ln w="12700">
+            <a:tailEnd type="triangle"/>
+          </a:ln>
+        </p:spPr>
+        <p:style>
+          <a:lnRef idx="1">
+            <a:schemeClr val="accent1"/>
+          </a:lnRef>
+          <a:fillRef idx="0">
+            <a:schemeClr val="accent1"/>
+          </a:fillRef>
+          <a:effectRef idx="0">
+            <a:schemeClr val="accent1"/>
+          </a:effectRef>
+          <a:fontRef idx="minor">
+            <a:schemeClr val="tx1"/>
+          </a:fontRef>
+        </p:style>
+      </p:cxnSp>
+      <p:sp>
+        <p:nvSpPr>
+          <p:cNvPr id="13" name="テキスト ボックス 12">
+            <a:extLst>
+              <a:ext uri="{FF2B5EF4-FFF2-40B4-BE49-F238E27FC236}">
+                <a16:creationId xmlns:a16="http://schemas.microsoft.com/office/drawing/2014/main" id="{3880E6D5-097B-4186-554F-61D677DD9609}"/>
+              </a:ext>
+            </a:extLst>
+          </p:cNvPr>
+          <p:cNvSpPr txBox="1"/>
+          <p:nvPr/>
+        </p:nvSpPr>
+        <p:spPr>
+          <a:xfrm>
+            <a:off x="6039080" y="4939883"/>
+            <a:ext cx="746970" cy="369332"/>
+          </a:xfrm>
+          <a:prstGeom prst="rect">
+            <a:avLst/>
+          </a:prstGeom>
+          <a:noFill/>
+        </p:spPr>
+        <p:txBody>
+          <a:bodyPr wrap="square" rtlCol="0">
+            <a:spAutoFit/>
+          </a:bodyPr>
+          <a:lstStyle/>
+          <a:p>
+            <a:pPr algn="ctr"/>
+            <a:r>
+              <a:rPr kumimoji="1" lang="en-US" altLang="ja-JP" dirty="0">
+                <a:solidFill>
+                  <a:schemeClr val="accent1"/>
+                </a:solidFill>
+              </a:rPr>
+              <a:t>0.13</a:t>
+            </a:r>
+            <a:endParaRPr kumimoji="1" lang="ja-JP" altLang="en-US" dirty="0">
+              <a:solidFill>
+                <a:schemeClr val="accent1"/>
+              </a:solidFill>
+            </a:endParaRPr>
+          </a:p>
+        </p:txBody>
+      </p:sp>
+      <p:cxnSp>
+        <p:nvCxnSpPr>
+          <p:cNvPr id="15" name="直線矢印コネクタ 14">
+            <a:extLst>
+              <a:ext uri="{FF2B5EF4-FFF2-40B4-BE49-F238E27FC236}">
+                <a16:creationId xmlns:a16="http://schemas.microsoft.com/office/drawing/2014/main" id="{5AE0C7C9-646D-2ABA-0A37-98DFE54B37E7}"/>
+              </a:ext>
+            </a:extLst>
+          </p:cNvPr>
+          <p:cNvCxnSpPr>
+            <a:cxnSpLocks/>
+            <a:stCxn id="6" idx="0"/>
+            <a:endCxn id="51" idx="4"/>
+          </p:cNvCxnSpPr>
+          <p:nvPr/>
+        </p:nvCxnSpPr>
+        <p:spPr>
+          <a:xfrm flipV="1">
+            <a:off x="5183580" y="1955368"/>
+            <a:ext cx="51998" cy="2596262"/>
+          </a:xfrm>
+          <a:prstGeom prst="straightConnector1">
+            <a:avLst/>
+          </a:prstGeom>
+          <a:ln w="12700">
+            <a:tailEnd type="triangle"/>
+          </a:ln>
+        </p:spPr>
+        <p:style>
+          <a:lnRef idx="1">
+            <a:schemeClr val="accent1"/>
+          </a:lnRef>
+          <a:fillRef idx="0">
+            <a:schemeClr val="accent1"/>
+          </a:fillRef>
+          <a:effectRef idx="0">
+            <a:schemeClr val="accent1"/>
+          </a:effectRef>
+          <a:fontRef idx="minor">
+            <a:schemeClr val="tx1"/>
+          </a:fontRef>
+        </p:style>
+      </p:cxnSp>
+      <p:sp>
+        <p:nvSpPr>
+          <p:cNvPr id="18" name="テキスト ボックス 17">
+            <a:extLst>
+              <a:ext uri="{FF2B5EF4-FFF2-40B4-BE49-F238E27FC236}">
+                <a16:creationId xmlns:a16="http://schemas.microsoft.com/office/drawing/2014/main" id="{444F6B79-E4AF-9D8B-A65F-59D9A64D14CE}"/>
+              </a:ext>
+            </a:extLst>
+          </p:cNvPr>
+          <p:cNvSpPr txBox="1"/>
+          <p:nvPr/>
+        </p:nvSpPr>
+        <p:spPr>
+          <a:xfrm>
+            <a:off x="4530601" y="2591301"/>
+            <a:ext cx="746970" cy="369332"/>
+          </a:xfrm>
+          <a:prstGeom prst="rect">
+            <a:avLst/>
+          </a:prstGeom>
+          <a:noFill/>
+        </p:spPr>
+        <p:txBody>
+          <a:bodyPr wrap="square" rtlCol="0">
+            <a:spAutoFit/>
+          </a:bodyPr>
+          <a:lstStyle/>
+          <a:p>
+            <a:pPr algn="ctr"/>
+            <a:r>
+              <a:rPr kumimoji="1" lang="en-US" altLang="ja-JP" dirty="0">
+                <a:solidFill>
+                  <a:schemeClr val="accent1"/>
+                </a:solidFill>
+              </a:rPr>
+              <a:t>0.86</a:t>
+            </a:r>
+            <a:endParaRPr kumimoji="1" lang="ja-JP" altLang="en-US" dirty="0">
+              <a:solidFill>
+                <a:schemeClr val="accent1"/>
+              </a:solidFill>
+            </a:endParaRPr>
+          </a:p>
+        </p:txBody>
+      </p:sp>
+      <p:cxnSp>
+        <p:nvCxnSpPr>
+          <p:cNvPr id="37" name="直線矢印コネクタ 36">
+            <a:extLst>
+              <a:ext uri="{FF2B5EF4-FFF2-40B4-BE49-F238E27FC236}">
+                <a16:creationId xmlns:a16="http://schemas.microsoft.com/office/drawing/2014/main" id="{DE8C5BAD-5AAD-B5E5-18CB-3B6E3068FA1F}"/>
+              </a:ext>
+            </a:extLst>
+          </p:cNvPr>
+          <p:cNvCxnSpPr>
+            <a:cxnSpLocks/>
+            <a:stCxn id="5" idx="1"/>
+            <a:endCxn id="34" idx="3"/>
+          </p:cNvCxnSpPr>
+          <p:nvPr/>
+        </p:nvCxnSpPr>
+        <p:spPr>
+          <a:xfrm flipH="1" flipV="1">
+            <a:off x="8276820" y="3374688"/>
+            <a:ext cx="5136" cy="1240612"/>
+          </a:xfrm>
+          <a:prstGeom prst="straightConnector1">
+            <a:avLst/>
           </a:prstGeom>
           <a:ln w="12700">
             <a:solidFill>
@@ -8243,142 +8473,31 @@
           </a:fontRef>
         </p:style>
       </p:cxnSp>
-      <p:sp>
-        <p:nvSpPr>
-          <p:cNvPr id="177" name="テキスト ボックス 176">
-            <a:extLst>
-              <a:ext uri="{FF2B5EF4-FFF2-40B4-BE49-F238E27FC236}">
-                <a16:creationId xmlns:a16="http://schemas.microsoft.com/office/drawing/2014/main" id="{5363F279-40CA-9A16-9735-A2F84CE490F5}"/>
-              </a:ext>
-            </a:extLst>
-          </p:cNvPr>
-          <p:cNvSpPr txBox="1"/>
-          <p:nvPr/>
-        </p:nvSpPr>
-        <p:spPr>
-          <a:xfrm>
-            <a:off x="1735080" y="3721049"/>
-            <a:ext cx="746970" cy="369332"/>
-          </a:xfrm>
-          <a:prstGeom prst="rect">
-            <a:avLst/>
-          </a:prstGeom>
-          <a:noFill/>
-        </p:spPr>
-        <p:txBody>
-          <a:bodyPr wrap="square" rtlCol="0">
-            <a:spAutoFit/>
-          </a:bodyPr>
-          <a:lstStyle/>
-          <a:p>
-            <a:pPr algn="ctr"/>
-            <a:r>
-              <a:rPr kumimoji="1" lang="en-US" altLang="ja-JP" dirty="0">
-                <a:solidFill>
-                  <a:schemeClr val="accent2"/>
-                </a:solidFill>
-              </a:rPr>
-              <a:t>0.23</a:t>
-            </a:r>
-            <a:endParaRPr kumimoji="1" lang="ja-JP" altLang="en-US" dirty="0">
-              <a:solidFill>
-                <a:schemeClr val="accent2"/>
-              </a:solidFill>
-            </a:endParaRPr>
-          </a:p>
-        </p:txBody>
-      </p:sp>
-      <p:sp>
-        <p:nvSpPr>
-          <p:cNvPr id="181" name="テキスト ボックス 180">
-            <a:extLst>
-              <a:ext uri="{FF2B5EF4-FFF2-40B4-BE49-F238E27FC236}">
-                <a16:creationId xmlns:a16="http://schemas.microsoft.com/office/drawing/2014/main" id="{2B3887EF-5384-62DE-1412-D4A1369DACDA}"/>
-              </a:ext>
-            </a:extLst>
-          </p:cNvPr>
-          <p:cNvSpPr txBox="1"/>
-          <p:nvPr/>
-        </p:nvSpPr>
-        <p:spPr>
-          <a:xfrm>
-            <a:off x="7292812" y="5193521"/>
-            <a:ext cx="1934138" cy="830997"/>
-          </a:xfrm>
-          <a:prstGeom prst="rect">
-            <a:avLst/>
-          </a:prstGeom>
-          <a:noFill/>
-        </p:spPr>
-        <p:txBody>
-          <a:bodyPr wrap="square" rtlCol="0">
-            <a:spAutoFit/>
-          </a:bodyPr>
-          <a:lstStyle/>
-          <a:p>
-            <a:r>
-              <a:rPr lang="en-US" altLang="ja-JP" sz="1600" dirty="0"/>
-              <a:t>Man(a1-2) 0.27</a:t>
-            </a:r>
-          </a:p>
-          <a:p>
-            <a:r>
-              <a:rPr lang="en-US" altLang="ja-JP" sz="1600" dirty="0" err="1"/>
-              <a:t>GlcNAc</a:t>
-            </a:r>
-            <a:r>
-              <a:rPr lang="en-US" altLang="ja-JP" sz="1600" dirty="0"/>
-              <a:t>(b1-3)</a:t>
-            </a:r>
-            <a:r>
-              <a:rPr kumimoji="1" lang="en-US" altLang="ja-JP" sz="1600" dirty="0"/>
-              <a:t> 0.21</a:t>
-            </a:r>
-            <a:endParaRPr lang="en-US" altLang="ja-JP" sz="1600" dirty="0"/>
-          </a:p>
-          <a:p>
-            <a:r>
-              <a:rPr kumimoji="1" lang="en-US" altLang="ja-JP" sz="1600" dirty="0"/>
-              <a:t>Man(</a:t>
-            </a:r>
-            <a:r>
-              <a:rPr lang="en-US" altLang="ja-JP" sz="1600" dirty="0"/>
-              <a:t>a1-6) 0.19</a:t>
-            </a:r>
-            <a:endParaRPr kumimoji="1" lang="en-US" altLang="ja-JP" sz="1600" dirty="0"/>
-          </a:p>
-        </p:txBody>
-      </p:sp>
       <p:cxnSp>
         <p:nvCxnSpPr>
-          <p:cNvPr id="182" name="コネクタ: 曲線 181">
-            <a:extLst>
-              <a:ext uri="{FF2B5EF4-FFF2-40B4-BE49-F238E27FC236}">
-                <a16:creationId xmlns:a16="http://schemas.microsoft.com/office/drawing/2014/main" id="{CEB06D3C-1B8E-2417-6DEA-5A4355FCA693}"/>
+          <p:cNvPr id="41" name="直線矢印コネクタ 40">
+            <a:extLst>
+              <a:ext uri="{FF2B5EF4-FFF2-40B4-BE49-F238E27FC236}">
+                <a16:creationId xmlns:a16="http://schemas.microsoft.com/office/drawing/2014/main" id="{B385A5BD-AB90-A23C-6E47-1EE46550B27C}"/>
               </a:ext>
             </a:extLst>
           </p:cNvPr>
           <p:cNvCxnSpPr>
             <a:cxnSpLocks/>
-            <a:stCxn id="5" idx="0"/>
+            <a:stCxn id="34" idx="4"/>
+            <a:endCxn id="5" idx="0"/>
           </p:cNvCxnSpPr>
           <p:nvPr/>
         </p:nvCxnSpPr>
         <p:spPr>
-          <a:xfrm rot="5400000" flipH="1" flipV="1">
-            <a:off x="7390172" y="3644359"/>
-            <a:ext cx="1115031" cy="699513"/>
-          </a:xfrm>
-          <a:prstGeom prst="curvedConnector3">
-            <a:avLst>
-              <a:gd name="adj1" fmla="val 34380"/>
-            </a:avLst>
+          <a:xfrm>
+            <a:off x="8432374" y="3438358"/>
+            <a:ext cx="5136" cy="1113272"/>
+          </a:xfrm>
+          <a:prstGeom prst="straightConnector1">
+            <a:avLst/>
           </a:prstGeom>
           <a:ln w="12700">
-            <a:solidFill>
-              <a:schemeClr val="accent2"/>
-            </a:solidFill>
-            <a:prstDash val="sysDash"/>
             <a:tailEnd type="triangle"/>
           </a:ln>
         </p:spPr>
@@ -8397,6 +8516,51 @@
           </a:fontRef>
         </p:style>
       </p:cxnSp>
+      <p:sp>
+        <p:nvSpPr>
+          <p:cNvPr id="47" name="テキスト ボックス 46">
+            <a:extLst>
+              <a:ext uri="{FF2B5EF4-FFF2-40B4-BE49-F238E27FC236}">
+                <a16:creationId xmlns:a16="http://schemas.microsoft.com/office/drawing/2014/main" id="{1EF5973E-E53F-EE45-2B39-35B4AF7C2EAC}"/>
+              </a:ext>
+            </a:extLst>
+          </p:cNvPr>
+          <p:cNvSpPr txBox="1"/>
+          <p:nvPr/>
+        </p:nvSpPr>
+        <p:spPr>
+          <a:xfrm>
+            <a:off x="8388617" y="3759162"/>
+            <a:ext cx="746970" cy="369332"/>
+          </a:xfrm>
+          <a:prstGeom prst="rect">
+            <a:avLst/>
+          </a:prstGeom>
+          <a:noFill/>
+        </p:spPr>
+        <p:txBody>
+          <a:bodyPr wrap="square" rtlCol="0">
+            <a:spAutoFit/>
+          </a:bodyPr>
+          <a:lstStyle/>
+          <a:p>
+            <a:pPr algn="ctr"/>
+            <a:r>
+              <a:rPr kumimoji="1" lang="en-US" altLang="ja-JP" dirty="0">
+                <a:solidFill>
+                  <a:schemeClr val="accent1"/>
+                </a:solidFill>
+              </a:rPr>
+              <a:t>0.10</a:t>
+            </a:r>
+            <a:endParaRPr kumimoji="1" lang="ja-JP" altLang="en-US" dirty="0">
+              <a:solidFill>
+                <a:schemeClr val="accent1"/>
+              </a:solidFill>
+            </a:endParaRPr>
+          </a:p>
+        </p:txBody>
+      </p:sp>
     </p:spTree>
     <p:extLst>
       <p:ext uri="{BB962C8B-B14F-4D97-AF65-F5344CB8AC3E}">
@@ -11958,7 +12122,7 @@
         </p:blipFill>
         <p:spPr bwMode="auto">
           <a:xfrm>
-            <a:off x="6966474" y="3720806"/>
+            <a:off x="8389259" y="3784476"/>
             <a:ext cx="4050416" cy="3038907"/>
           </a:xfrm>
           <a:prstGeom prst="rect">

--- a/otmm_decimal/result_colab/result_novelty_5195_1.0_6_159_ColabPP/result_novelty_5195_1.0_6_159_parsing.pptx
+++ b/otmm_decimal/result_colab/result_novelty_5195_1.0_6_159_ColabPP/result_novelty_5195_1.0_6_159_parsing.pptx
@@ -263,7 +263,7 @@
           <a:p>
             <a:fld id="{A1CCF42C-534B-4F17-84EB-3026585EF5A2}" type="datetimeFigureOut">
               <a:rPr kumimoji="1" lang="ja-JP" altLang="en-US" smtClean="0"/>
-              <a:t>2023/1/12</a:t>
+              <a:t>2023/1/22</a:t>
             </a:fld>
             <a:endParaRPr kumimoji="1" lang="ja-JP" altLang="en-US"/>
           </a:p>
@@ -493,7 +493,7 @@
           <a:p>
             <a:fld id="{A1CCF42C-534B-4F17-84EB-3026585EF5A2}" type="datetimeFigureOut">
               <a:rPr kumimoji="1" lang="ja-JP" altLang="en-US" smtClean="0"/>
-              <a:t>2023/1/12</a:t>
+              <a:t>2023/1/22</a:t>
             </a:fld>
             <a:endParaRPr kumimoji="1" lang="ja-JP" altLang="en-US"/>
           </a:p>
@@ -733,7 +733,7 @@
           <a:p>
             <a:fld id="{A1CCF42C-534B-4F17-84EB-3026585EF5A2}" type="datetimeFigureOut">
               <a:rPr kumimoji="1" lang="ja-JP" altLang="en-US" smtClean="0"/>
-              <a:t>2023/1/12</a:t>
+              <a:t>2023/1/22</a:t>
             </a:fld>
             <a:endParaRPr kumimoji="1" lang="ja-JP" altLang="en-US"/>
           </a:p>
@@ -963,7 +963,7 @@
           <a:p>
             <a:fld id="{A1CCF42C-534B-4F17-84EB-3026585EF5A2}" type="datetimeFigureOut">
               <a:rPr kumimoji="1" lang="ja-JP" altLang="en-US" smtClean="0"/>
-              <a:t>2023/1/12</a:t>
+              <a:t>2023/1/22</a:t>
             </a:fld>
             <a:endParaRPr kumimoji="1" lang="ja-JP" altLang="en-US"/>
           </a:p>
@@ -1238,7 +1238,7 @@
           <a:p>
             <a:fld id="{A1CCF42C-534B-4F17-84EB-3026585EF5A2}" type="datetimeFigureOut">
               <a:rPr kumimoji="1" lang="ja-JP" altLang="en-US" smtClean="0"/>
-              <a:t>2023/1/12</a:t>
+              <a:t>2023/1/22</a:t>
             </a:fld>
             <a:endParaRPr kumimoji="1" lang="ja-JP" altLang="en-US"/>
           </a:p>
@@ -1567,7 +1567,7 @@
           <a:p>
             <a:fld id="{A1CCF42C-534B-4F17-84EB-3026585EF5A2}" type="datetimeFigureOut">
               <a:rPr kumimoji="1" lang="ja-JP" altLang="en-US" smtClean="0"/>
-              <a:t>2023/1/12</a:t>
+              <a:t>2023/1/22</a:t>
             </a:fld>
             <a:endParaRPr kumimoji="1" lang="ja-JP" altLang="en-US"/>
           </a:p>
@@ -2043,7 +2043,7 @@
           <a:p>
             <a:fld id="{A1CCF42C-534B-4F17-84EB-3026585EF5A2}" type="datetimeFigureOut">
               <a:rPr kumimoji="1" lang="ja-JP" altLang="en-US" smtClean="0"/>
-              <a:t>2023/1/12</a:t>
+              <a:t>2023/1/22</a:t>
             </a:fld>
             <a:endParaRPr kumimoji="1" lang="ja-JP" altLang="en-US"/>
           </a:p>
@@ -2184,7 +2184,7 @@
           <a:p>
             <a:fld id="{A1CCF42C-534B-4F17-84EB-3026585EF5A2}" type="datetimeFigureOut">
               <a:rPr kumimoji="1" lang="ja-JP" altLang="en-US" smtClean="0"/>
-              <a:t>2023/1/12</a:t>
+              <a:t>2023/1/22</a:t>
             </a:fld>
             <a:endParaRPr kumimoji="1" lang="ja-JP" altLang="en-US"/>
           </a:p>
@@ -2297,7 +2297,7 @@
           <a:p>
             <a:fld id="{A1CCF42C-534B-4F17-84EB-3026585EF5A2}" type="datetimeFigureOut">
               <a:rPr kumimoji="1" lang="ja-JP" altLang="en-US" smtClean="0"/>
-              <a:t>2023/1/12</a:t>
+              <a:t>2023/1/22</a:t>
             </a:fld>
             <a:endParaRPr kumimoji="1" lang="ja-JP" altLang="en-US"/>
           </a:p>
@@ -2640,7 +2640,7 @@
           <a:p>
             <a:fld id="{A1CCF42C-534B-4F17-84EB-3026585EF5A2}" type="datetimeFigureOut">
               <a:rPr kumimoji="1" lang="ja-JP" altLang="en-US" smtClean="0"/>
-              <a:t>2023/1/12</a:t>
+              <a:t>2023/1/22</a:t>
             </a:fld>
             <a:endParaRPr kumimoji="1" lang="ja-JP" altLang="en-US"/>
           </a:p>
@@ -2928,7 +2928,7 @@
           <a:p>
             <a:fld id="{A1CCF42C-534B-4F17-84EB-3026585EF5A2}" type="datetimeFigureOut">
               <a:rPr kumimoji="1" lang="ja-JP" altLang="en-US" smtClean="0"/>
-              <a:t>2023/1/12</a:t>
+              <a:t>2023/1/22</a:t>
             </a:fld>
             <a:endParaRPr kumimoji="1" lang="ja-JP" altLang="en-US"/>
           </a:p>
@@ -3201,7 +3201,7 @@
           <a:p>
             <a:fld id="{A1CCF42C-534B-4F17-84EB-3026585EF5A2}" type="datetimeFigureOut">
               <a:rPr kumimoji="1" lang="ja-JP" altLang="en-US" smtClean="0"/>
-              <a:t>2023/1/12</a:t>
+              <a:t>2023/1/22</a:t>
             </a:fld>
             <a:endParaRPr kumimoji="1" lang="ja-JP" altLang="en-US"/>
           </a:p>
@@ -6879,8 +6879,12 @@
               <a:t>Fuc</a:t>
             </a:r>
             <a:r>
+              <a:rPr lang="en-US" altLang="ja-JP" sz="1600"/>
+              <a:t>(a1-6</a:t>
+            </a:r>
+            <a:r>
               <a:rPr lang="en-US" altLang="ja-JP" sz="1600" dirty="0"/>
-              <a:t>(a16)</a:t>
+              <a:t>)</a:t>
             </a:r>
             <a:r>
               <a:rPr kumimoji="1" lang="en-US" altLang="ja-JP" sz="1600" dirty="0"/>
@@ -8561,6 +8565,164 @@
           </a:p>
         </p:txBody>
       </p:sp>
+      <p:sp>
+        <p:nvSpPr>
+          <p:cNvPr id="3" name="テキスト ボックス 2">
+            <a:extLst>
+              <a:ext uri="{FF2B5EF4-FFF2-40B4-BE49-F238E27FC236}">
+                <a16:creationId xmlns:a16="http://schemas.microsoft.com/office/drawing/2014/main" id="{87473DBB-718B-AFE9-53DC-1E67C3BFF32C}"/>
+              </a:ext>
+            </a:extLst>
+          </p:cNvPr>
+          <p:cNvSpPr txBox="1"/>
+          <p:nvPr/>
+        </p:nvSpPr>
+        <p:spPr>
+          <a:xfrm>
+            <a:off x="8652359" y="892354"/>
+            <a:ext cx="1102310" cy="369332"/>
+          </a:xfrm>
+          <a:prstGeom prst="rect">
+            <a:avLst/>
+          </a:prstGeom>
+          <a:noFill/>
+        </p:spPr>
+        <p:txBody>
+          <a:bodyPr wrap="square" rtlCol="0">
+            <a:spAutoFit/>
+          </a:bodyPr>
+          <a:lstStyle/>
+          <a:p>
+            <a:r>
+              <a:rPr lang="ja-JP" altLang="en-US" dirty="0"/>
+              <a:t>親子関係</a:t>
+            </a:r>
+            <a:endParaRPr kumimoji="1" lang="ja-JP" altLang="en-US" dirty="0"/>
+          </a:p>
+        </p:txBody>
+      </p:sp>
+      <p:cxnSp>
+        <p:nvCxnSpPr>
+          <p:cNvPr id="4" name="直線矢印コネクタ 3">
+            <a:extLst>
+              <a:ext uri="{FF2B5EF4-FFF2-40B4-BE49-F238E27FC236}">
+                <a16:creationId xmlns:a16="http://schemas.microsoft.com/office/drawing/2014/main" id="{74D14E89-8C41-5D0D-7E87-B88B33FD475F}"/>
+              </a:ext>
+            </a:extLst>
+          </p:cNvPr>
+          <p:cNvCxnSpPr>
+            <a:cxnSpLocks/>
+          </p:cNvCxnSpPr>
+          <p:nvPr/>
+        </p:nvCxnSpPr>
+        <p:spPr>
+          <a:xfrm flipV="1">
+            <a:off x="7905387" y="1079408"/>
+            <a:ext cx="746972" cy="6350"/>
+          </a:xfrm>
+          <a:prstGeom prst="straightConnector1">
+            <a:avLst/>
+          </a:prstGeom>
+          <a:ln w="12700">
+            <a:tailEnd type="triangle"/>
+          </a:ln>
+        </p:spPr>
+        <p:style>
+          <a:lnRef idx="1">
+            <a:schemeClr val="accent1"/>
+          </a:lnRef>
+          <a:fillRef idx="0">
+            <a:schemeClr val="accent1"/>
+          </a:fillRef>
+          <a:effectRef idx="0">
+            <a:schemeClr val="accent1"/>
+          </a:effectRef>
+          <a:fontRef idx="minor">
+            <a:schemeClr val="tx1"/>
+          </a:fontRef>
+        </p:style>
+      </p:cxnSp>
+      <p:sp>
+        <p:nvSpPr>
+          <p:cNvPr id="8" name="テキスト ボックス 7">
+            <a:extLst>
+              <a:ext uri="{FF2B5EF4-FFF2-40B4-BE49-F238E27FC236}">
+                <a16:creationId xmlns:a16="http://schemas.microsoft.com/office/drawing/2014/main" id="{E0B62E6B-BD31-AD41-524C-9A18321A4F65}"/>
+              </a:ext>
+            </a:extLst>
+          </p:cNvPr>
+          <p:cNvSpPr txBox="1"/>
+          <p:nvPr/>
+        </p:nvSpPr>
+        <p:spPr>
+          <a:xfrm>
+            <a:off x="8652359" y="1272812"/>
+            <a:ext cx="1102310" cy="369332"/>
+          </a:xfrm>
+          <a:prstGeom prst="rect">
+            <a:avLst/>
+          </a:prstGeom>
+          <a:noFill/>
+        </p:spPr>
+        <p:txBody>
+          <a:bodyPr wrap="square" rtlCol="0">
+            <a:spAutoFit/>
+          </a:bodyPr>
+          <a:lstStyle/>
+          <a:p>
+            <a:r>
+              <a:rPr lang="ja-JP" altLang="en-US" dirty="0"/>
+              <a:t>兄弟関係</a:t>
+            </a:r>
+            <a:endParaRPr kumimoji="1" lang="ja-JP" altLang="en-US" dirty="0"/>
+          </a:p>
+        </p:txBody>
+      </p:sp>
+      <p:cxnSp>
+        <p:nvCxnSpPr>
+          <p:cNvPr id="9" name="直線矢印コネクタ 8">
+            <a:extLst>
+              <a:ext uri="{FF2B5EF4-FFF2-40B4-BE49-F238E27FC236}">
+                <a16:creationId xmlns:a16="http://schemas.microsoft.com/office/drawing/2014/main" id="{CB4CE4DB-BFA9-0F45-3493-58507BCEE0A5}"/>
+              </a:ext>
+            </a:extLst>
+          </p:cNvPr>
+          <p:cNvCxnSpPr>
+            <a:cxnSpLocks/>
+          </p:cNvCxnSpPr>
+          <p:nvPr/>
+        </p:nvCxnSpPr>
+        <p:spPr>
+          <a:xfrm flipV="1">
+            <a:off x="7905387" y="1459866"/>
+            <a:ext cx="746972" cy="6350"/>
+          </a:xfrm>
+          <a:prstGeom prst="straightConnector1">
+            <a:avLst/>
+          </a:prstGeom>
+          <a:ln w="12700">
+            <a:solidFill>
+              <a:schemeClr val="accent2"/>
+            </a:solidFill>
+            <a:prstDash val="sysDash"/>
+            <a:tailEnd type="triangle"/>
+          </a:ln>
+        </p:spPr>
+        <p:style>
+          <a:lnRef idx="1">
+            <a:schemeClr val="accent1"/>
+          </a:lnRef>
+          <a:fillRef idx="0">
+            <a:schemeClr val="accent1"/>
+          </a:fillRef>
+          <a:effectRef idx="0">
+            <a:schemeClr val="accent1"/>
+          </a:effectRef>
+          <a:fontRef idx="minor">
+            <a:schemeClr val="tx1"/>
+          </a:fontRef>
+        </p:style>
+      </p:cxnSp>
     </p:spTree>
     <p:extLst>
       <p:ext uri="{BB962C8B-B14F-4D97-AF65-F5344CB8AC3E}">
